--- a/latex/poster.pptx
+++ b/latex/poster.pptx
@@ -4,6 +4,9 @@
   <p:sldMasterIdLst>
     <p:sldMasterId id="2147483672" r:id="rId1"/>
   </p:sldMasterIdLst>
+  <p:notesMasterIdLst>
+    <p:notesMasterId r:id="rId3"/>
+  </p:notesMasterIdLst>
   <p:sldIdLst>
     <p:sldId id="256" r:id="rId2"/>
   </p:sldIdLst>
@@ -104,12 +107,17 @@
       </a:defRPr>
     </a:lvl9pPr>
   </p:defaultTextStyle>
+  <p:extLst>
+    <p:ext uri="{EFAFB233-063F-42B5-8137-9DF3F51BA10A}">
+      <p15:sldGuideLst xmlns:p15="http://schemas.microsoft.com/office/powerpoint/2012/main"/>
+    </p:ext>
+  </p:extLst>
 </p:presentation>
 </file>
 
 <file path=ppt/commentAuthors.xml><?xml version="1.0" encoding="utf-8"?>
 <p:cmAuthorLst xmlns:a="http://schemas.openxmlformats.org/drawingml/2006/main" xmlns:r="http://schemas.openxmlformats.org/officeDocument/2006/relationships" xmlns:p="http://schemas.openxmlformats.org/presentationml/2006/main">
-  <p:cmAuthor id="1" name="Alex Wang" initials="AW" lastIdx="2" clrIdx="0">
+  <p:cmAuthor id="1" name="Alex Wang" initials="AW" lastIdx="3" clrIdx="0">
     <p:extLst>
       <p:ext uri="{19B8F6BF-5375-455C-9EA6-DF929625EA0E}">
         <p15:presenceInfo xmlns:p15="http://schemas.microsoft.com/office/powerpoint/2012/main" userId="127573a1e9aaad95" providerId="Windows Live"/>
@@ -131,15 +139,460 @@
     </p:extLst>
   </p:cm>
   <p:cm authorId="1" dt="2015-12-02T00:22:32.494" idx="2">
-    <p:pos x="3091" y="15858"/>
+    <p:pos x="5907" y="10946"/>
     <p:text>make sure labels are correct?</p:text>
-    <p:extLst>
+    <p:extLst mod="1">
       <p:ext uri="{C676402C-5697-4E1C-873F-D02D1690AC5C}">
         <p15:threadingInfo xmlns:p15="http://schemas.microsoft.com/office/powerpoint/2012/main" timeZoneBias="300"/>
       </p:ext>
     </p:extLst>
   </p:cm>
+  <p:cm authorId="1" dt="2015-12-02T16:06:17.040" idx="3">
+    <p:pos x="5907" y="11042"/>
+    <p:text>is this formatting / use of space awkward?</p:text>
+    <p:extLst>
+      <p:ext uri="{C676402C-5697-4E1C-873F-D02D1690AC5C}">
+        <p15:threadingInfo xmlns:p15="http://schemas.microsoft.com/office/powerpoint/2012/main" timeZoneBias="300">
+          <p15:parentCm authorId="1" idx="2"/>
+        </p15:threadingInfo>
+      </p:ext>
+    </p:extLst>
+  </p:cm>
 </p:cmLst>
+</file>
+
+<file path=ppt/notesMasters/notesMaster1.xml><?xml version="1.0" encoding="utf-8"?>
+<p:notesMaster xmlns:a="http://schemas.openxmlformats.org/drawingml/2006/main" xmlns:r="http://schemas.openxmlformats.org/officeDocument/2006/relationships" xmlns:p="http://schemas.openxmlformats.org/presentationml/2006/main">
+  <p:cSld>
+    <p:bg>
+      <p:bgRef idx="1001">
+        <a:schemeClr val="bg1"/>
+      </p:bgRef>
+    </p:bg>
+    <p:spTree>
+      <p:nvGrpSpPr>
+        <p:cNvPr id="1" name=""/>
+        <p:cNvGrpSpPr/>
+        <p:nvPr/>
+      </p:nvGrpSpPr>
+      <p:grpSpPr>
+        <a:xfrm>
+          <a:off x="0" y="0"/>
+          <a:ext cx="0" cy="0"/>
+          <a:chOff x="0" y="0"/>
+          <a:chExt cx="0" cy="0"/>
+        </a:xfrm>
+      </p:grpSpPr>
+      <p:sp>
+        <p:nvSpPr>
+          <p:cNvPr id="2" name="Header Placeholder 1"/>
+          <p:cNvSpPr>
+            <a:spLocks noGrp="1"/>
+          </p:cNvSpPr>
+          <p:nvPr>
+            <p:ph type="hdr" sz="quarter"/>
+          </p:nvPr>
+        </p:nvSpPr>
+        <p:spPr>
+          <a:xfrm>
+            <a:off x="0" y="0"/>
+            <a:ext cx="2971800" cy="458788"/>
+          </a:xfrm>
+          <a:prstGeom prst="rect">
+            <a:avLst/>
+          </a:prstGeom>
+        </p:spPr>
+        <p:txBody>
+          <a:bodyPr vert="horz" lIns="91440" tIns="45720" rIns="91440" bIns="45720" rtlCol="0"/>
+          <a:lstStyle>
+            <a:lvl1pPr algn="l">
+              <a:defRPr sz="1200"/>
+            </a:lvl1pPr>
+          </a:lstStyle>
+          <a:p>
+            <a:endParaRPr lang="en-US"/>
+          </a:p>
+        </p:txBody>
+      </p:sp>
+      <p:sp>
+        <p:nvSpPr>
+          <p:cNvPr id="3" name="Date Placeholder 2"/>
+          <p:cNvSpPr>
+            <a:spLocks noGrp="1"/>
+          </p:cNvSpPr>
+          <p:nvPr>
+            <p:ph type="dt" idx="1"/>
+          </p:nvPr>
+        </p:nvSpPr>
+        <p:spPr>
+          <a:xfrm>
+            <a:off x="3884613" y="0"/>
+            <a:ext cx="2971800" cy="458788"/>
+          </a:xfrm>
+          <a:prstGeom prst="rect">
+            <a:avLst/>
+          </a:prstGeom>
+        </p:spPr>
+        <p:txBody>
+          <a:bodyPr vert="horz" lIns="91440" tIns="45720" rIns="91440" bIns="45720" rtlCol="0"/>
+          <a:lstStyle>
+            <a:lvl1pPr algn="r">
+              <a:defRPr sz="1200"/>
+            </a:lvl1pPr>
+          </a:lstStyle>
+          <a:p>
+            <a:fld id="{ED872B81-815C-4476-81E2-3E223B2BDA8C}" type="datetimeFigureOut">
+              <a:rPr lang="en-US" smtClean="0"/>
+              <a:t>12/2/2015</a:t>
+            </a:fld>
+            <a:endParaRPr lang="en-US"/>
+          </a:p>
+        </p:txBody>
+      </p:sp>
+      <p:sp>
+        <p:nvSpPr>
+          <p:cNvPr id="4" name="Slide Image Placeholder 3"/>
+          <p:cNvSpPr>
+            <a:spLocks noGrp="1" noRot="1" noChangeAspect="1"/>
+          </p:cNvSpPr>
+          <p:nvPr>
+            <p:ph type="sldImg" idx="2"/>
+          </p:nvPr>
+        </p:nvSpPr>
+        <p:spPr>
+          <a:xfrm>
+            <a:off x="1371600" y="1143000"/>
+            <a:ext cx="4114800" cy="3086100"/>
+          </a:xfrm>
+          <a:prstGeom prst="rect">
+            <a:avLst/>
+          </a:prstGeom>
+          <a:noFill/>
+          <a:ln w="12700">
+            <a:solidFill>
+              <a:prstClr val="black"/>
+            </a:solidFill>
+          </a:ln>
+        </p:spPr>
+        <p:txBody>
+          <a:bodyPr vert="horz" lIns="91440" tIns="45720" rIns="91440" bIns="45720" rtlCol="0" anchor="ctr"/>
+          <a:lstStyle/>
+          <a:p>
+            <a:endParaRPr lang="en-US"/>
+          </a:p>
+        </p:txBody>
+      </p:sp>
+      <p:sp>
+        <p:nvSpPr>
+          <p:cNvPr id="5" name="Notes Placeholder 4"/>
+          <p:cNvSpPr>
+            <a:spLocks noGrp="1"/>
+          </p:cNvSpPr>
+          <p:nvPr>
+            <p:ph type="body" sz="quarter" idx="3"/>
+          </p:nvPr>
+        </p:nvSpPr>
+        <p:spPr>
+          <a:xfrm>
+            <a:off x="685800" y="4400550"/>
+            <a:ext cx="5486400" cy="3600450"/>
+          </a:xfrm>
+          <a:prstGeom prst="rect">
+            <a:avLst/>
+          </a:prstGeom>
+        </p:spPr>
+        <p:txBody>
+          <a:bodyPr vert="horz" lIns="91440" tIns="45720" rIns="91440" bIns="45720" rtlCol="0"/>
+          <a:lstStyle/>
+          <a:p>
+            <a:pPr lvl="0"/>
+            <a:r>
+              <a:rPr lang="en-US" smtClean="0"/>
+              <a:t>Click to edit Master text styles</a:t>
+            </a:r>
+          </a:p>
+          <a:p>
+            <a:pPr lvl="1"/>
+            <a:r>
+              <a:rPr lang="en-US" smtClean="0"/>
+              <a:t>Second level</a:t>
+            </a:r>
+          </a:p>
+          <a:p>
+            <a:pPr lvl="2"/>
+            <a:r>
+              <a:rPr lang="en-US" smtClean="0"/>
+              <a:t>Third level</a:t>
+            </a:r>
+          </a:p>
+          <a:p>
+            <a:pPr lvl="3"/>
+            <a:r>
+              <a:rPr lang="en-US" smtClean="0"/>
+              <a:t>Fourth level</a:t>
+            </a:r>
+          </a:p>
+          <a:p>
+            <a:pPr lvl="4"/>
+            <a:r>
+              <a:rPr lang="en-US" smtClean="0"/>
+              <a:t>Fifth level</a:t>
+            </a:r>
+            <a:endParaRPr lang="en-US"/>
+          </a:p>
+        </p:txBody>
+      </p:sp>
+      <p:sp>
+        <p:nvSpPr>
+          <p:cNvPr id="6" name="Footer Placeholder 5"/>
+          <p:cNvSpPr>
+            <a:spLocks noGrp="1"/>
+          </p:cNvSpPr>
+          <p:nvPr>
+            <p:ph type="ftr" sz="quarter" idx="4"/>
+          </p:nvPr>
+        </p:nvSpPr>
+        <p:spPr>
+          <a:xfrm>
+            <a:off x="0" y="8685213"/>
+            <a:ext cx="2971800" cy="458787"/>
+          </a:xfrm>
+          <a:prstGeom prst="rect">
+            <a:avLst/>
+          </a:prstGeom>
+        </p:spPr>
+        <p:txBody>
+          <a:bodyPr vert="horz" lIns="91440" tIns="45720" rIns="91440" bIns="45720" rtlCol="0" anchor="b"/>
+          <a:lstStyle>
+            <a:lvl1pPr algn="l">
+              <a:defRPr sz="1200"/>
+            </a:lvl1pPr>
+          </a:lstStyle>
+          <a:p>
+            <a:endParaRPr lang="en-US"/>
+          </a:p>
+        </p:txBody>
+      </p:sp>
+      <p:sp>
+        <p:nvSpPr>
+          <p:cNvPr id="7" name="Slide Number Placeholder 6"/>
+          <p:cNvSpPr>
+            <a:spLocks noGrp="1"/>
+          </p:cNvSpPr>
+          <p:nvPr>
+            <p:ph type="sldNum" sz="quarter" idx="5"/>
+          </p:nvPr>
+        </p:nvSpPr>
+        <p:spPr>
+          <a:xfrm>
+            <a:off x="3884613" y="8685213"/>
+            <a:ext cx="2971800" cy="458787"/>
+          </a:xfrm>
+          <a:prstGeom prst="rect">
+            <a:avLst/>
+          </a:prstGeom>
+        </p:spPr>
+        <p:txBody>
+          <a:bodyPr vert="horz" lIns="91440" tIns="45720" rIns="91440" bIns="45720" rtlCol="0" anchor="b"/>
+          <a:lstStyle>
+            <a:lvl1pPr algn="r">
+              <a:defRPr sz="1200"/>
+            </a:lvl1pPr>
+          </a:lstStyle>
+          <a:p>
+            <a:fld id="{D97AAC44-9869-4B6D-BA6D-534FE1E04211}" type="slidenum">
+              <a:rPr lang="en-US" smtClean="0"/>
+              <a:t>‹#›</a:t>
+            </a:fld>
+            <a:endParaRPr lang="en-US"/>
+          </a:p>
+        </p:txBody>
+      </p:sp>
+    </p:spTree>
+    <p:extLst>
+      <p:ext uri="{BB962C8B-B14F-4D97-AF65-F5344CB8AC3E}">
+        <p14:creationId xmlns:p14="http://schemas.microsoft.com/office/powerpoint/2010/main" val="2942144157"/>
+      </p:ext>
+    </p:extLst>
+  </p:cSld>
+  <p:clrMap bg1="lt1" tx1="dk1" bg2="lt2" tx2="dk2" accent1="accent1" accent2="accent2" accent3="accent3" accent4="accent4" accent5="accent5" accent6="accent6" hlink="hlink" folHlink="folHlink"/>
+  <p:notesStyle>
+    <a:lvl1pPr marL="0" algn="l" defTabSz="914400" rtl="0" eaLnBrk="1" latinLnBrk="0" hangingPunct="1">
+      <a:defRPr sz="1200" kern="1200">
+        <a:solidFill>
+          <a:schemeClr val="tx1"/>
+        </a:solidFill>
+        <a:latin typeface="+mn-lt"/>
+        <a:ea typeface="+mn-ea"/>
+        <a:cs typeface="+mn-cs"/>
+      </a:defRPr>
+    </a:lvl1pPr>
+    <a:lvl2pPr marL="457200" algn="l" defTabSz="914400" rtl="0" eaLnBrk="1" latinLnBrk="0" hangingPunct="1">
+      <a:defRPr sz="1200" kern="1200">
+        <a:solidFill>
+          <a:schemeClr val="tx1"/>
+        </a:solidFill>
+        <a:latin typeface="+mn-lt"/>
+        <a:ea typeface="+mn-ea"/>
+        <a:cs typeface="+mn-cs"/>
+      </a:defRPr>
+    </a:lvl2pPr>
+    <a:lvl3pPr marL="914400" algn="l" defTabSz="914400" rtl="0" eaLnBrk="1" latinLnBrk="0" hangingPunct="1">
+      <a:defRPr sz="1200" kern="1200">
+        <a:solidFill>
+          <a:schemeClr val="tx1"/>
+        </a:solidFill>
+        <a:latin typeface="+mn-lt"/>
+        <a:ea typeface="+mn-ea"/>
+        <a:cs typeface="+mn-cs"/>
+      </a:defRPr>
+    </a:lvl3pPr>
+    <a:lvl4pPr marL="1371600" algn="l" defTabSz="914400" rtl="0" eaLnBrk="1" latinLnBrk="0" hangingPunct="1">
+      <a:defRPr sz="1200" kern="1200">
+        <a:solidFill>
+          <a:schemeClr val="tx1"/>
+        </a:solidFill>
+        <a:latin typeface="+mn-lt"/>
+        <a:ea typeface="+mn-ea"/>
+        <a:cs typeface="+mn-cs"/>
+      </a:defRPr>
+    </a:lvl4pPr>
+    <a:lvl5pPr marL="1828800" algn="l" defTabSz="914400" rtl="0" eaLnBrk="1" latinLnBrk="0" hangingPunct="1">
+      <a:defRPr sz="1200" kern="1200">
+        <a:solidFill>
+          <a:schemeClr val="tx1"/>
+        </a:solidFill>
+        <a:latin typeface="+mn-lt"/>
+        <a:ea typeface="+mn-ea"/>
+        <a:cs typeface="+mn-cs"/>
+      </a:defRPr>
+    </a:lvl5pPr>
+    <a:lvl6pPr marL="2286000" algn="l" defTabSz="914400" rtl="0" eaLnBrk="1" latinLnBrk="0" hangingPunct="1">
+      <a:defRPr sz="1200" kern="1200">
+        <a:solidFill>
+          <a:schemeClr val="tx1"/>
+        </a:solidFill>
+        <a:latin typeface="+mn-lt"/>
+        <a:ea typeface="+mn-ea"/>
+        <a:cs typeface="+mn-cs"/>
+      </a:defRPr>
+    </a:lvl6pPr>
+    <a:lvl7pPr marL="2743200" algn="l" defTabSz="914400" rtl="0" eaLnBrk="1" latinLnBrk="0" hangingPunct="1">
+      <a:defRPr sz="1200" kern="1200">
+        <a:solidFill>
+          <a:schemeClr val="tx1"/>
+        </a:solidFill>
+        <a:latin typeface="+mn-lt"/>
+        <a:ea typeface="+mn-ea"/>
+        <a:cs typeface="+mn-cs"/>
+      </a:defRPr>
+    </a:lvl7pPr>
+    <a:lvl8pPr marL="3200400" algn="l" defTabSz="914400" rtl="0" eaLnBrk="1" latinLnBrk="0" hangingPunct="1">
+      <a:defRPr sz="1200" kern="1200">
+        <a:solidFill>
+          <a:schemeClr val="tx1"/>
+        </a:solidFill>
+        <a:latin typeface="+mn-lt"/>
+        <a:ea typeface="+mn-ea"/>
+        <a:cs typeface="+mn-cs"/>
+      </a:defRPr>
+    </a:lvl8pPr>
+    <a:lvl9pPr marL="3657600" algn="l" defTabSz="914400" rtl="0" eaLnBrk="1" latinLnBrk="0" hangingPunct="1">
+      <a:defRPr sz="1200" kern="1200">
+        <a:solidFill>
+          <a:schemeClr val="tx1"/>
+        </a:solidFill>
+        <a:latin typeface="+mn-lt"/>
+        <a:ea typeface="+mn-ea"/>
+        <a:cs typeface="+mn-cs"/>
+      </a:defRPr>
+    </a:lvl9pPr>
+  </p:notesStyle>
+</p:notesMaster>
+</file>
+
+<file path=ppt/notesSlides/notesSlide1.xml><?xml version="1.0" encoding="utf-8"?>
+<p:notes xmlns:a="http://schemas.openxmlformats.org/drawingml/2006/main" xmlns:r="http://schemas.openxmlformats.org/officeDocument/2006/relationships" xmlns:p="http://schemas.openxmlformats.org/presentationml/2006/main">
+  <p:cSld>
+    <p:spTree>
+      <p:nvGrpSpPr>
+        <p:cNvPr id="1" name=""/>
+        <p:cNvGrpSpPr/>
+        <p:nvPr/>
+      </p:nvGrpSpPr>
+      <p:grpSpPr>
+        <a:xfrm>
+          <a:off x="0" y="0"/>
+          <a:ext cx="0" cy="0"/>
+          <a:chOff x="0" y="0"/>
+          <a:chExt cx="0" cy="0"/>
+        </a:xfrm>
+      </p:grpSpPr>
+      <p:sp>
+        <p:nvSpPr>
+          <p:cNvPr id="2" name="Slide Image Placeholder 1"/>
+          <p:cNvSpPr>
+            <a:spLocks noGrp="1" noRot="1" noChangeAspect="1"/>
+          </p:cNvSpPr>
+          <p:nvPr>
+            <p:ph type="sldImg"/>
+          </p:nvPr>
+        </p:nvSpPr>
+        <p:spPr/>
+      </p:sp>
+      <p:sp>
+        <p:nvSpPr>
+          <p:cNvPr id="3" name="Notes Placeholder 2"/>
+          <p:cNvSpPr>
+            <a:spLocks noGrp="1"/>
+          </p:cNvSpPr>
+          <p:nvPr>
+            <p:ph type="body" idx="1"/>
+          </p:nvPr>
+        </p:nvSpPr>
+        <p:spPr/>
+        <p:txBody>
+          <a:bodyPr/>
+          <a:lstStyle/>
+          <a:p>
+            <a:endParaRPr lang="en-US" dirty="0"/>
+          </a:p>
+        </p:txBody>
+      </p:sp>
+      <p:sp>
+        <p:nvSpPr>
+          <p:cNvPr id="4" name="Slide Number Placeholder 3"/>
+          <p:cNvSpPr>
+            <a:spLocks noGrp="1"/>
+          </p:cNvSpPr>
+          <p:nvPr>
+            <p:ph type="sldNum" sz="quarter" idx="10"/>
+          </p:nvPr>
+        </p:nvSpPr>
+        <p:spPr/>
+        <p:txBody>
+          <a:bodyPr/>
+          <a:lstStyle/>
+          <a:p>
+            <a:fld id="{D97AAC44-9869-4B6D-BA6D-534FE1E04211}" type="slidenum">
+              <a:rPr lang="en-US" smtClean="0"/>
+              <a:t>1</a:t>
+            </a:fld>
+            <a:endParaRPr lang="en-US"/>
+          </a:p>
+        </p:txBody>
+      </p:sp>
+    </p:spTree>
+    <p:extLst>
+      <p:ext uri="{BB962C8B-B14F-4D97-AF65-F5344CB8AC3E}">
+        <p14:creationId xmlns:p14="http://schemas.microsoft.com/office/powerpoint/2010/main" val="2969814820"/>
+      </p:ext>
+    </p:extLst>
+  </p:cSld>
+  <p:clrMapOvr>
+    <a:masterClrMapping/>
+  </p:clrMapOvr>
+</p:notes>
 </file>
 
 <file path=ppt/slideLayouts/slideLayout1.xml><?xml version="1.0" encoding="utf-8"?>
@@ -273,7 +726,7 @@
           <a:p>
             <a:fld id="{A88EF9FA-9E78-4264-AEFD-C841EEF3F58C}" type="datetimeFigureOut">
               <a:rPr lang="en-US" smtClean="0"/>
-              <a:t>12/1/2015</a:t>
+              <a:t>12/2/2015</a:t>
             </a:fld>
             <a:endParaRPr lang="en-US"/>
           </a:p>
@@ -443,7 +896,7 @@
           <a:p>
             <a:fld id="{A88EF9FA-9E78-4264-AEFD-C841EEF3F58C}" type="datetimeFigureOut">
               <a:rPr lang="en-US" smtClean="0"/>
-              <a:t>12/1/2015</a:t>
+              <a:t>12/2/2015</a:t>
             </a:fld>
             <a:endParaRPr lang="en-US"/>
           </a:p>
@@ -623,7 +1076,7 @@
           <a:p>
             <a:fld id="{A88EF9FA-9E78-4264-AEFD-C841EEF3F58C}" type="datetimeFigureOut">
               <a:rPr lang="en-US" smtClean="0"/>
-              <a:t>12/1/2015</a:t>
+              <a:t>12/2/2015</a:t>
             </a:fld>
             <a:endParaRPr lang="en-US"/>
           </a:p>
@@ -793,7 +1246,7 @@
           <a:p>
             <a:fld id="{A88EF9FA-9E78-4264-AEFD-C841EEF3F58C}" type="datetimeFigureOut">
               <a:rPr lang="en-US" smtClean="0"/>
-              <a:t>12/1/2015</a:t>
+              <a:t>12/2/2015</a:t>
             </a:fld>
             <a:endParaRPr lang="en-US"/>
           </a:p>
@@ -1037,7 +1490,7 @@
           <a:p>
             <a:fld id="{A88EF9FA-9E78-4264-AEFD-C841EEF3F58C}" type="datetimeFigureOut">
               <a:rPr lang="en-US" smtClean="0"/>
-              <a:t>12/1/2015</a:t>
+              <a:t>12/2/2015</a:t>
             </a:fld>
             <a:endParaRPr lang="en-US"/>
           </a:p>
@@ -1269,7 +1722,7 @@
           <a:p>
             <a:fld id="{A88EF9FA-9E78-4264-AEFD-C841EEF3F58C}" type="datetimeFigureOut">
               <a:rPr lang="en-US" smtClean="0"/>
-              <a:t>12/1/2015</a:t>
+              <a:t>12/2/2015</a:t>
             </a:fld>
             <a:endParaRPr lang="en-US"/>
           </a:p>
@@ -1636,7 +2089,7 @@
           <a:p>
             <a:fld id="{A88EF9FA-9E78-4264-AEFD-C841EEF3F58C}" type="datetimeFigureOut">
               <a:rPr lang="en-US" smtClean="0"/>
-              <a:t>12/1/2015</a:t>
+              <a:t>12/2/2015</a:t>
             </a:fld>
             <a:endParaRPr lang="en-US"/>
           </a:p>
@@ -1754,7 +2207,7 @@
           <a:p>
             <a:fld id="{A88EF9FA-9E78-4264-AEFD-C841EEF3F58C}" type="datetimeFigureOut">
               <a:rPr lang="en-US" smtClean="0"/>
-              <a:t>12/1/2015</a:t>
+              <a:t>12/2/2015</a:t>
             </a:fld>
             <a:endParaRPr lang="en-US"/>
           </a:p>
@@ -1849,7 +2302,7 @@
           <a:p>
             <a:fld id="{A88EF9FA-9E78-4264-AEFD-C841EEF3F58C}" type="datetimeFigureOut">
               <a:rPr lang="en-US" smtClean="0"/>
-              <a:t>12/1/2015</a:t>
+              <a:t>12/2/2015</a:t>
             </a:fld>
             <a:endParaRPr lang="en-US"/>
           </a:p>
@@ -2126,7 +2579,7 @@
           <a:p>
             <a:fld id="{A88EF9FA-9E78-4264-AEFD-C841EEF3F58C}" type="datetimeFigureOut">
               <a:rPr lang="en-US" smtClean="0"/>
-              <a:t>12/1/2015</a:t>
+              <a:t>12/2/2015</a:t>
             </a:fld>
             <a:endParaRPr lang="en-US"/>
           </a:p>
@@ -2383,7 +2836,7 @@
           <a:p>
             <a:fld id="{A88EF9FA-9E78-4264-AEFD-C841EEF3F58C}" type="datetimeFigureOut">
               <a:rPr lang="en-US" smtClean="0"/>
-              <a:t>12/1/2015</a:t>
+              <a:t>12/2/2015</a:t>
             </a:fld>
             <a:endParaRPr lang="en-US"/>
           </a:p>
@@ -2596,7 +3049,7 @@
           <a:p>
             <a:fld id="{A88EF9FA-9E78-4264-AEFD-C841EEF3F58C}" type="datetimeFigureOut">
               <a:rPr lang="en-US" smtClean="0"/>
-              <a:t>12/1/2015</a:t>
+              <a:t>12/2/2015</a:t>
             </a:fld>
             <a:endParaRPr lang="en-US"/>
           </a:p>
@@ -3018,7 +3471,7 @@
           <p:nvPr/>
         </p:nvPicPr>
         <p:blipFill>
-          <a:blip r:embed="rId2">
+          <a:blip r:embed="rId3">
             <a:extLst>
               <a:ext uri="{28A0092B-C50C-407E-A947-70E740481C1C}">
                 <a14:useLocalDpi xmlns:a14="http://schemas.microsoft.com/office/drawing/2010/main" val="0"/>
@@ -3031,8 +3484,8 @@
         </p:blipFill>
         <p:spPr>
           <a:xfrm>
-            <a:off x="7217219" y="24187203"/>
-            <a:ext cx="7315215" cy="5029210"/>
+            <a:off x="7903798" y="22642245"/>
+            <a:ext cx="6074997" cy="4176560"/>
           </a:xfrm>
           <a:prstGeom prst="rect">
             <a:avLst/>
@@ -3091,7 +3544,7 @@
         <p:spPr>
           <a:xfrm>
             <a:off x="10874827" y="1216715"/>
-            <a:ext cx="23121257" cy="2462213"/>
+            <a:ext cx="23121257" cy="3293209"/>
           </a:xfrm>
           <a:prstGeom prst="rect">
             <a:avLst/>
@@ -3111,7 +3564,15 @@
                   <a:srgbClr val="F9F1EC"/>
                 </a:solidFill>
               </a:rPr>
-              <a:t>Gaussian Process for Crime Prediction</a:t>
+              <a:t>Gaussian Process for Crime </a:t>
+            </a:r>
+            <a:r>
+              <a:rPr lang="en-US" sz="10000" b="1" dirty="0" smtClean="0">
+                <a:solidFill>
+                  <a:srgbClr val="F9F1EC"/>
+                </a:solidFill>
+              </a:rPr>
+              <a:t>Prediction</a:t>
             </a:r>
           </a:p>
           <a:p>
@@ -3124,6 +3585,17 @@
               </a:rPr>
               <a:t>Luis Perez, Alex Wang</a:t>
             </a:r>
+          </a:p>
+          <a:p>
+            <a:pPr algn="ctr"/>
+            <a:r>
+              <a:rPr lang="en-US" sz="5400" b="1" dirty="0" smtClean="0">
+                <a:solidFill>
+                  <a:srgbClr val="F9F1EC"/>
+                </a:solidFill>
+              </a:rPr>
+              <a:t>CS281, Harvard University</a:t>
+            </a:r>
             <a:endParaRPr lang="en-US" sz="5400" b="1" dirty="0">
               <a:solidFill>
                 <a:srgbClr val="F9F1EC"/>
@@ -3132,36 +3604,6 @@
           </a:p>
         </p:txBody>
       </p:sp>
-      <p:pic>
-        <p:nvPicPr>
-          <p:cNvPr id="5" name="Picture 4"/>
-          <p:cNvPicPr>
-            <a:picLocks noChangeAspect="1"/>
-          </p:cNvPicPr>
-          <p:nvPr/>
-        </p:nvPicPr>
-        <p:blipFill>
-          <a:blip r:embed="rId3">
-            <a:extLst>
-              <a:ext uri="{28A0092B-C50C-407E-A947-70E740481C1C}">
-                <a14:useLocalDpi xmlns:a14="http://schemas.microsoft.com/office/drawing/2010/main" val="0"/>
-              </a:ext>
-            </a:extLst>
-          </a:blip>
-          <a:stretch>
-            <a:fillRect/>
-          </a:stretch>
-        </p:blipFill>
-        <p:spPr>
-          <a:xfrm>
-            <a:off x="29117759" y="17502310"/>
-            <a:ext cx="6074992" cy="4176557"/>
-          </a:xfrm>
-          <a:prstGeom prst="rect">
-            <a:avLst/>
-          </a:prstGeom>
-        </p:spPr>
-      </p:pic>
       <p:pic>
         <p:nvPicPr>
           <p:cNvPr id="7" name="Picture 6"/>
@@ -3184,7 +3626,7 @@
         </p:blipFill>
         <p:spPr>
           <a:xfrm>
-            <a:off x="36866671" y="23028957"/>
+            <a:off x="36866671" y="20986670"/>
             <a:ext cx="6074992" cy="4176556"/>
           </a:xfrm>
           <a:prstGeom prst="rect">
@@ -3214,32 +3656,8 @@
         </p:blipFill>
         <p:spPr>
           <a:xfrm>
-            <a:off x="36866671" y="17502308"/>
+            <a:off x="36866671" y="15955729"/>
             <a:ext cx="6074992" cy="4176557"/>
-          </a:xfrm>
-          <a:prstGeom prst="rect">
-            <a:avLst/>
-          </a:prstGeom>
-        </p:spPr>
-      </p:pic>
-      <p:pic>
-        <p:nvPicPr>
-          <p:cNvPr id="12" name="Picture 11"/>
-          <p:cNvPicPr>
-            <a:picLocks noChangeAspect="1"/>
-          </p:cNvPicPr>
-          <p:nvPr/>
-        </p:nvPicPr>
-        <p:blipFill>
-          <a:blip r:embed="rId6"/>
-          <a:stretch>
-            <a:fillRect/>
-          </a:stretch>
-        </p:blipFill>
-        <p:spPr>
-          <a:xfrm>
-            <a:off x="29117759" y="23028957"/>
-            <a:ext cx="6074992" cy="4176402"/>
           </a:xfrm>
           <a:prstGeom prst="rect">
             <a:avLst/>
@@ -3336,7 +3754,7 @@
         </p:nvSpPr>
         <p:spPr>
           <a:xfrm>
-            <a:off x="15759465" y="19590589"/>
+            <a:off x="15759463" y="22390517"/>
             <a:ext cx="10907486" cy="1368708"/>
           </a:xfrm>
           <a:prstGeom prst="rect">
@@ -3377,7 +3795,7 @@
         </p:nvSpPr>
         <p:spPr>
           <a:xfrm>
-            <a:off x="29739008" y="6805891"/>
+            <a:off x="30270555" y="6831649"/>
             <a:ext cx="10907486" cy="1368708"/>
           </a:xfrm>
           <a:prstGeom prst="rect">
@@ -3418,7 +3836,7 @@
         </p:nvSpPr>
         <p:spPr>
           <a:xfrm>
-            <a:off x="29117759" y="9609910"/>
+            <a:off x="29117759" y="9054741"/>
             <a:ext cx="6074992" cy="1015663"/>
           </a:xfrm>
           <a:prstGeom prst="rect">
@@ -3459,7 +3877,7 @@
         </p:nvSpPr>
         <p:spPr>
           <a:xfrm>
-            <a:off x="36866671" y="9624997"/>
+            <a:off x="36866671" y="9054741"/>
             <a:ext cx="6074992" cy="1015663"/>
           </a:xfrm>
           <a:prstGeom prst="rect">
@@ -3500,8 +3918,8 @@
         </p:nvSpPr>
         <p:spPr>
           <a:xfrm>
-            <a:off x="1828801" y="9447244"/>
-            <a:ext cx="10907485" cy="523220"/>
+            <a:off x="1828801" y="9054741"/>
+            <a:ext cx="10907485" cy="7971413"/>
           </a:xfrm>
           <a:prstGeom prst="rect">
             <a:avLst/>
@@ -3515,82 +3933,694 @@
           <a:lstStyle/>
           <a:p>
             <a:r>
-              <a:rPr lang="en-US" sz="2800" dirty="0" smtClean="0"/>
-              <a:t>TODO</a:t>
-            </a:r>
-            <a:endParaRPr lang="en-US" sz="2800" dirty="0"/>
-          </a:p>
-        </p:txBody>
-      </p:sp>
-      <p:sp>
-        <p:nvSpPr>
-          <p:cNvPr id="32" name="TextBox 31"/>
-          <p:cNvSpPr txBox="1"/>
-          <p:nvPr/>
-        </p:nvSpPr>
-        <p:spPr>
-          <a:xfrm>
-            <a:off x="15759465" y="9621646"/>
-            <a:ext cx="10907485" cy="1384995"/>
-          </a:xfrm>
-          <a:prstGeom prst="rect">
-            <a:avLst/>
-          </a:prstGeom>
-          <a:noFill/>
-        </p:spPr>
-        <p:txBody>
-          <a:bodyPr wrap="square" rtlCol="0">
-            <a:spAutoFit/>
-          </a:bodyPr>
-          <a:lstStyle/>
-          <a:p>
-            <a:r>
-              <a:rPr lang="en-US" sz="2800" dirty="0" smtClean="0"/>
-              <a:t>We use public datasets from various</a:t>
-            </a:r>
-          </a:p>
-          <a:p>
-            <a:endParaRPr lang="en-US" sz="2800" dirty="0" smtClean="0"/>
-          </a:p>
-          <a:p>
-            <a:r>
-              <a:rPr lang="en-US" sz="2800" dirty="0" smtClean="0"/>
-              <a:t>TODO </a:t>
-            </a:r>
-            <a:endParaRPr lang="en-US" sz="2800" dirty="0"/>
-          </a:p>
-        </p:txBody>
-      </p:sp>
-      <p:pic>
-        <p:nvPicPr>
-          <p:cNvPr id="34" name="Picture 33"/>
-          <p:cNvPicPr>
-            <a:picLocks noChangeAspect="1"/>
-          </p:cNvPicPr>
-          <p:nvPr/>
-        </p:nvPicPr>
-        <p:blipFill>
-          <a:blip r:embed="rId3">
-            <a:extLst>
-              <a:ext uri="{28A0092B-C50C-407E-A947-70E740481C1C}">
-                <a14:useLocalDpi xmlns:a14="http://schemas.microsoft.com/office/drawing/2010/main" val="0"/>
-              </a:ext>
-            </a:extLst>
-          </a:blip>
-          <a:stretch>
-            <a:fillRect/>
-          </a:stretch>
-        </p:blipFill>
-        <p:spPr>
-          <a:xfrm>
-            <a:off x="29117759" y="11975663"/>
-            <a:ext cx="6074992" cy="4176557"/>
-          </a:xfrm>
-          <a:prstGeom prst="rect">
-            <a:avLst/>
-          </a:prstGeom>
-        </p:spPr>
-      </p:pic>
+              <a:rPr lang="en-US" sz="3200" dirty="0" smtClean="0">
+                <a:solidFill>
+                  <a:srgbClr val="FF0000"/>
+                </a:solidFill>
+              </a:rPr>
+              <a:t>Gaussian processes</a:t>
+            </a:r>
+            <a:r>
+              <a:rPr lang="en-US" sz="3200" dirty="0" smtClean="0"/>
+              <a:t> are a powerful Bayesian non-parametric model for machine learning that, unlike parametric models, can learn the underlying functions themselves. They have been successful when applied to a variety of tasks, such as inferring CO2 levels or detecting human motion. In this paper, we consider the problem of </a:t>
+            </a:r>
+            <a:r>
+              <a:rPr lang="en-US" sz="3200" dirty="0" smtClean="0">
+                <a:solidFill>
+                  <a:srgbClr val="FF0000"/>
+                </a:solidFill>
+              </a:rPr>
+              <a:t>predicting future crime in a geographic area</a:t>
+            </a:r>
+            <a:r>
+              <a:rPr lang="en-US" sz="3200" dirty="0" smtClean="0"/>
+              <a:t>. Though </a:t>
+            </a:r>
+            <a:r>
+              <a:rPr lang="en-US" sz="3200" dirty="0"/>
+              <a:t>average crime rates in the United States have been in the decline for the last few </a:t>
+            </a:r>
+            <a:r>
+              <a:rPr lang="en-US" sz="3200" dirty="0" smtClean="0"/>
+              <a:t>years, </a:t>
+            </a:r>
+            <a:r>
+              <a:rPr lang="en-US" sz="3200" dirty="0"/>
+              <a:t>it is still useful to many groups, such as law enforcement, city officials, home buyers, etc., to be able to predict where and when crime will occur. </a:t>
+            </a:r>
+            <a:r>
+              <a:rPr lang="en-US" sz="3200" dirty="0" smtClean="0"/>
+              <a:t>Using recent data from various cities around the U.S., we explore how Gaussian processes under a variety of different kernels might help with this regression task. We compare these models to current baseline approaches which consists of taking the average over time.</a:t>
+            </a:r>
+          </a:p>
+          <a:p>
+            <a:endParaRPr lang="en-US" sz="3200" dirty="0"/>
+          </a:p>
+        </p:txBody>
+      </p:sp>
+      <mc:AlternateContent xmlns:mc="http://schemas.openxmlformats.org/markup-compatibility/2006">
+        <mc:Choice xmlns:a14="http://schemas.microsoft.com/office/drawing/2010/main" Requires="a14">
+          <p:sp>
+            <p:nvSpPr>
+              <p:cNvPr id="32" name="TextBox 31"/>
+              <p:cNvSpPr txBox="1"/>
+              <p:nvPr/>
+            </p:nvSpPr>
+            <p:spPr>
+              <a:xfrm>
+                <a:off x="15759464" y="9069226"/>
+                <a:ext cx="10907485" cy="12604989"/>
+              </a:xfrm>
+              <a:prstGeom prst="rect">
+                <a:avLst/>
+              </a:prstGeom>
+              <a:noFill/>
+            </p:spPr>
+            <p:txBody>
+              <a:bodyPr wrap="square" rtlCol="0">
+                <a:spAutoFit/>
+              </a:bodyPr>
+              <a:lstStyle/>
+              <a:p>
+                <a:r>
+                  <a:rPr lang="en-US" sz="3200" dirty="0" smtClean="0"/>
+                  <a:t>For data we use </a:t>
+                </a:r>
+                <a:r>
+                  <a:rPr lang="en-US" sz="3200" dirty="0" smtClean="0"/>
+                  <a:t>public datasets </a:t>
+                </a:r>
+                <a:r>
+                  <a:rPr lang="en-US" sz="3200" dirty="0" smtClean="0"/>
+                  <a:t>on historical criminal activity from Boston and San Francisco. </a:t>
+                </a:r>
+                <a:r>
+                  <a:rPr lang="en-US" sz="3200" dirty="0" smtClean="0"/>
+                  <a:t>We process the data by extracting three features: months since first record, latitude, and longitude. Then we divide the city into N buckets per latitude and longitude, for a total of N^2 buckets and count the number of crime incidents per square. In order to ensure positive predictions, we take the log of the count, adding eps for stability.</a:t>
+                </a:r>
+              </a:p>
+              <a:p>
+                <a:endParaRPr lang="en-US" sz="3200" dirty="0"/>
+              </a:p>
+              <a:p>
+                <a:r>
+                  <a:rPr lang="en-US" sz="3200" dirty="0" smtClean="0"/>
+                  <a:t>We implement Gaussian process regression using a standard squared exponential kernel:</a:t>
+                </a:r>
+              </a:p>
+              <a:p>
+                <a14:m>
+                  <m:oMathPara xmlns:m="http://schemas.openxmlformats.org/officeDocument/2006/math">
+                    <m:oMathParaPr>
+                      <m:jc m:val="centerGroup"/>
+                    </m:oMathParaPr>
+                    <m:oMath xmlns:m="http://schemas.openxmlformats.org/officeDocument/2006/math">
+                      <m:r>
+                        <a:rPr lang="en-US" sz="3200" b="0" i="1" smtClean="0">
+                          <a:latin typeface="Cambria Math" panose="02040503050406030204" pitchFamily="18" charset="0"/>
+                        </a:rPr>
+                        <m:t>𝜅</m:t>
+                      </m:r>
+                      <m:d>
+                        <m:dPr>
+                          <m:ctrlPr>
+                            <a:rPr lang="en-US" sz="3200" b="0" i="1" smtClean="0">
+                              <a:latin typeface="Cambria Math" panose="02040503050406030204" pitchFamily="18" charset="0"/>
+                            </a:rPr>
+                          </m:ctrlPr>
+                        </m:dPr>
+                        <m:e>
+                          <m:r>
+                            <a:rPr lang="en-US" sz="3200" b="0" i="1" smtClean="0">
+                              <a:latin typeface="Cambria Math" panose="02040503050406030204" pitchFamily="18" charset="0"/>
+                            </a:rPr>
+                            <m:t> </m:t>
+                          </m:r>
+                          <m:sSub>
+                            <m:sSubPr>
+                              <m:ctrlPr>
+                                <a:rPr lang="en-US" sz="3200" b="1" i="1" smtClean="0">
+                                  <a:latin typeface="Cambria Math" panose="02040503050406030204" pitchFamily="18" charset="0"/>
+                                </a:rPr>
+                              </m:ctrlPr>
+                            </m:sSubPr>
+                            <m:e>
+                              <m:r>
+                                <a:rPr lang="en-US" sz="3200" b="1" i="1" smtClean="0">
+                                  <a:latin typeface="Cambria Math" panose="02040503050406030204" pitchFamily="18" charset="0"/>
+                                </a:rPr>
+                                <m:t>𝒙</m:t>
+                              </m:r>
+                            </m:e>
+                            <m:sub>
+                              <m:r>
+                                <a:rPr lang="en-US" sz="3200" b="1" i="1" smtClean="0">
+                                  <a:latin typeface="Cambria Math" panose="02040503050406030204" pitchFamily="18" charset="0"/>
+                                </a:rPr>
+                                <m:t>𝒑</m:t>
+                              </m:r>
+                            </m:sub>
+                          </m:sSub>
+                          <m:r>
+                            <a:rPr lang="en-US" sz="3200" b="1" i="1" smtClean="0">
+                              <a:latin typeface="Cambria Math" panose="02040503050406030204" pitchFamily="18" charset="0"/>
+                            </a:rPr>
+                            <m:t>, </m:t>
+                          </m:r>
+                          <m:sSub>
+                            <m:sSubPr>
+                              <m:ctrlPr>
+                                <a:rPr lang="en-US" sz="3200" b="1" i="1" smtClean="0">
+                                  <a:latin typeface="Cambria Math" panose="02040503050406030204" pitchFamily="18" charset="0"/>
+                                </a:rPr>
+                              </m:ctrlPr>
+                            </m:sSubPr>
+                            <m:e>
+                              <m:r>
+                                <a:rPr lang="en-US" sz="3200" b="1" i="1" smtClean="0">
+                                  <a:latin typeface="Cambria Math" panose="02040503050406030204" pitchFamily="18" charset="0"/>
+                                </a:rPr>
+                                <m:t>𝒙</m:t>
+                              </m:r>
+                            </m:e>
+                            <m:sub>
+                              <m:r>
+                                <a:rPr lang="en-US" sz="3200" b="1" i="1" smtClean="0">
+                                  <a:latin typeface="Cambria Math" panose="02040503050406030204" pitchFamily="18" charset="0"/>
+                                </a:rPr>
+                                <m:t>𝒒</m:t>
+                              </m:r>
+                            </m:sub>
+                          </m:sSub>
+                        </m:e>
+                      </m:d>
+                      <m:r>
+                        <a:rPr lang="en-US" sz="3200" b="1" i="1" smtClean="0">
+                          <a:latin typeface="Cambria Math" panose="02040503050406030204" pitchFamily="18" charset="0"/>
+                        </a:rPr>
+                        <m:t>=</m:t>
+                      </m:r>
+                      <m:sSubSup>
+                        <m:sSubSupPr>
+                          <m:ctrlPr>
+                            <a:rPr lang="en-US" sz="3200" i="1" smtClean="0">
+                              <a:latin typeface="Cambria Math" panose="02040503050406030204" pitchFamily="18" charset="0"/>
+                            </a:rPr>
+                          </m:ctrlPr>
+                        </m:sSubSupPr>
+                        <m:e>
+                          <m:r>
+                            <a:rPr lang="en-US" sz="3200" b="0" i="1" smtClean="0">
+                              <a:latin typeface="Cambria Math" panose="02040503050406030204" pitchFamily="18" charset="0"/>
+                            </a:rPr>
+                            <m:t>𝜎</m:t>
+                          </m:r>
+                        </m:e>
+                        <m:sub>
+                          <m:r>
+                            <a:rPr lang="en-US" sz="3200" b="0" i="1" smtClean="0">
+                              <a:latin typeface="Cambria Math" panose="02040503050406030204" pitchFamily="18" charset="0"/>
+                            </a:rPr>
+                            <m:t>𝑓</m:t>
+                          </m:r>
+                        </m:sub>
+                        <m:sup>
+                          <m:r>
+                            <a:rPr lang="en-US" sz="3200" b="0" i="1" smtClean="0">
+                              <a:latin typeface="Cambria Math" panose="02040503050406030204" pitchFamily="18" charset="0"/>
+                            </a:rPr>
+                            <m:t>2</m:t>
+                          </m:r>
+                        </m:sup>
+                      </m:sSubSup>
+                      <m:r>
+                        <a:rPr lang="en-US" sz="3200" b="0" i="1" smtClean="0">
+                          <a:latin typeface="Cambria Math" panose="02040503050406030204" pitchFamily="18" charset="0"/>
+                        </a:rPr>
+                        <m:t> </m:t>
+                      </m:r>
+                      <m:r>
+                        <a:rPr lang="en-US" sz="3200" b="0" i="1" smtClean="0">
+                          <a:latin typeface="Cambria Math" panose="02040503050406030204" pitchFamily="18" charset="0"/>
+                        </a:rPr>
+                        <m:t>𝑒𝑥𝑝</m:t>
+                      </m:r>
+                      <m:d>
+                        <m:dPr>
+                          <m:ctrlPr>
+                            <a:rPr lang="en-US" sz="3200" i="1" smtClean="0">
+                              <a:latin typeface="Cambria Math" panose="02040503050406030204" pitchFamily="18" charset="0"/>
+                            </a:rPr>
+                          </m:ctrlPr>
+                        </m:dPr>
+                        <m:e>
+                          <m:r>
+                            <a:rPr lang="en-US" sz="3200" b="0" i="1" smtClean="0">
+                              <a:latin typeface="Cambria Math" panose="02040503050406030204" pitchFamily="18" charset="0"/>
+                            </a:rPr>
+                            <m:t>−</m:t>
+                          </m:r>
+                          <m:f>
+                            <m:fPr>
+                              <m:ctrlPr>
+                                <a:rPr lang="en-US" sz="3200" i="1" smtClean="0">
+                                  <a:latin typeface="Cambria Math" panose="02040503050406030204" pitchFamily="18" charset="0"/>
+                                </a:rPr>
+                              </m:ctrlPr>
+                            </m:fPr>
+                            <m:num>
+                              <m:r>
+                                <a:rPr lang="en-US" sz="3200" b="0" i="1" smtClean="0">
+                                  <a:latin typeface="Cambria Math" panose="02040503050406030204" pitchFamily="18" charset="0"/>
+                                </a:rPr>
+                                <m:t>1</m:t>
+                              </m:r>
+                            </m:num>
+                            <m:den>
+                              <m:r>
+                                <a:rPr lang="en-US" sz="3200" b="0" i="1" smtClean="0">
+                                  <a:latin typeface="Cambria Math" panose="02040503050406030204" pitchFamily="18" charset="0"/>
+                                </a:rPr>
+                                <m:t>2</m:t>
+                              </m:r>
+                            </m:den>
+                          </m:f>
+                          <m:sSup>
+                            <m:sSupPr>
+                              <m:ctrlPr>
+                                <a:rPr lang="en-US" sz="3200" i="1" smtClean="0">
+                                  <a:latin typeface="Cambria Math" panose="02040503050406030204" pitchFamily="18" charset="0"/>
+                                </a:rPr>
+                              </m:ctrlPr>
+                            </m:sSupPr>
+                            <m:e>
+                              <m:d>
+                                <m:dPr>
+                                  <m:ctrlPr>
+                                    <a:rPr lang="en-US" sz="3200" i="1" smtClean="0">
+                                      <a:latin typeface="Cambria Math" panose="02040503050406030204" pitchFamily="18" charset="0"/>
+                                    </a:rPr>
+                                  </m:ctrlPr>
+                                </m:dPr>
+                                <m:e>
+                                  <m:sSub>
+                                    <m:sSubPr>
+                                      <m:ctrlPr>
+                                        <a:rPr lang="en-US" sz="3200" b="1" i="1" smtClean="0">
+                                          <a:latin typeface="Cambria Math" panose="02040503050406030204" pitchFamily="18" charset="0"/>
+                                        </a:rPr>
+                                      </m:ctrlPr>
+                                    </m:sSubPr>
+                                    <m:e>
+                                      <m:r>
+                                        <a:rPr lang="en-US" sz="3200" b="1" i="1" smtClean="0">
+                                          <a:latin typeface="Cambria Math" panose="02040503050406030204" pitchFamily="18" charset="0"/>
+                                        </a:rPr>
+                                        <m:t>𝒙</m:t>
+                                      </m:r>
+                                    </m:e>
+                                    <m:sub>
+                                      <m:r>
+                                        <a:rPr lang="en-US" sz="3200" b="1" i="1" smtClean="0">
+                                          <a:latin typeface="Cambria Math" panose="02040503050406030204" pitchFamily="18" charset="0"/>
+                                        </a:rPr>
+                                        <m:t>𝒑</m:t>
+                                      </m:r>
+                                    </m:sub>
+                                  </m:sSub>
+                                  <m:r>
+                                    <a:rPr lang="en-US" sz="3200" b="0" i="1" smtClean="0">
+                                      <a:latin typeface="Cambria Math" panose="02040503050406030204" pitchFamily="18" charset="0"/>
+                                    </a:rPr>
+                                    <m:t>−</m:t>
+                                  </m:r>
+                                  <m:sSub>
+                                    <m:sSubPr>
+                                      <m:ctrlPr>
+                                        <a:rPr lang="en-US" sz="3200" b="1" i="1" smtClean="0">
+                                          <a:latin typeface="Cambria Math" panose="02040503050406030204" pitchFamily="18" charset="0"/>
+                                        </a:rPr>
+                                      </m:ctrlPr>
+                                    </m:sSubPr>
+                                    <m:e>
+                                      <m:r>
+                                        <a:rPr lang="en-US" sz="3200" b="1" i="1" smtClean="0">
+                                          <a:latin typeface="Cambria Math" panose="02040503050406030204" pitchFamily="18" charset="0"/>
+                                        </a:rPr>
+                                        <m:t>𝒙</m:t>
+                                      </m:r>
+                                    </m:e>
+                                    <m:sub>
+                                      <m:r>
+                                        <a:rPr lang="en-US" sz="3200" b="1" i="1" smtClean="0">
+                                          <a:latin typeface="Cambria Math" panose="02040503050406030204" pitchFamily="18" charset="0"/>
+                                        </a:rPr>
+                                        <m:t>𝒒</m:t>
+                                      </m:r>
+                                    </m:sub>
+                                  </m:sSub>
+                                </m:e>
+                              </m:d>
+                            </m:e>
+                            <m:sup>
+                              <m:r>
+                                <a:rPr lang="en-US" sz="3200" b="0" i="1" smtClean="0">
+                                  <a:latin typeface="Cambria Math" panose="02040503050406030204" pitchFamily="18" charset="0"/>
+                                </a:rPr>
+                                <m:t>𝑇</m:t>
+                              </m:r>
+                            </m:sup>
+                          </m:sSup>
+                          <m:r>
+                            <a:rPr lang="en-US" sz="3200" b="1" i="1" smtClean="0">
+                              <a:latin typeface="Cambria Math" panose="02040503050406030204" pitchFamily="18" charset="0"/>
+                            </a:rPr>
+                            <m:t>𝑴</m:t>
+                          </m:r>
+                          <m:d>
+                            <m:dPr>
+                              <m:ctrlPr>
+                                <a:rPr lang="en-US" sz="3200" i="1" smtClean="0">
+                                  <a:latin typeface="Cambria Math" panose="02040503050406030204" pitchFamily="18" charset="0"/>
+                                </a:rPr>
+                              </m:ctrlPr>
+                            </m:dPr>
+                            <m:e>
+                              <m:sSub>
+                                <m:sSubPr>
+                                  <m:ctrlPr>
+                                    <a:rPr lang="en-US" sz="3200" b="1" i="1" smtClean="0">
+                                      <a:latin typeface="Cambria Math" panose="02040503050406030204" pitchFamily="18" charset="0"/>
+                                    </a:rPr>
+                                  </m:ctrlPr>
+                                </m:sSubPr>
+                                <m:e>
+                                  <m:r>
+                                    <a:rPr lang="en-US" sz="3200" b="1" i="1" smtClean="0">
+                                      <a:latin typeface="Cambria Math" panose="02040503050406030204" pitchFamily="18" charset="0"/>
+                                    </a:rPr>
+                                    <m:t>𝒙</m:t>
+                                  </m:r>
+                                </m:e>
+                                <m:sub>
+                                  <m:r>
+                                    <a:rPr lang="en-US" sz="3200" b="1" i="1" smtClean="0">
+                                      <a:latin typeface="Cambria Math" panose="02040503050406030204" pitchFamily="18" charset="0"/>
+                                    </a:rPr>
+                                    <m:t>𝒑</m:t>
+                                  </m:r>
+                                </m:sub>
+                              </m:sSub>
+                              <m:r>
+                                <a:rPr lang="en-US" sz="3200" b="0" i="1" smtClean="0">
+                                  <a:latin typeface="Cambria Math" panose="02040503050406030204" pitchFamily="18" charset="0"/>
+                                </a:rPr>
+                                <m:t>−</m:t>
+                              </m:r>
+                              <m:sSub>
+                                <m:sSubPr>
+                                  <m:ctrlPr>
+                                    <a:rPr lang="en-US" sz="3200" b="1" i="1" smtClean="0">
+                                      <a:latin typeface="Cambria Math" panose="02040503050406030204" pitchFamily="18" charset="0"/>
+                                    </a:rPr>
+                                  </m:ctrlPr>
+                                </m:sSubPr>
+                                <m:e>
+                                  <m:r>
+                                    <a:rPr lang="en-US" sz="3200" b="1" i="1" smtClean="0">
+                                      <a:latin typeface="Cambria Math" panose="02040503050406030204" pitchFamily="18" charset="0"/>
+                                    </a:rPr>
+                                    <m:t>𝒙</m:t>
+                                  </m:r>
+                                </m:e>
+                                <m:sub>
+                                  <m:r>
+                                    <a:rPr lang="en-US" sz="3200" b="1" i="1" smtClean="0">
+                                      <a:latin typeface="Cambria Math" panose="02040503050406030204" pitchFamily="18" charset="0"/>
+                                    </a:rPr>
+                                    <m:t>𝒒</m:t>
+                                  </m:r>
+                                </m:sub>
+                              </m:sSub>
+                            </m:e>
+                          </m:d>
+                        </m:e>
+                      </m:d>
+                      <m:r>
+                        <a:rPr lang="en-US" sz="3200" b="1" i="1" smtClean="0">
+                          <a:latin typeface="Cambria Math" panose="02040503050406030204" pitchFamily="18" charset="0"/>
+                        </a:rPr>
+                        <m:t>+</m:t>
+                      </m:r>
+                      <m:sSubSup>
+                        <m:sSubSupPr>
+                          <m:ctrlPr>
+                            <a:rPr lang="en-US" sz="3200" i="1" smtClean="0">
+                              <a:latin typeface="Cambria Math" panose="02040503050406030204" pitchFamily="18" charset="0"/>
+                            </a:rPr>
+                          </m:ctrlPr>
+                        </m:sSubSupPr>
+                        <m:e>
+                          <m:r>
+                            <a:rPr lang="en-US" sz="3200" b="0" i="1" smtClean="0">
+                              <a:latin typeface="Cambria Math" panose="02040503050406030204" pitchFamily="18" charset="0"/>
+                            </a:rPr>
+                            <m:t>𝜎</m:t>
+                          </m:r>
+                        </m:e>
+                        <m:sub>
+                          <m:r>
+                            <a:rPr lang="en-US" sz="3200" b="0" i="1" smtClean="0">
+                              <a:latin typeface="Cambria Math" panose="02040503050406030204" pitchFamily="18" charset="0"/>
+                            </a:rPr>
+                            <m:t>𝜖</m:t>
+                          </m:r>
+                        </m:sub>
+                        <m:sup>
+                          <m:r>
+                            <a:rPr lang="en-US" sz="3200" b="0" i="1" smtClean="0">
+                              <a:latin typeface="Cambria Math" panose="02040503050406030204" pitchFamily="18" charset="0"/>
+                            </a:rPr>
+                            <m:t>2</m:t>
+                          </m:r>
+                        </m:sup>
+                      </m:sSubSup>
+                      <m:sSub>
+                        <m:sSubPr>
+                          <m:ctrlPr>
+                            <a:rPr lang="en-US" sz="3200" i="1" smtClean="0">
+                              <a:latin typeface="Cambria Math" panose="02040503050406030204" pitchFamily="18" charset="0"/>
+                            </a:rPr>
+                          </m:ctrlPr>
+                        </m:sSubPr>
+                        <m:e>
+                          <m:r>
+                            <a:rPr lang="en-US" sz="3200" b="0" i="1" smtClean="0">
+                              <a:latin typeface="Cambria Math" panose="02040503050406030204" pitchFamily="18" charset="0"/>
+                            </a:rPr>
+                            <m:t>𝛿</m:t>
+                          </m:r>
+                        </m:e>
+                        <m:sub>
+                          <m:r>
+                            <a:rPr lang="en-US" sz="3200" b="0" i="1" smtClean="0">
+                              <a:latin typeface="Cambria Math" panose="02040503050406030204" pitchFamily="18" charset="0"/>
+                            </a:rPr>
+                            <m:t>𝑝𝑞</m:t>
+                          </m:r>
+                        </m:sub>
+                      </m:sSub>
+                    </m:oMath>
+                  </m:oMathPara>
+                </a14:m>
+                <a:endParaRPr lang="en-US" sz="3200" dirty="0" smtClean="0"/>
+              </a:p>
+              <a:p>
+                <a:r>
+                  <a:rPr lang="en-US" sz="3200" dirty="0" smtClean="0"/>
+                  <a:t>Where  </a:t>
+                </a:r>
+                <a14:m>
+                  <m:oMath xmlns:m="http://schemas.openxmlformats.org/officeDocument/2006/math">
+                    <m:sSub>
+                      <m:sSubPr>
+                        <m:ctrlPr>
+                          <a:rPr lang="en-US" sz="3200" b="1" i="1" smtClean="0">
+                            <a:latin typeface="Cambria Math" panose="02040503050406030204" pitchFamily="18" charset="0"/>
+                          </a:rPr>
+                        </m:ctrlPr>
+                      </m:sSubPr>
+                      <m:e>
+                        <m:r>
+                          <a:rPr lang="en-US" sz="3200" b="1" i="1">
+                            <a:latin typeface="Cambria Math" panose="02040503050406030204" pitchFamily="18" charset="0"/>
+                          </a:rPr>
+                          <m:t>𝒙</m:t>
+                        </m:r>
+                      </m:e>
+                      <m:sub>
+                        <m:r>
+                          <a:rPr lang="en-US" sz="3200" b="1" i="1" smtClean="0">
+                            <a:latin typeface="Cambria Math" panose="02040503050406030204" pitchFamily="18" charset="0"/>
+                          </a:rPr>
+                          <m:t>𝒊</m:t>
+                        </m:r>
+                      </m:sub>
+                    </m:sSub>
+                  </m:oMath>
+                </a14:m>
+                <a:r>
+                  <a:rPr lang="en-US" sz="3200" dirty="0" smtClean="0"/>
+                  <a:t> are the data, </a:t>
+                </a:r>
+                <a14:m>
+                  <m:oMath xmlns:m="http://schemas.openxmlformats.org/officeDocument/2006/math">
+                    <m:sSubSup>
+                      <m:sSubSupPr>
+                        <m:ctrlPr>
+                          <a:rPr lang="en-US" sz="3200" i="1">
+                            <a:latin typeface="Cambria Math" panose="02040503050406030204" pitchFamily="18" charset="0"/>
+                          </a:rPr>
+                        </m:ctrlPr>
+                      </m:sSubSupPr>
+                      <m:e>
+                        <m:r>
+                          <a:rPr lang="en-US" sz="3200" i="1">
+                            <a:latin typeface="Cambria Math" panose="02040503050406030204" pitchFamily="18" charset="0"/>
+                          </a:rPr>
+                          <m:t>𝜎</m:t>
+                        </m:r>
+                      </m:e>
+                      <m:sub>
+                        <m:r>
+                          <a:rPr lang="en-US" sz="3200" i="1">
+                            <a:latin typeface="Cambria Math" panose="02040503050406030204" pitchFamily="18" charset="0"/>
+                          </a:rPr>
+                          <m:t>𝑓</m:t>
+                        </m:r>
+                      </m:sub>
+                      <m:sup>
+                        <m:r>
+                          <a:rPr lang="en-US" sz="3200" i="1">
+                            <a:latin typeface="Cambria Math" panose="02040503050406030204" pitchFamily="18" charset="0"/>
+                          </a:rPr>
+                          <m:t>2</m:t>
+                        </m:r>
+                      </m:sup>
+                    </m:sSubSup>
+                  </m:oMath>
+                </a14:m>
+                <a:r>
+                  <a:rPr lang="en-US" sz="3200" dirty="0" smtClean="0"/>
+                  <a:t> is a scale parameters, </a:t>
+                </a:r>
+                <a14:m>
+                  <m:oMath xmlns:m="http://schemas.openxmlformats.org/officeDocument/2006/math">
+                    <m:r>
+                      <a:rPr lang="en-US" sz="3200" b="1" i="1">
+                        <a:latin typeface="Cambria Math" panose="02040503050406030204" pitchFamily="18" charset="0"/>
+                      </a:rPr>
+                      <m:t>𝑴</m:t>
+                    </m:r>
+                  </m:oMath>
+                </a14:m>
+                <a:r>
+                  <a:rPr lang="en-US" sz="3200" dirty="0" smtClean="0"/>
+                  <a:t> is a diagonal matrix of scale parameters, and </a:t>
+                </a:r>
+                <a14:m>
+                  <m:oMath xmlns:m="http://schemas.openxmlformats.org/officeDocument/2006/math">
+                    <m:sSubSup>
+                      <m:sSubSupPr>
+                        <m:ctrlPr>
+                          <a:rPr lang="en-US" sz="3200" i="1">
+                            <a:latin typeface="Cambria Math" panose="02040503050406030204" pitchFamily="18" charset="0"/>
+                          </a:rPr>
+                        </m:ctrlPr>
+                      </m:sSubSupPr>
+                      <m:e>
+                        <m:r>
+                          <a:rPr lang="en-US" sz="3200" i="1">
+                            <a:latin typeface="Cambria Math" panose="02040503050406030204" pitchFamily="18" charset="0"/>
+                          </a:rPr>
+                          <m:t>𝜎</m:t>
+                        </m:r>
+                      </m:e>
+                      <m:sub>
+                        <m:r>
+                          <a:rPr lang="en-US" sz="3200" i="1">
+                            <a:latin typeface="Cambria Math" panose="02040503050406030204" pitchFamily="18" charset="0"/>
+                          </a:rPr>
+                          <m:t>𝜖</m:t>
+                        </m:r>
+                      </m:sub>
+                      <m:sup>
+                        <m:r>
+                          <a:rPr lang="en-US" sz="3200" i="1">
+                            <a:latin typeface="Cambria Math" panose="02040503050406030204" pitchFamily="18" charset="0"/>
+                          </a:rPr>
+                          <m:t>2</m:t>
+                        </m:r>
+                      </m:sup>
+                    </m:sSubSup>
+                  </m:oMath>
+                </a14:m>
+                <a:r>
+                  <a:rPr lang="en-US" sz="3200" dirty="0" smtClean="0"/>
+                  <a:t> is noise which we set to be the standard deviation of the data.</a:t>
+                </a:r>
+              </a:p>
+              <a:p>
+                <a:endParaRPr lang="en-US" sz="3200" dirty="0" smtClean="0"/>
+              </a:p>
+              <a:p>
+                <a:r>
+                  <a:rPr lang="en-US" sz="3200" dirty="0" smtClean="0"/>
+                  <a:t>The regression consists of computing the covariance matrix for all of the training data and text data, then using standard Gaussian conjugacy results to solve for the mean and covariance of the test data. We take the mean as predictions and normalize to get a probability distribution. To tune the model we use L-BFGS to optimize the scale parameters in order to maximize log likelihood. We compare against simply taking the average for each bucket over time, which is common practice by police departments currently. Results are shown on the right.</a:t>
+                </a:r>
+              </a:p>
+            </p:txBody>
+          </p:sp>
+        </mc:Choice>
+        <mc:Fallback>
+          <p:sp>
+            <p:nvSpPr>
+              <p:cNvPr id="32" name="TextBox 31"/>
+              <p:cNvSpPr txBox="1">
+                <a:spLocks noRot="1" noChangeAspect="1" noMove="1" noResize="1" noEditPoints="1" noAdjustHandles="1" noChangeArrowheads="1" noChangeShapeType="1" noTextEdit="1"/>
+              </p:cNvSpPr>
+              <p:nvPr/>
+            </p:nvSpPr>
+            <p:spPr>
+              <a:xfrm>
+                <a:off x="15759464" y="9069226"/>
+                <a:ext cx="10907485" cy="12604989"/>
+              </a:xfrm>
+              <a:prstGeom prst="rect">
+                <a:avLst/>
+              </a:prstGeom>
+              <a:blipFill rotWithShape="0">
+                <a:blip r:embed="rId6"/>
+                <a:stretch>
+                  <a:fillRect l="-1397" t="-629" r="-1677" b="-677"/>
+                </a:stretch>
+              </a:blipFill>
+            </p:spPr>
+            <p:txBody>
+              <a:bodyPr/>
+              <a:lstStyle/>
+              <a:p>
+                <a:r>
+                  <a:rPr lang="en-US">
+                    <a:noFill/>
+                  </a:rPr>
+                  <a:t> </a:t>
+                </a:r>
+              </a:p>
+            </p:txBody>
+          </p:sp>
+        </mc:Fallback>
+      </mc:AlternateContent>
       <p:pic>
         <p:nvPicPr>
           <p:cNvPr id="35" name="Picture 34"/>
@@ -3613,7 +4643,7 @@
         </p:blipFill>
         <p:spPr>
           <a:xfrm>
-            <a:off x="36866671" y="12091058"/>
+            <a:off x="36866671" y="10924788"/>
             <a:ext cx="6074992" cy="4176557"/>
           </a:xfrm>
           <a:prstGeom prst="rect">
@@ -3643,8 +4673,8 @@
         </p:blipFill>
         <p:spPr>
           <a:xfrm>
-            <a:off x="1828801" y="19590589"/>
-            <a:ext cx="7653086" cy="5261497"/>
+            <a:off x="1828801" y="17613118"/>
+            <a:ext cx="6074997" cy="4176561"/>
           </a:xfrm>
           <a:prstGeom prst="rect">
             <a:avLst/>
@@ -3659,8 +4689,8 @@
         </p:nvSpPr>
         <p:spPr>
           <a:xfrm>
-            <a:off x="15759465" y="22072082"/>
-            <a:ext cx="10907486" cy="1384995"/>
+            <a:off x="15759463" y="24653852"/>
+            <a:ext cx="10907486" cy="7478970"/>
           </a:xfrm>
           <a:prstGeom prst="rect">
             <a:avLst/>
@@ -3677,9 +4707,64 @@
               <a:buChar char="-"/>
             </a:pPr>
             <a:r>
-              <a:rPr lang="en-US" sz="2800" dirty="0" smtClean="0"/>
-              <a:t>Explore kernels more suited to the problem domain, specifically periodic kernels that capture the cyclic nature of crime and its variants:</a:t>
-            </a:r>
+              <a:rPr lang="en-US" sz="3200" dirty="0" smtClean="0"/>
+              <a:t>Explore kernels more suited to the problem domain, specifically periodic kernels that capture the cyclic nature of crime and its </a:t>
+            </a:r>
+            <a:r>
+              <a:rPr lang="en-US" sz="3200" dirty="0" smtClean="0"/>
+              <a:t>variants when combined with linear and squared exponential kernels:</a:t>
+            </a:r>
+          </a:p>
+          <a:p>
+            <a:r>
+              <a:rPr lang="en-US" sz="3200" dirty="0" smtClean="0"/>
+              <a:t>          - SE * periodic (locally exponential): periodic functions that </a:t>
+            </a:r>
+          </a:p>
+          <a:p>
+            <a:r>
+              <a:rPr lang="en-US" sz="3200" dirty="0"/>
+              <a:t> </a:t>
+            </a:r>
+            <a:r>
+              <a:rPr lang="en-US" sz="3200" dirty="0" smtClean="0"/>
+              <a:t>           </a:t>
+            </a:r>
+            <a:r>
+              <a:rPr lang="en-US" sz="3200" dirty="0" smtClean="0"/>
+              <a:t>can vary over time</a:t>
+            </a:r>
+          </a:p>
+          <a:p>
+            <a:r>
+              <a:rPr lang="en-US" sz="3200" dirty="0"/>
+              <a:t> </a:t>
+            </a:r>
+            <a:r>
+              <a:rPr lang="en-US" sz="3200" dirty="0" smtClean="0"/>
+              <a:t>         - Linear * periodic: periodic function with varying        </a:t>
+            </a:r>
+          </a:p>
+          <a:p>
+            <a:r>
+              <a:rPr lang="en-US" sz="3200" dirty="0"/>
+              <a:t> </a:t>
+            </a:r>
+            <a:r>
+              <a:rPr lang="en-US" sz="3200" dirty="0" smtClean="0"/>
+              <a:t>           amplitude</a:t>
+            </a:r>
+          </a:p>
+          <a:p>
+            <a:r>
+              <a:rPr lang="en-US" sz="3200" dirty="0"/>
+              <a:t> </a:t>
+            </a:r>
+            <a:r>
+              <a:rPr lang="en-US" sz="3200" dirty="0" smtClean="0"/>
+              <a:t>         - Linear + periodic: periodic function with increasing mean</a:t>
+            </a:r>
+            <a:endParaRPr lang="en-US" sz="3200" dirty="0" smtClean="0"/>
           </a:p>
           <a:p>
             <a:pPr marL="457200" indent="-457200">
@@ -3687,10 +4772,28 @@
               <a:buChar char="-"/>
             </a:pPr>
             <a:r>
-              <a:rPr lang="en-US" sz="2800" smtClean="0"/>
-              <a:t>TODO</a:t>
-            </a:r>
-            <a:endParaRPr lang="en-US" sz="2800" dirty="0" smtClean="0"/>
+              <a:rPr lang="en-US" sz="3200" dirty="0" smtClean="0"/>
+              <a:t>Acquire access to greater computational resources or explore less </a:t>
+            </a:r>
+            <a:r>
+              <a:rPr lang="en-US" sz="3200" dirty="0" smtClean="0"/>
+              <a:t>costly regression in order </a:t>
+            </a:r>
+            <a:r>
+              <a:rPr lang="en-US" sz="3200" dirty="0" smtClean="0"/>
+              <a:t>to explore larger datasets (e.g. Chicago), greater buckets per dimension (i.e. larger N), and/or finer temporal discretization</a:t>
+            </a:r>
+          </a:p>
+          <a:p>
+            <a:pPr marL="457200" indent="-457200">
+              <a:buFontTx/>
+              <a:buChar char="-"/>
+            </a:pPr>
+            <a:r>
+              <a:rPr lang="en-US" sz="3200" dirty="0" smtClean="0"/>
+              <a:t>Determine a realistic noise parameter and explore its effects on the regression</a:t>
+            </a:r>
+            <a:endParaRPr lang="en-US" sz="3200" dirty="0" smtClean="0"/>
           </a:p>
         </p:txBody>
       </p:sp>
@@ -3702,7 +4805,7 @@
         </p:nvSpPr>
         <p:spPr>
           <a:xfrm>
-            <a:off x="27443839" y="12847683"/>
+            <a:off x="27443839" y="11796808"/>
             <a:ext cx="1107996" cy="2432515"/>
           </a:xfrm>
           <a:prstGeom prst="rect">
@@ -3743,7 +4846,7 @@
         </p:nvSpPr>
         <p:spPr>
           <a:xfrm>
-            <a:off x="27443839" y="18374330"/>
+            <a:off x="27443839" y="16827749"/>
             <a:ext cx="1107996" cy="2432515"/>
           </a:xfrm>
           <a:prstGeom prst="rect">
@@ -3784,7 +4887,7 @@
         </p:nvSpPr>
         <p:spPr>
           <a:xfrm>
-            <a:off x="27443839" y="23900900"/>
+            <a:off x="27443839" y="22221337"/>
             <a:ext cx="1107996" cy="2432515"/>
           </a:xfrm>
           <a:prstGeom prst="rect">
@@ -3825,8 +4928,148 @@
         </p:nvSpPr>
         <p:spPr>
           <a:xfrm>
-            <a:off x="1954578" y="26126308"/>
-            <a:ext cx="4696718" cy="1815882"/>
+            <a:off x="2515399" y="23938687"/>
+            <a:ext cx="4696718" cy="954107"/>
+          </a:xfrm>
+          <a:prstGeom prst="rect">
+            <a:avLst/>
+          </a:prstGeom>
+          <a:solidFill>
+            <a:srgbClr val="E5BABA"/>
+          </a:solidFill>
+        </p:spPr>
+        <p:txBody>
+          <a:bodyPr wrap="square" rtlCol="0">
+            <a:spAutoFit/>
+          </a:bodyPr>
+          <a:lstStyle/>
+          <a:p>
+            <a:r>
+              <a:rPr lang="en-US" sz="2800" dirty="0" smtClean="0">
+                <a:solidFill>
+                  <a:srgbClr val="2D1E3E"/>
+                </a:solidFill>
+              </a:rPr>
+              <a:t>Right: </a:t>
+            </a:r>
+            <a:r>
+              <a:rPr lang="en-US" sz="2800" dirty="0">
+                <a:solidFill>
+                  <a:srgbClr val="2D1E3E"/>
+                </a:solidFill>
+              </a:rPr>
+              <a:t>Model likelihood vs grid size for </a:t>
+            </a:r>
+            <a:r>
+              <a:rPr lang="en-US" sz="2800" dirty="0" smtClean="0">
+                <a:solidFill>
+                  <a:srgbClr val="2D1E3E"/>
+                </a:solidFill>
+              </a:rPr>
+              <a:t>San Francisco</a:t>
+            </a:r>
+            <a:endParaRPr lang="en-US" sz="2800" dirty="0"/>
+          </a:p>
+        </p:txBody>
+      </p:sp>
+      <p:sp>
+        <p:nvSpPr>
+          <p:cNvPr id="44" name="TextBox 43"/>
+          <p:cNvSpPr txBox="1"/>
+          <p:nvPr/>
+        </p:nvSpPr>
+        <p:spPr>
+          <a:xfrm>
+            <a:off x="31259302" y="25799920"/>
+            <a:ext cx="8929991" cy="2246769"/>
+          </a:xfrm>
+          <a:prstGeom prst="rect">
+            <a:avLst/>
+          </a:prstGeom>
+          <a:solidFill>
+            <a:srgbClr val="E5BABA"/>
+          </a:solidFill>
+        </p:spPr>
+        <p:txBody>
+          <a:bodyPr wrap="square" rtlCol="0">
+            <a:spAutoFit/>
+          </a:bodyPr>
+          <a:lstStyle/>
+          <a:p>
+            <a:r>
+              <a:rPr lang="en-US" sz="2800" dirty="0" smtClean="0">
+                <a:solidFill>
+                  <a:srgbClr val="2D1E3E"/>
+                </a:solidFill>
+              </a:rPr>
+              <a:t>Above: </a:t>
+            </a:r>
+            <a:r>
+              <a:rPr lang="en-US" sz="2800" dirty="0" smtClean="0">
+                <a:solidFill>
+                  <a:srgbClr val="2D1E3E"/>
+                </a:solidFill>
+              </a:rPr>
+              <a:t>geographic </a:t>
+            </a:r>
+            <a:r>
+              <a:rPr lang="en-US" sz="2800" dirty="0" err="1" smtClean="0">
+                <a:solidFill>
+                  <a:srgbClr val="2D1E3E"/>
+                </a:solidFill>
+              </a:rPr>
+              <a:t>heatmaps</a:t>
+            </a:r>
+            <a:r>
+              <a:rPr lang="en-US" sz="2800" dirty="0" smtClean="0">
+                <a:solidFill>
+                  <a:srgbClr val="2D1E3E"/>
+                </a:solidFill>
+              </a:rPr>
+              <a:t> </a:t>
+            </a:r>
+            <a:r>
+              <a:rPr lang="en-US" sz="2800" dirty="0" smtClean="0">
+                <a:solidFill>
+                  <a:srgbClr val="2D1E3E"/>
+                </a:solidFill>
+              </a:rPr>
+              <a:t>of crime incidence for Boston (left) and San Francisco (right) </a:t>
+            </a:r>
+            <a:r>
+              <a:rPr lang="en-US" sz="2800" dirty="0" smtClean="0">
+                <a:solidFill>
+                  <a:srgbClr val="2D1E3E"/>
+                </a:solidFill>
+              </a:rPr>
+              <a:t>for t =35, 145 months, n=15, X respectively, as </a:t>
+            </a:r>
+            <a:r>
+              <a:rPr lang="en-US" sz="2800" dirty="0" smtClean="0">
+                <a:solidFill>
+                  <a:srgbClr val="2D1E3E"/>
+                </a:solidFill>
+              </a:rPr>
+              <a:t>predicted by a Gaussian process with squared exponential kernel (top), average over months (middle), and true (bottom)</a:t>
+            </a:r>
+            <a:endParaRPr lang="en-US" sz="2800" dirty="0">
+              <a:solidFill>
+                <a:srgbClr val="2D1E3E"/>
+              </a:solidFill>
+            </a:endParaRPr>
+          </a:p>
+        </p:txBody>
+      </p:sp>
+      <p:sp>
+        <p:nvSpPr>
+          <p:cNvPr id="30" name="TextBox 29"/>
+          <p:cNvSpPr txBox="1"/>
+          <p:nvPr/>
+        </p:nvSpPr>
+        <p:spPr>
+          <a:xfrm>
+            <a:off x="30270554" y="28683383"/>
+            <a:ext cx="10907486" cy="1368708"/>
           </a:xfrm>
           <a:prstGeom prst="rect">
             <a:avLst/>
@@ -3841,30 +5084,16 @@
           </a:bodyPr>
           <a:lstStyle/>
           <a:p>
-            <a:r>
-              <a:rPr lang="en-US" sz="2800" dirty="0" smtClean="0">
+            <a:pPr algn="ctr"/>
+            <a:r>
+              <a:rPr lang="en-US" dirty="0" smtClean="0">
                 <a:solidFill>
                   <a:srgbClr val="F9F1EC"/>
                 </a:solidFill>
               </a:rPr>
-              <a:t>Above: GP marginal likelihood vs grid size</a:t>
-            </a:r>
-            <a:br>
-              <a:rPr lang="en-US" sz="2800" dirty="0" smtClean="0">
-                <a:solidFill>
-                  <a:srgbClr val="F9F1EC"/>
-                </a:solidFill>
-              </a:rPr>
-            </a:br>
-            <a:r>
-              <a:rPr lang="en-US" sz="2800" dirty="0" smtClean="0">
-                <a:solidFill>
-                  <a:srgbClr val="F9F1EC"/>
-                </a:solidFill>
-              </a:rPr>
-              <a:t>Right: Predictive distribution vs true distribution for XXX</a:t>
-            </a:r>
-            <a:endParaRPr lang="en-US" sz="2800" dirty="0">
+              <a:t>References</a:t>
+            </a:r>
+            <a:endParaRPr lang="en-US" dirty="0">
               <a:solidFill>
                 <a:srgbClr val="F9F1EC"/>
               </a:solidFill>
@@ -3874,20 +5103,225 @@
       </p:sp>
       <p:sp>
         <p:nvSpPr>
-          <p:cNvPr id="44" name="TextBox 43"/>
+          <p:cNvPr id="3" name="TextBox 2"/>
           <p:cNvSpPr txBox="1"/>
           <p:nvPr/>
         </p:nvSpPr>
         <p:spPr>
           <a:xfrm>
-            <a:off x="31259303" y="29216413"/>
-            <a:ext cx="8929991" cy="1815882"/>
+            <a:off x="30270554" y="30838974"/>
+            <a:ext cx="10907486" cy="1938992"/>
+          </a:xfrm>
+          <a:prstGeom prst="rect">
+            <a:avLst/>
+          </a:prstGeom>
+          <a:noFill/>
+        </p:spPr>
+        <p:txBody>
+          <a:bodyPr wrap="square" rtlCol="0">
+            <a:spAutoFit/>
+          </a:bodyPr>
+          <a:lstStyle/>
+          <a:p>
+            <a:r>
+              <a:rPr lang="en-US" sz="2000" dirty="0" smtClean="0"/>
+              <a:t>[1] Murphy</a:t>
+            </a:r>
+            <a:r>
+              <a:rPr lang="en-US" sz="2000" dirty="0"/>
+              <a:t>, Kevin P. </a:t>
+            </a:r>
+            <a:r>
+              <a:rPr lang="en-US" sz="2000" i="1" dirty="0"/>
+              <a:t>Machine Learning: A Probabilistic Perspective</a:t>
+            </a:r>
+            <a:r>
+              <a:rPr lang="en-US" sz="2000" dirty="0"/>
+              <a:t>. Cambridge, MA: MIT, 2012. Print</a:t>
+            </a:r>
+            <a:r>
+              <a:rPr lang="en-US" sz="2000" dirty="0" smtClean="0"/>
+              <a:t>.</a:t>
+            </a:r>
+          </a:p>
+          <a:p>
+            <a:r>
+              <a:rPr lang="en-US" sz="2000" dirty="0" smtClean="0"/>
+              <a:t>[2] </a:t>
+            </a:r>
+            <a:r>
+              <a:rPr lang="en-US" sz="2000" dirty="0" err="1" smtClean="0"/>
+              <a:t>Duvenaud</a:t>
+            </a:r>
+            <a:r>
+              <a:rPr lang="en-US" sz="2000" dirty="0"/>
+              <a:t>, David. "The Kernel Cookbook:." </a:t>
+            </a:r>
+            <a:r>
+              <a:rPr lang="en-US" sz="2000" i="1" dirty="0"/>
+              <a:t>Kernel Cookbook</a:t>
+            </a:r>
+            <a:r>
+              <a:rPr lang="en-US" sz="2000" dirty="0"/>
+              <a:t>. Harvard SEAS, </a:t>
+            </a:r>
+            <a:r>
+              <a:rPr lang="en-US" sz="2000" dirty="0" err="1"/>
+              <a:t>n.d.</a:t>
+            </a:r>
+            <a:r>
+              <a:rPr lang="en-US" sz="2000" dirty="0"/>
+              <a:t> Web. 02 Dec. 2015.</a:t>
+            </a:r>
+            <a:endParaRPr lang="en-US" sz="2000" dirty="0" smtClean="0"/>
+          </a:p>
+          <a:p>
+            <a:r>
+              <a:rPr lang="en-US" sz="2000" dirty="0" smtClean="0"/>
+              <a:t>[3] A. G</a:t>
+            </a:r>
+            <a:r>
+              <a:rPr lang="en-US" sz="2000" dirty="0"/>
+              <a:t>. Wilson and R. Prescott Adams. Gaussian Process Kernels for </a:t>
+            </a:r>
+            <a:r>
+              <a:rPr lang="en-US" sz="2000" dirty="0" smtClean="0"/>
+              <a:t>Pattern Discovery </a:t>
+            </a:r>
+            <a:r>
+              <a:rPr lang="en-US" sz="2000" dirty="0"/>
+              <a:t>and </a:t>
+            </a:r>
+            <a:r>
+              <a:rPr lang="en-US" sz="2000" dirty="0" smtClean="0"/>
+              <a:t>Extrapolation. </a:t>
+            </a:r>
+            <a:r>
+              <a:rPr lang="en-US" sz="2000" dirty="0" err="1" smtClean="0"/>
+              <a:t>ArXiv</a:t>
+            </a:r>
+            <a:r>
+              <a:rPr lang="en-US" sz="2000" dirty="0" smtClean="0"/>
+              <a:t> e-prints, </a:t>
+            </a:r>
+            <a:r>
+              <a:rPr lang="en-US" sz="2000" dirty="0"/>
+              <a:t>February 2013</a:t>
+            </a:r>
+            <a:r>
+              <a:rPr lang="en-US" sz="2000" dirty="0" smtClean="0"/>
+              <a:t>.</a:t>
+            </a:r>
+          </a:p>
+          <a:p>
+            <a:r>
+              <a:rPr lang="en-US" sz="2000" dirty="0" smtClean="0"/>
+              <a:t>[4] Wang</a:t>
+            </a:r>
+            <a:r>
+              <a:rPr lang="en-US" sz="2000" dirty="0"/>
+              <a:t>, J.M.; Fleet, D.J.; </a:t>
+            </a:r>
+            <a:r>
+              <a:rPr lang="en-US" sz="2000" dirty="0" err="1"/>
+              <a:t>Hertzmann</a:t>
+            </a:r>
+            <a:r>
+              <a:rPr lang="en-US" sz="2000" dirty="0"/>
+              <a:t>, A., "Gaussian Process Dynamical Models for Human Motion," in </a:t>
+            </a:r>
+            <a:r>
+              <a:rPr lang="en-US" sz="2000" i="1" dirty="0"/>
+              <a:t>Pattern Analysis and Machine Intelligence, IEEE Transactions on</a:t>
+            </a:r>
+            <a:r>
+              <a:rPr lang="en-US" sz="2000" dirty="0"/>
+              <a:t> , vol.30, no.2, pp.283-298, Feb. </a:t>
+            </a:r>
+            <a:r>
+              <a:rPr lang="en-US" sz="2000" dirty="0" smtClean="0"/>
+              <a:t>2008</a:t>
+            </a:r>
+            <a:endParaRPr lang="en-US" sz="2000" dirty="0"/>
+          </a:p>
+        </p:txBody>
+      </p:sp>
+      <p:pic>
+        <p:nvPicPr>
+          <p:cNvPr id="6" name="Picture 5"/>
+          <p:cNvPicPr>
+            <a:picLocks noChangeAspect="1"/>
+          </p:cNvPicPr>
+          <p:nvPr/>
+        </p:nvPicPr>
+        <p:blipFill>
+          <a:blip r:embed="rId8">
+            <a:extLst>
+              <a:ext uri="{28A0092B-C50C-407E-A947-70E740481C1C}">
+                <a14:useLocalDpi xmlns:a14="http://schemas.microsoft.com/office/drawing/2010/main" val="0"/>
+              </a:ext>
+            </a:extLst>
+          </a:blip>
+          <a:stretch>
+            <a:fillRect/>
+          </a:stretch>
+        </p:blipFill>
+        <p:spPr>
+          <a:xfrm>
+            <a:off x="29183602" y="10924786"/>
+            <a:ext cx="6074992" cy="4176557"/>
+          </a:xfrm>
+          <a:prstGeom prst="rect">
+            <a:avLst/>
+          </a:prstGeom>
+        </p:spPr>
+      </p:pic>
+      <p:pic>
+        <p:nvPicPr>
+          <p:cNvPr id="11" name="Picture 10"/>
+          <p:cNvPicPr>
+            <a:picLocks noChangeAspect="1"/>
+          </p:cNvPicPr>
+          <p:nvPr/>
+        </p:nvPicPr>
+        <p:blipFill>
+          <a:blip r:embed="rId9">
+            <a:extLst>
+              <a:ext uri="{28A0092B-C50C-407E-A947-70E740481C1C}">
+                <a14:useLocalDpi xmlns:a14="http://schemas.microsoft.com/office/drawing/2010/main" val="0"/>
+              </a:ext>
+            </a:extLst>
+          </a:blip>
+          <a:stretch>
+            <a:fillRect/>
+          </a:stretch>
+        </p:blipFill>
+        <p:spPr>
+          <a:xfrm>
+            <a:off x="29117759" y="20986669"/>
+            <a:ext cx="6074992" cy="4176557"/>
+          </a:xfrm>
+          <a:prstGeom prst="rect">
+            <a:avLst/>
+          </a:prstGeom>
+        </p:spPr>
+      </p:pic>
+      <p:sp>
+        <p:nvSpPr>
+          <p:cNvPr id="33" name="TextBox 32"/>
+          <p:cNvSpPr txBox="1"/>
+          <p:nvPr/>
+        </p:nvSpPr>
+        <p:spPr>
+          <a:xfrm>
+            <a:off x="8438428" y="18946623"/>
+            <a:ext cx="4696718" cy="954107"/>
           </a:xfrm>
           <a:prstGeom prst="rect">
             <a:avLst/>
           </a:prstGeom>
           <a:solidFill>
-            <a:srgbClr val="673C6D"/>
+            <a:srgbClr val="E5BABA"/>
           </a:solidFill>
         </p:spPr>
         <p:txBody>
@@ -3899,30 +5333,96 @@
             <a:r>
               <a:rPr lang="en-US" sz="2800" dirty="0" smtClean="0">
                 <a:solidFill>
-                  <a:srgbClr val="F9F1EC"/>
+                  <a:srgbClr val="2D1E3E"/>
                 </a:solidFill>
               </a:rPr>
-              <a:t>Above: </a:t>
-            </a:r>
-            <a:r>
-              <a:rPr lang="en-US" sz="2800" dirty="0" err="1" smtClean="0">
+              <a:t>Left: Model likelihood vs grid size for Boston</a:t>
+            </a:r>
+            <a:endParaRPr lang="en-US" sz="2800" dirty="0"/>
+          </a:p>
+        </p:txBody>
+      </p:sp>
+      <p:pic>
+        <p:nvPicPr>
+          <p:cNvPr id="38" name="Picture 37"/>
+          <p:cNvPicPr>
+            <a:picLocks noChangeAspect="1"/>
+          </p:cNvPicPr>
+          <p:nvPr/>
+        </p:nvPicPr>
+        <p:blipFill>
+          <a:blip r:embed="rId3">
+            <a:extLst>
+              <a:ext uri="{28A0092B-C50C-407E-A947-70E740481C1C}">
+                <a14:useLocalDpi xmlns:a14="http://schemas.microsoft.com/office/drawing/2010/main" val="0"/>
+              </a:ext>
+            </a:extLst>
+          </a:blip>
+          <a:stretch>
+            <a:fillRect/>
+          </a:stretch>
+        </p:blipFill>
+        <p:spPr>
+          <a:xfrm>
+            <a:off x="1826260" y="27901221"/>
+            <a:ext cx="6074997" cy="4176560"/>
+          </a:xfrm>
+          <a:prstGeom prst="rect">
+            <a:avLst/>
+          </a:prstGeom>
+        </p:spPr>
+      </p:pic>
+      <p:sp>
+        <p:nvSpPr>
+          <p:cNvPr id="45" name="TextBox 44"/>
+          <p:cNvSpPr txBox="1"/>
+          <p:nvPr/>
+        </p:nvSpPr>
+        <p:spPr>
+          <a:xfrm>
+            <a:off x="8592937" y="29560320"/>
+            <a:ext cx="4696718" cy="1384995"/>
+          </a:xfrm>
+          <a:prstGeom prst="rect">
+            <a:avLst/>
+          </a:prstGeom>
+          <a:solidFill>
+            <a:srgbClr val="E5BABA"/>
+          </a:solidFill>
+        </p:spPr>
+        <p:txBody>
+          <a:bodyPr wrap="square" rtlCol="0">
+            <a:spAutoFit/>
+          </a:bodyPr>
+          <a:lstStyle/>
+          <a:p>
+            <a:r>
+              <a:rPr lang="en-US" sz="2800" dirty="0" smtClean="0">
                 <a:solidFill>
-                  <a:srgbClr val="F9F1EC"/>
+                  <a:srgbClr val="2D1E3E"/>
                 </a:solidFill>
               </a:rPr>
-              <a:t>heatmaps</a:t>
+              <a:t>Left: </a:t>
+            </a:r>
+            <a:r>
+              <a:rPr lang="en-US" sz="2800" dirty="0">
+                <a:solidFill>
+                  <a:srgbClr val="2D1E3E"/>
+                </a:solidFill>
+              </a:rPr>
+              <a:t>Predictive distribution vs true distribution for some geographical </a:t>
             </a:r>
             <a:r>
               <a:rPr lang="en-US" sz="2800" dirty="0" smtClean="0">
                 <a:solidFill>
-                  <a:srgbClr val="F9F1EC"/>
+                  <a:srgbClr val="2D1E3E"/>
                 </a:solidFill>
               </a:rPr>
-              <a:t> of crime incidence for Boston (left) and San Francisco (right) as predicted by a Gaussian process with squared exponential kernel (top), average over months (middle), and true (bottom)</a:t>
+              <a:t>buckets in Boston</a:t>
             </a:r>
             <a:endParaRPr lang="en-US" sz="2800" dirty="0">
               <a:solidFill>
-                <a:srgbClr val="F9F1EC"/>
+                <a:srgbClr val="2D1E3E"/>
               </a:solidFill>
             </a:endParaRPr>
           </a:p>
@@ -4207,4 +5707,265 @@
     </a:ext>
   </a:extLst>
 </a:theme>
+</file>
+
+<file path=ppt/theme/theme2.xml><?xml version="1.0" encoding="utf-8"?>
+<a:theme xmlns:a="http://schemas.openxmlformats.org/drawingml/2006/main" name="Office Theme">
+  <a:themeElements>
+    <a:clrScheme name="Office">
+      <a:dk1>
+        <a:sysClr val="windowText" lastClr="000000"/>
+      </a:dk1>
+      <a:lt1>
+        <a:sysClr val="window" lastClr="FFFFFF"/>
+      </a:lt1>
+      <a:dk2>
+        <a:srgbClr val="44546A"/>
+      </a:dk2>
+      <a:lt2>
+        <a:srgbClr val="E7E6E6"/>
+      </a:lt2>
+      <a:accent1>
+        <a:srgbClr val="5B9BD5"/>
+      </a:accent1>
+      <a:accent2>
+        <a:srgbClr val="ED7D31"/>
+      </a:accent2>
+      <a:accent3>
+        <a:srgbClr val="A5A5A5"/>
+      </a:accent3>
+      <a:accent4>
+        <a:srgbClr val="FFC000"/>
+      </a:accent4>
+      <a:accent5>
+        <a:srgbClr val="4472C4"/>
+      </a:accent5>
+      <a:accent6>
+        <a:srgbClr val="70AD47"/>
+      </a:accent6>
+      <a:hlink>
+        <a:srgbClr val="0563C1"/>
+      </a:hlink>
+      <a:folHlink>
+        <a:srgbClr val="954F72"/>
+      </a:folHlink>
+    </a:clrScheme>
+    <a:fontScheme name="Office">
+      <a:majorFont>
+        <a:latin typeface="Calibri Light" panose="020F0302020204030204"/>
+        <a:ea typeface=""/>
+        <a:cs typeface=""/>
+        <a:font script="Jpan" typeface="ＭＳ Ｐゴシック"/>
+        <a:font script="Hang" typeface="맑은 고딕"/>
+        <a:font script="Hans" typeface="宋体"/>
+        <a:font script="Hant" typeface="新細明體"/>
+        <a:font script="Arab" typeface="Times New Roman"/>
+        <a:font script="Hebr" typeface="Times New Roman"/>
+        <a:font script="Thai" typeface="Angsana New"/>
+        <a:font script="Ethi" typeface="Nyala"/>
+        <a:font script="Beng" typeface="Vrinda"/>
+        <a:font script="Gujr" typeface="Shruti"/>
+        <a:font script="Khmr" typeface="MoolBoran"/>
+        <a:font script="Knda" typeface="Tunga"/>
+        <a:font script="Guru" typeface="Raavi"/>
+        <a:font script="Cans" typeface="Euphemia"/>
+        <a:font script="Cher" typeface="Plantagenet Cherokee"/>
+        <a:font script="Yiii" typeface="Microsoft Yi Baiti"/>
+        <a:font script="Tibt" typeface="Microsoft Himalaya"/>
+        <a:font script="Thaa" typeface="MV Boli"/>
+        <a:font script="Deva" typeface="Mangal"/>
+        <a:font script="Telu" typeface="Gautami"/>
+        <a:font script="Taml" typeface="Latha"/>
+        <a:font script="Syrc" typeface="Estrangelo Edessa"/>
+        <a:font script="Orya" typeface="Kalinga"/>
+        <a:font script="Mlym" typeface="Kartika"/>
+        <a:font script="Laoo" typeface="DokChampa"/>
+        <a:font script="Sinh" typeface="Iskoola Pota"/>
+        <a:font script="Mong" typeface="Mongolian Baiti"/>
+        <a:font script="Viet" typeface="Times New Roman"/>
+        <a:font script="Uigh" typeface="Microsoft Uighur"/>
+        <a:font script="Geor" typeface="Sylfaen"/>
+      </a:majorFont>
+      <a:minorFont>
+        <a:latin typeface="Calibri" panose="020F0502020204030204"/>
+        <a:ea typeface=""/>
+        <a:cs typeface=""/>
+        <a:font script="Jpan" typeface="ＭＳ Ｐゴシック"/>
+        <a:font script="Hang" typeface="맑은 고딕"/>
+        <a:font script="Hans" typeface="宋体"/>
+        <a:font script="Hant" typeface="新細明體"/>
+        <a:font script="Arab" typeface="Arial"/>
+        <a:font script="Hebr" typeface="Arial"/>
+        <a:font script="Thai" typeface="Cordia New"/>
+        <a:font script="Ethi" typeface="Nyala"/>
+        <a:font script="Beng" typeface="Vrinda"/>
+        <a:font script="Gujr" typeface="Shruti"/>
+        <a:font script="Khmr" typeface="DaunPenh"/>
+        <a:font script="Knda" typeface="Tunga"/>
+        <a:font script="Guru" typeface="Raavi"/>
+        <a:font script="Cans" typeface="Euphemia"/>
+        <a:font script="Cher" typeface="Plantagenet Cherokee"/>
+        <a:font script="Yiii" typeface="Microsoft Yi Baiti"/>
+        <a:font script="Tibt" typeface="Microsoft Himalaya"/>
+        <a:font script="Thaa" typeface="MV Boli"/>
+        <a:font script="Deva" typeface="Mangal"/>
+        <a:font script="Telu" typeface="Gautami"/>
+        <a:font script="Taml" typeface="Latha"/>
+        <a:font script="Syrc" typeface="Estrangelo Edessa"/>
+        <a:font script="Orya" typeface="Kalinga"/>
+        <a:font script="Mlym" typeface="Kartika"/>
+        <a:font script="Laoo" typeface="DokChampa"/>
+        <a:font script="Sinh" typeface="Iskoola Pota"/>
+        <a:font script="Mong" typeface="Mongolian Baiti"/>
+        <a:font script="Viet" typeface="Arial"/>
+        <a:font script="Uigh" typeface="Microsoft Uighur"/>
+        <a:font script="Geor" typeface="Sylfaen"/>
+      </a:minorFont>
+    </a:fontScheme>
+    <a:fmtScheme name="Office">
+      <a:fillStyleLst>
+        <a:solidFill>
+          <a:schemeClr val="phClr"/>
+        </a:solidFill>
+        <a:gradFill rotWithShape="1">
+          <a:gsLst>
+            <a:gs pos="0">
+              <a:schemeClr val="phClr">
+                <a:lumMod val="110000"/>
+                <a:satMod val="105000"/>
+                <a:tint val="67000"/>
+              </a:schemeClr>
+            </a:gs>
+            <a:gs pos="50000">
+              <a:schemeClr val="phClr">
+                <a:lumMod val="105000"/>
+                <a:satMod val="103000"/>
+                <a:tint val="73000"/>
+              </a:schemeClr>
+            </a:gs>
+            <a:gs pos="100000">
+              <a:schemeClr val="phClr">
+                <a:lumMod val="105000"/>
+                <a:satMod val="109000"/>
+                <a:tint val="81000"/>
+              </a:schemeClr>
+            </a:gs>
+          </a:gsLst>
+          <a:lin ang="5400000" scaled="0"/>
+        </a:gradFill>
+        <a:gradFill rotWithShape="1">
+          <a:gsLst>
+            <a:gs pos="0">
+              <a:schemeClr val="phClr">
+                <a:satMod val="103000"/>
+                <a:lumMod val="102000"/>
+                <a:tint val="94000"/>
+              </a:schemeClr>
+            </a:gs>
+            <a:gs pos="50000">
+              <a:schemeClr val="phClr">
+                <a:satMod val="110000"/>
+                <a:lumMod val="100000"/>
+                <a:shade val="100000"/>
+              </a:schemeClr>
+            </a:gs>
+            <a:gs pos="100000">
+              <a:schemeClr val="phClr">
+                <a:lumMod val="99000"/>
+                <a:satMod val="120000"/>
+                <a:shade val="78000"/>
+              </a:schemeClr>
+            </a:gs>
+          </a:gsLst>
+          <a:lin ang="5400000" scaled="0"/>
+        </a:gradFill>
+      </a:fillStyleLst>
+      <a:lnStyleLst>
+        <a:ln w="6350" cap="flat" cmpd="sng" algn="ctr">
+          <a:solidFill>
+            <a:schemeClr val="phClr"/>
+          </a:solidFill>
+          <a:prstDash val="solid"/>
+          <a:miter lim="800000"/>
+        </a:ln>
+        <a:ln w="12700" cap="flat" cmpd="sng" algn="ctr">
+          <a:solidFill>
+            <a:schemeClr val="phClr"/>
+          </a:solidFill>
+          <a:prstDash val="solid"/>
+          <a:miter lim="800000"/>
+        </a:ln>
+        <a:ln w="19050" cap="flat" cmpd="sng" algn="ctr">
+          <a:solidFill>
+            <a:schemeClr val="phClr"/>
+          </a:solidFill>
+          <a:prstDash val="solid"/>
+          <a:miter lim="800000"/>
+        </a:ln>
+      </a:lnStyleLst>
+      <a:effectStyleLst>
+        <a:effectStyle>
+          <a:effectLst/>
+        </a:effectStyle>
+        <a:effectStyle>
+          <a:effectLst/>
+        </a:effectStyle>
+        <a:effectStyle>
+          <a:effectLst>
+            <a:outerShdw blurRad="57150" dist="19050" dir="5400000" algn="ctr" rotWithShape="0">
+              <a:srgbClr val="000000">
+                <a:alpha val="63000"/>
+              </a:srgbClr>
+            </a:outerShdw>
+          </a:effectLst>
+        </a:effectStyle>
+      </a:effectStyleLst>
+      <a:bgFillStyleLst>
+        <a:solidFill>
+          <a:schemeClr val="phClr"/>
+        </a:solidFill>
+        <a:solidFill>
+          <a:schemeClr val="phClr">
+            <a:tint val="95000"/>
+            <a:satMod val="170000"/>
+          </a:schemeClr>
+        </a:solidFill>
+        <a:gradFill rotWithShape="1">
+          <a:gsLst>
+            <a:gs pos="0">
+              <a:schemeClr val="phClr">
+                <a:tint val="93000"/>
+                <a:satMod val="150000"/>
+                <a:shade val="98000"/>
+                <a:lumMod val="102000"/>
+              </a:schemeClr>
+            </a:gs>
+            <a:gs pos="50000">
+              <a:schemeClr val="phClr">
+                <a:tint val="98000"/>
+                <a:satMod val="130000"/>
+                <a:shade val="90000"/>
+                <a:lumMod val="103000"/>
+              </a:schemeClr>
+            </a:gs>
+            <a:gs pos="100000">
+              <a:schemeClr val="phClr">
+                <a:shade val="63000"/>
+                <a:satMod val="120000"/>
+              </a:schemeClr>
+            </a:gs>
+          </a:gsLst>
+          <a:lin ang="5400000" scaled="0"/>
+        </a:gradFill>
+      </a:bgFillStyleLst>
+    </a:fmtScheme>
+  </a:themeElements>
+  <a:objectDefaults/>
+  <a:extraClrSchemeLst/>
+  <a:extLst>
+    <a:ext uri="{05A4C25C-085E-4340-85A3-A5531E510DB2}">
+      <thm15:themeFamily xmlns:thm15="http://schemas.microsoft.com/office/thememl/2012/main" name="Office Theme" id="{62F939B6-93AF-4DB8-9C6B-D6C7DFDC589F}" vid="{4A3C46E8-61CC-4603-A589-7422A47A8E4A}"/>
+    </a:ext>
+  </a:extLst>
+</a:theme>
 </file>
--- a/latex/poster.pptx
+++ b/latex/poster.pptx
@@ -125,40 +125,6 @@
     </p:extLst>
   </p:cmAuthor>
 </p:cmAuthorLst>
-</file>
-
-<file path=ppt/comments/comment1.xml><?xml version="1.0" encoding="utf-8"?>
-<p:cmLst xmlns:a="http://schemas.openxmlformats.org/drawingml/2006/main" xmlns:r="http://schemas.openxmlformats.org/officeDocument/2006/relationships" xmlns:p="http://schemas.openxmlformats.org/presentationml/2006/main">
-  <p:cm authorId="1" dt="2015-12-02T00:05:52.528" idx="1">
-    <p:pos x="22354" y="5314"/>
-    <p:text>need to add correct graphs and probably add labels on the side?</p:text>
-    <p:extLst>
-      <p:ext uri="{C676402C-5697-4E1C-873F-D02D1690AC5C}">
-        <p15:threadingInfo xmlns:p15="http://schemas.microsoft.com/office/powerpoint/2012/main" timeZoneBias="300"/>
-      </p:ext>
-    </p:extLst>
-  </p:cm>
-  <p:cm authorId="1" dt="2015-12-02T00:22:32.494" idx="2">
-    <p:pos x="5907" y="10946"/>
-    <p:text>make sure labels are correct?</p:text>
-    <p:extLst mod="1">
-      <p:ext uri="{C676402C-5697-4E1C-873F-D02D1690AC5C}">
-        <p15:threadingInfo xmlns:p15="http://schemas.microsoft.com/office/powerpoint/2012/main" timeZoneBias="300"/>
-      </p:ext>
-    </p:extLst>
-  </p:cm>
-  <p:cm authorId="1" dt="2015-12-02T16:06:17.040" idx="3">
-    <p:pos x="5907" y="11042"/>
-    <p:text>is this formatting / use of space awkward?</p:text>
-    <p:extLst>
-      <p:ext uri="{C676402C-5697-4E1C-873F-D02D1690AC5C}">
-        <p15:threadingInfo xmlns:p15="http://schemas.microsoft.com/office/powerpoint/2012/main" timeZoneBias="300">
-          <p15:parentCm authorId="1" idx="2"/>
-        </p15:threadingInfo>
-      </p:ext>
-    </p:extLst>
-  </p:cm>
-</p:cmLst>
 </file>
 
 <file path=ppt/notesMasters/notesMaster1.xml><?xml version="1.0" encoding="utf-8"?>
@@ -3462,36 +3428,6 @@
           <a:chExt cx="0" cy="0"/>
         </a:xfrm>
       </p:grpSpPr>
-      <p:pic>
-        <p:nvPicPr>
-          <p:cNvPr id="39" name="Picture 38"/>
-          <p:cNvPicPr>
-            <a:picLocks noChangeAspect="1"/>
-          </p:cNvPicPr>
-          <p:nvPr/>
-        </p:nvPicPr>
-        <p:blipFill>
-          <a:blip r:embed="rId3">
-            <a:extLst>
-              <a:ext uri="{28A0092B-C50C-407E-A947-70E740481C1C}">
-                <a14:useLocalDpi xmlns:a14="http://schemas.microsoft.com/office/drawing/2010/main" val="0"/>
-              </a:ext>
-            </a:extLst>
-          </a:blip>
-          <a:stretch>
-            <a:fillRect/>
-          </a:stretch>
-        </p:blipFill>
-        <p:spPr>
-          <a:xfrm>
-            <a:off x="7903798" y="22642245"/>
-            <a:ext cx="6074997" cy="4176560"/>
-          </a:xfrm>
-          <a:prstGeom prst="rect">
-            <a:avLst/>
-          </a:prstGeom>
-        </p:spPr>
-      </p:pic>
       <p:sp>
         <p:nvSpPr>
           <p:cNvPr id="13" name="Rectangle 12"/>
@@ -3564,15 +3500,7 @@
                   <a:srgbClr val="F9F1EC"/>
                 </a:solidFill>
               </a:rPr>
-              <a:t>Gaussian Process for Crime </a:t>
-            </a:r>
-            <a:r>
-              <a:rPr lang="en-US" sz="10000" b="1" dirty="0" smtClean="0">
-                <a:solidFill>
-                  <a:srgbClr val="F9F1EC"/>
-                </a:solidFill>
-              </a:rPr>
-              <a:t>Prediction</a:t>
+              <a:t>Gaussian Process for Crime Prediction</a:t>
             </a:r>
           </a:p>
           <a:p>
@@ -3604,66 +3532,6 @@
           </a:p>
         </p:txBody>
       </p:sp>
-      <p:pic>
-        <p:nvPicPr>
-          <p:cNvPr id="7" name="Picture 6"/>
-          <p:cNvPicPr>
-            <a:picLocks noChangeAspect="1"/>
-          </p:cNvPicPr>
-          <p:nvPr/>
-        </p:nvPicPr>
-        <p:blipFill>
-          <a:blip r:embed="rId4">
-            <a:extLst>
-              <a:ext uri="{28A0092B-C50C-407E-A947-70E740481C1C}">
-                <a14:useLocalDpi xmlns:a14="http://schemas.microsoft.com/office/drawing/2010/main" val="0"/>
-              </a:ext>
-            </a:extLst>
-          </a:blip>
-          <a:stretch>
-            <a:fillRect/>
-          </a:stretch>
-        </p:blipFill>
-        <p:spPr>
-          <a:xfrm>
-            <a:off x="36866671" y="20986670"/>
-            <a:ext cx="6074992" cy="4176556"/>
-          </a:xfrm>
-          <a:prstGeom prst="rect">
-            <a:avLst/>
-          </a:prstGeom>
-        </p:spPr>
-      </p:pic>
-      <p:pic>
-        <p:nvPicPr>
-          <p:cNvPr id="8" name="Picture 7"/>
-          <p:cNvPicPr>
-            <a:picLocks noChangeAspect="1"/>
-          </p:cNvPicPr>
-          <p:nvPr/>
-        </p:nvPicPr>
-        <p:blipFill>
-          <a:blip r:embed="rId5">
-            <a:extLst>
-              <a:ext uri="{28A0092B-C50C-407E-A947-70E740481C1C}">
-                <a14:useLocalDpi xmlns:a14="http://schemas.microsoft.com/office/drawing/2010/main" val="0"/>
-              </a:ext>
-            </a:extLst>
-          </a:blip>
-          <a:stretch>
-            <a:fillRect/>
-          </a:stretch>
-        </p:blipFill>
-        <p:spPr>
-          <a:xfrm>
-            <a:off x="36866671" y="15955729"/>
-            <a:ext cx="6074992" cy="4176557"/>
-          </a:xfrm>
-          <a:prstGeom prst="rect">
-            <a:avLst/>
-          </a:prstGeom>
-        </p:spPr>
-      </p:pic>
       <p:sp>
         <p:nvSpPr>
           <p:cNvPr id="21" name="TextBox 20"/>
@@ -3978,8 +3846,8 @@
           </a:p>
         </p:txBody>
       </p:sp>
-      <mc:AlternateContent xmlns:mc="http://schemas.openxmlformats.org/markup-compatibility/2006">
-        <mc:Choice xmlns:a14="http://schemas.microsoft.com/office/drawing/2010/main" Requires="a14">
+      <mc:AlternateContent xmlns:mc="http://schemas.openxmlformats.org/markup-compatibility/2006" xmlns:a14="http://schemas.microsoft.com/office/drawing/2010/main">
+        <mc:Choice Requires="a14">
           <p:sp>
             <p:nvSpPr>
               <p:cNvPr id="32" name="TextBox 31"/>
@@ -4004,19 +3872,7 @@
               <a:p>
                 <a:r>
                   <a:rPr lang="en-US" sz="3200" dirty="0" smtClean="0"/>
-                  <a:t>For data we use </a:t>
-                </a:r>
-                <a:r>
-                  <a:rPr lang="en-US" sz="3200" dirty="0" smtClean="0"/>
-                  <a:t>public datasets </a:t>
-                </a:r>
-                <a:r>
-                  <a:rPr lang="en-US" sz="3200" dirty="0" smtClean="0"/>
-                  <a:t>on historical criminal activity from Boston and San Francisco. </a:t>
-                </a:r>
-                <a:r>
-                  <a:rPr lang="en-US" sz="3200" dirty="0" smtClean="0"/>
-                  <a:t>We process the data by extracting three features: months since first record, latitude, and longitude. Then we divide the city into N buckets per latitude and longitude, for a total of N^2 buckets and count the number of crime incidents per square. In order to ensure positive predictions, we take the log of the count, adding eps for stability.</a:t>
+                  <a:t>For data we use public datasets on historical criminal activity from Boston and San Francisco. We process the data by extracting three features: months since first record, latitude, and longitude. Then we divide the city into N buckets per latitude and longitude, for a total of N^2 buckets and count the number of crime incidents per square. In order to ensure positive predictions, we take the log of the count, adding eps for stability.</a:t>
                 </a:r>
               </a:p>
               <a:p>
@@ -4029,6 +3885,7 @@
                 </a:r>
               </a:p>
               <a:p>
+                <a:pPr/>
                 <a14:m>
                   <m:oMathPara xmlns:m="http://schemas.openxmlformats.org/officeDocument/2006/math">
                     <m:oMathParaPr>
@@ -4582,7 +4439,7 @@
             </p:txBody>
           </p:sp>
         </mc:Choice>
-        <mc:Fallback>
+        <mc:Fallback xmlns="">
           <p:sp>
             <p:nvSpPr>
               <p:cNvPr id="32" name="TextBox 31"/>
@@ -4623,36 +4480,6 @@
       </mc:AlternateContent>
       <p:pic>
         <p:nvPicPr>
-          <p:cNvPr id="35" name="Picture 34"/>
-          <p:cNvPicPr>
-            <a:picLocks noChangeAspect="1"/>
-          </p:cNvPicPr>
-          <p:nvPr/>
-        </p:nvPicPr>
-        <p:blipFill>
-          <a:blip r:embed="rId5">
-            <a:extLst>
-              <a:ext uri="{28A0092B-C50C-407E-A947-70E740481C1C}">
-                <a14:useLocalDpi xmlns:a14="http://schemas.microsoft.com/office/drawing/2010/main" val="0"/>
-              </a:ext>
-            </a:extLst>
-          </a:blip>
-          <a:stretch>
-            <a:fillRect/>
-          </a:stretch>
-        </p:blipFill>
-        <p:spPr>
-          <a:xfrm>
-            <a:off x="36866671" y="10924788"/>
-            <a:ext cx="6074992" cy="4176557"/>
-          </a:xfrm>
-          <a:prstGeom prst="rect">
-            <a:avLst/>
-          </a:prstGeom>
-        </p:spPr>
-      </p:pic>
-      <p:pic>
-        <p:nvPicPr>
           <p:cNvPr id="36" name="Picture 35"/>
           <p:cNvPicPr>
             <a:picLocks noChangeAspect="1"/>
@@ -4708,11 +4535,7 @@
             </a:pPr>
             <a:r>
               <a:rPr lang="en-US" sz="3200" dirty="0" smtClean="0"/>
-              <a:t>Explore kernels more suited to the problem domain, specifically periodic kernels that capture the cyclic nature of crime and its </a:t>
-            </a:r>
-            <a:r>
-              <a:rPr lang="en-US" sz="3200" dirty="0" smtClean="0"/>
-              <a:t>variants when combined with linear and squared exponential kernels:</a:t>
+              <a:t>Explore kernels more suited to the problem domain, specifically periodic kernels that capture the cyclic nature of crime and its variants when combined with linear and squared exponential kernels:</a:t>
             </a:r>
           </a:p>
           <a:p>
@@ -4728,11 +4551,7 @@
             </a:r>
             <a:r>
               <a:rPr lang="en-US" sz="3200" dirty="0" smtClean="0"/>
-              <a:t>           </a:t>
-            </a:r>
-            <a:r>
-              <a:rPr lang="en-US" sz="3200" dirty="0" smtClean="0"/>
-              <a:t>can vary over time</a:t>
+              <a:t>           can vary over time</a:t>
             </a:r>
           </a:p>
           <a:p>
@@ -4764,7 +4583,6 @@
               <a:rPr lang="en-US" sz="3200" dirty="0" smtClean="0"/>
               <a:t>         - Linear + periodic: periodic function with increasing mean</a:t>
             </a:r>
-            <a:endParaRPr lang="en-US" sz="3200" dirty="0" smtClean="0"/>
           </a:p>
           <a:p>
             <a:pPr marL="457200" indent="-457200">
@@ -4773,15 +4591,7 @@
             </a:pPr>
             <a:r>
               <a:rPr lang="en-US" sz="3200" dirty="0" smtClean="0"/>
-              <a:t>Acquire access to greater computational resources or explore less </a:t>
-            </a:r>
-            <a:r>
-              <a:rPr lang="en-US" sz="3200" dirty="0" smtClean="0"/>
-              <a:t>costly regression in order </a:t>
-            </a:r>
-            <a:r>
-              <a:rPr lang="en-US" sz="3200" dirty="0" smtClean="0"/>
-              <a:t>to explore larger datasets (e.g. Chicago), greater buckets per dimension (i.e. larger N), and/or finer temporal discretization</a:t>
+              <a:t>Acquire access to greater computational resources or explore less costly regression in order to explore larger datasets (e.g. Chicago), greater buckets per dimension (i.e. larger N), and/or finer temporal discretization</a:t>
             </a:r>
           </a:p>
           <a:p>
@@ -4793,7 +4603,6 @@
               <a:rPr lang="en-US" sz="3200" dirty="0" smtClean="0"/>
               <a:t>Determine a realistic noise parameter and explore its effects on the regression</a:t>
             </a:r>
-            <a:endParaRPr lang="en-US" sz="3200" dirty="0" smtClean="0"/>
           </a:p>
         </p:txBody>
       </p:sp>
@@ -4928,8 +4737,8 @@
         </p:nvSpPr>
         <p:spPr>
           <a:xfrm>
-            <a:off x="2515399" y="23938687"/>
-            <a:ext cx="4696718" cy="954107"/>
+            <a:off x="2515399" y="24152952"/>
+            <a:ext cx="4696718" cy="1384995"/>
           </a:xfrm>
           <a:prstGeom prst="rect">
             <a:avLst/>
@@ -4958,7 +4767,7 @@
                   <a:srgbClr val="2D1E3E"/>
                 </a:solidFill>
               </a:rPr>
-              <a:t>Model likelihood vs grid size for </a:t>
+              <a:t>Predictive distribution vs true distribution for some geographical buckets </a:t>
             </a:r>
             <a:r>
               <a:rPr lang="en-US" sz="2800" dirty="0" smtClean="0">
@@ -4966,9 +4775,13 @@
                   <a:srgbClr val="2D1E3E"/>
                 </a:solidFill>
               </a:rPr>
-              <a:t>San Francisco</a:t>
-            </a:r>
-            <a:endParaRPr lang="en-US" sz="2800" dirty="0"/>
+              <a:t>in SF</a:t>
+            </a:r>
+            <a:endParaRPr lang="en-US" sz="2800" dirty="0">
+              <a:solidFill>
+                <a:srgbClr val="2D1E3E"/>
+              </a:solidFill>
+            </a:endParaRPr>
           </a:p>
         </p:txBody>
       </p:sp>
@@ -5002,15 +4815,7 @@
                   <a:srgbClr val="2D1E3E"/>
                 </a:solidFill>
               </a:rPr>
-              <a:t>Above: </a:t>
-            </a:r>
-            <a:r>
-              <a:rPr lang="en-US" sz="2800" dirty="0" smtClean="0">
-                <a:solidFill>
-                  <a:srgbClr val="2D1E3E"/>
-                </a:solidFill>
-              </a:rPr>
-              <a:t>geographic </a:t>
+              <a:t>Above: geographic </a:t>
             </a:r>
             <a:r>
               <a:rPr lang="en-US" sz="2800" dirty="0" err="1" smtClean="0">
@@ -5026,7 +4831,7 @@
                   <a:srgbClr val="2D1E3E"/>
                 </a:solidFill>
               </a:rPr>
-              <a:t> </a:t>
+              <a:t> of crime incidence for Boston (left) and San Francisco (right) for t =35, </a:t>
             </a:r>
             <a:r>
               <a:rPr lang="en-US" sz="2800" dirty="0" smtClean="0">
@@ -5034,7 +4839,7 @@
                   <a:srgbClr val="2D1E3E"/>
                 </a:solidFill>
               </a:rPr>
-              <a:t>of crime incidence for Boston (left) and San Francisco (right) </a:t>
+              <a:t>153 </a:t>
             </a:r>
             <a:r>
               <a:rPr lang="en-US" sz="2800" dirty="0" smtClean="0">
@@ -5042,7 +4847,7 @@
                   <a:srgbClr val="2D1E3E"/>
                 </a:solidFill>
               </a:rPr>
-              <a:t>for t =35, 145 months, n=15, X respectively, as </a:t>
+              <a:t>months, n=15, </a:t>
             </a:r>
             <a:r>
               <a:rPr lang="en-US" sz="2800" dirty="0" smtClean="0">
@@ -5050,7 +4855,15 @@
                   <a:srgbClr val="2D1E3E"/>
                 </a:solidFill>
               </a:rPr>
-              <a:t>predicted by a Gaussian process with squared exponential kernel (top), average over months (middle), and true (bottom)</a:t>
+              <a:t>5 </a:t>
+            </a:r>
+            <a:r>
+              <a:rPr lang="en-US" sz="2800" dirty="0" smtClean="0">
+                <a:solidFill>
+                  <a:srgbClr val="2D1E3E"/>
+                </a:solidFill>
+              </a:rPr>
+              <a:t>respectively, as predicted by a Gaussian process with squared exponential kernel (top), average over months (middle), and true (bottom)</a:t>
             </a:r>
             <a:endParaRPr lang="en-US" sz="2800" dirty="0">
               <a:solidFill>
@@ -5314,7 +5127,7 @@
         </p:nvSpPr>
         <p:spPr>
           <a:xfrm>
-            <a:off x="8438428" y="18946623"/>
+            <a:off x="8611936" y="18946623"/>
             <a:ext cx="4696718" cy="954107"/>
           </a:xfrm>
           <a:prstGeom prst="rect">
@@ -5351,7 +5164,7 @@
           <p:nvPr/>
         </p:nvPicPr>
         <p:blipFill>
-          <a:blip r:embed="rId3">
+          <a:blip r:embed="rId10">
             <a:extLst>
               <a:ext uri="{28A0092B-C50C-407E-A947-70E740481C1C}">
                 <a14:useLocalDpi xmlns:a14="http://schemas.microsoft.com/office/drawing/2010/main" val="0"/>
@@ -5380,7 +5193,7 @@
         </p:nvSpPr>
         <p:spPr>
           <a:xfrm>
-            <a:off x="8592937" y="29560320"/>
+            <a:off x="8547791" y="29560320"/>
             <a:ext cx="4696718" cy="1384995"/>
           </a:xfrm>
           <a:prstGeom prst="rect">
@@ -5428,6 +5241,156 @@
           </a:p>
         </p:txBody>
       </p:sp>
+      <p:pic>
+        <p:nvPicPr>
+          <p:cNvPr id="2" name="Picture 1"/>
+          <p:cNvPicPr>
+            <a:picLocks noChangeAspect="1"/>
+          </p:cNvPicPr>
+          <p:nvPr/>
+        </p:nvPicPr>
+        <p:blipFill>
+          <a:blip r:embed="rId11">
+            <a:extLst>
+              <a:ext uri="{28A0092B-C50C-407E-A947-70E740481C1C}">
+                <a14:useLocalDpi xmlns:a14="http://schemas.microsoft.com/office/drawing/2010/main" val="0"/>
+              </a:ext>
+            </a:extLst>
+          </a:blip>
+          <a:stretch>
+            <a:fillRect/>
+          </a:stretch>
+        </p:blipFill>
+        <p:spPr>
+          <a:xfrm>
+            <a:off x="29117759" y="15933094"/>
+            <a:ext cx="6140835" cy="4221824"/>
+          </a:xfrm>
+          <a:prstGeom prst="rect">
+            <a:avLst/>
+          </a:prstGeom>
+        </p:spPr>
+      </p:pic>
+      <p:pic>
+        <p:nvPicPr>
+          <p:cNvPr id="9" name="Picture 8"/>
+          <p:cNvPicPr>
+            <a:picLocks noChangeAspect="1"/>
+          </p:cNvPicPr>
+          <p:nvPr/>
+        </p:nvPicPr>
+        <p:blipFill>
+          <a:blip r:embed="rId12">
+            <a:extLst>
+              <a:ext uri="{28A0092B-C50C-407E-A947-70E740481C1C}">
+                <a14:useLocalDpi xmlns:a14="http://schemas.microsoft.com/office/drawing/2010/main" val="0"/>
+              </a:ext>
+            </a:extLst>
+          </a:blip>
+          <a:stretch>
+            <a:fillRect/>
+          </a:stretch>
+        </p:blipFill>
+        <p:spPr>
+          <a:xfrm>
+            <a:off x="36866672" y="10926519"/>
+            <a:ext cx="6072472" cy="4174824"/>
+          </a:xfrm>
+          <a:prstGeom prst="rect">
+            <a:avLst/>
+          </a:prstGeom>
+        </p:spPr>
+      </p:pic>
+      <p:pic>
+        <p:nvPicPr>
+          <p:cNvPr id="12" name="Picture 11"/>
+          <p:cNvPicPr>
+            <a:picLocks noChangeAspect="1"/>
+          </p:cNvPicPr>
+          <p:nvPr/>
+        </p:nvPicPr>
+        <p:blipFill>
+          <a:blip r:embed="rId13">
+            <a:extLst>
+              <a:ext uri="{28A0092B-C50C-407E-A947-70E740481C1C}">
+                <a14:useLocalDpi xmlns:a14="http://schemas.microsoft.com/office/drawing/2010/main" val="0"/>
+              </a:ext>
+            </a:extLst>
+          </a:blip>
+          <a:stretch>
+            <a:fillRect/>
+          </a:stretch>
+        </p:blipFill>
+        <p:spPr>
+          <a:xfrm>
+            <a:off x="36866671" y="15957459"/>
+            <a:ext cx="6105395" cy="4197459"/>
+          </a:xfrm>
+          <a:prstGeom prst="rect">
+            <a:avLst/>
+          </a:prstGeom>
+        </p:spPr>
+      </p:pic>
+      <p:pic>
+        <p:nvPicPr>
+          <p:cNvPr id="14" name="Picture 13"/>
+          <p:cNvPicPr>
+            <a:picLocks noChangeAspect="1"/>
+          </p:cNvPicPr>
+          <p:nvPr/>
+        </p:nvPicPr>
+        <p:blipFill>
+          <a:blip r:embed="rId14">
+            <a:extLst>
+              <a:ext uri="{28A0092B-C50C-407E-A947-70E740481C1C}">
+                <a14:useLocalDpi xmlns:a14="http://schemas.microsoft.com/office/drawing/2010/main" val="0"/>
+              </a:ext>
+            </a:extLst>
+          </a:blip>
+          <a:stretch>
+            <a:fillRect/>
+          </a:stretch>
+        </p:blipFill>
+        <p:spPr>
+          <a:xfrm>
+            <a:off x="36866671" y="20941801"/>
+            <a:ext cx="6072473" cy="4174825"/>
+          </a:xfrm>
+          <a:prstGeom prst="rect">
+            <a:avLst/>
+          </a:prstGeom>
+        </p:spPr>
+      </p:pic>
+      <p:pic>
+        <p:nvPicPr>
+          <p:cNvPr id="15" name="Picture 14"/>
+          <p:cNvPicPr>
+            <a:picLocks noChangeAspect="1"/>
+          </p:cNvPicPr>
+          <p:nvPr/>
+        </p:nvPicPr>
+        <p:blipFill>
+          <a:blip r:embed="rId15">
+            <a:extLst>
+              <a:ext uri="{28A0092B-C50C-407E-A947-70E740481C1C}">
+                <a14:useLocalDpi xmlns:a14="http://schemas.microsoft.com/office/drawing/2010/main" val="0"/>
+              </a:ext>
+            </a:extLst>
+          </a:blip>
+          <a:stretch>
+            <a:fillRect/>
+          </a:stretch>
+        </p:blipFill>
+        <p:spPr>
+          <a:xfrm>
+            <a:off x="7901257" y="22671536"/>
+            <a:ext cx="5989787" cy="4117978"/>
+          </a:xfrm>
+          <a:prstGeom prst="rect">
+            <a:avLst/>
+          </a:prstGeom>
+        </p:spPr>
+      </p:pic>
     </p:spTree>
     <p:extLst>
       <p:ext uri="{BB962C8B-B14F-4D97-AF65-F5344CB8AC3E}">

--- a/latex/poster.pptx
+++ b/latex/poster.pptx
@@ -109,7 +109,7 @@
   </p:defaultTextStyle>
   <p:extLst>
     <p:ext uri="{EFAFB233-063F-42B5-8137-9DF3F51BA10A}">
-      <p15:sldGuideLst xmlns:p15="http://schemas.microsoft.com/office/powerpoint/2012/main"/>
+      <p15:sldGuideLst xmlns="" xmlns:p15="http://schemas.microsoft.com/office/powerpoint/2012/main"/>
     </p:ext>
   </p:extLst>
 </p:presentation>
@@ -120,7 +120,7 @@
   <p:cmAuthor id="1" name="Alex Wang" initials="AW" lastIdx="3" clrIdx="0">
     <p:extLst>
       <p:ext uri="{19B8F6BF-5375-455C-9EA6-DF929625EA0E}">
-        <p15:presenceInfo xmlns:p15="http://schemas.microsoft.com/office/powerpoint/2012/main" userId="127573a1e9aaad95" providerId="Windows Live"/>
+        <p15:presenceInfo xmlns="" xmlns:p15="http://schemas.microsoft.com/office/powerpoint/2012/main" userId="127573a1e9aaad95" providerId="Windows Live"/>
       </p:ext>
     </p:extLst>
   </p:cmAuthor>
@@ -3479,8 +3479,8 @@
         </p:nvSpPr>
         <p:spPr>
           <a:xfrm>
-            <a:off x="10874827" y="1216715"/>
-            <a:ext cx="23121257" cy="3293209"/>
+            <a:off x="914401" y="1216715"/>
+            <a:ext cx="42057666" cy="3293209"/>
           </a:xfrm>
           <a:prstGeom prst="rect">
             <a:avLst/>
@@ -3500,7 +3500,7 @@
                   <a:srgbClr val="F9F1EC"/>
                 </a:solidFill>
               </a:rPr>
-              <a:t>Gaussian Process for Crime Prediction</a:t>
+              <a:t>Gaussian Process for Crime Prediction in the Cities of Boston and San Francisco</a:t>
             </a:r>
           </a:p>
           <a:p>
@@ -3511,18 +3511,47 @@
                   <a:srgbClr val="F9F1EC"/>
                 </a:solidFill>
               </a:rPr>
-              <a:t>Luis Perez, Alex Wang</a:t>
-            </a:r>
-          </a:p>
-          <a:p>
-            <a:pPr algn="ctr"/>
+              <a:t>Luis A. Perez</a:t>
+            </a:r>
+            <a:r>
+              <a:rPr lang="en-US" sz="5400" b="1" baseline="30000" dirty="0" smtClean="0">
+                <a:solidFill>
+                  <a:srgbClr val="F9F1EC"/>
+                </a:solidFill>
+              </a:rPr>
+              <a:t>1</a:t>
+            </a:r>
             <a:r>
               <a:rPr lang="en-US" sz="5400" b="1" dirty="0" smtClean="0">
                 <a:solidFill>
                   <a:srgbClr val="F9F1EC"/>
                 </a:solidFill>
               </a:rPr>
-              <a:t>CS281, Harvard University</a:t>
+              <a:t>, Alex Wang</a:t>
+            </a:r>
+            <a:r>
+              <a:rPr lang="en-US" sz="5400" b="1" baseline="30000" dirty="0" smtClean="0">
+                <a:solidFill>
+                  <a:srgbClr val="F9F1EC"/>
+                </a:solidFill>
+              </a:rPr>
+              <a:t>1</a:t>
+            </a:r>
+            <a:endParaRPr lang="en-US" sz="5400" b="1" dirty="0" smtClean="0">
+              <a:solidFill>
+                <a:srgbClr val="F9F1EC"/>
+              </a:solidFill>
+            </a:endParaRPr>
+          </a:p>
+          <a:p>
+            <a:pPr algn="ctr"/>
+            <a:r>
+              <a:rPr lang="en-US" sz="5400" b="1" dirty="0" smtClean="0">
+                <a:solidFill>
+                  <a:srgbClr val="F9F1EC"/>
+                </a:solidFill>
+              </a:rPr>
+              <a:t>CS281: Advanced Machine Learning, Harvard University</a:t>
             </a:r>
             <a:endParaRPr lang="en-US" sz="5400" b="1" dirty="0">
               <a:solidFill>
@@ -3622,7 +3651,7 @@
         </p:nvSpPr>
         <p:spPr>
           <a:xfrm>
-            <a:off x="15759463" y="22390517"/>
+            <a:off x="15759463" y="24432272"/>
             <a:ext cx="10907486" cy="1368708"/>
           </a:xfrm>
           <a:prstGeom prst="rect">
@@ -3704,8 +3733,8 @@
         </p:nvSpPr>
         <p:spPr>
           <a:xfrm>
-            <a:off x="29117759" y="9054741"/>
-            <a:ext cx="6074992" cy="1015663"/>
+            <a:off x="29117758" y="9054741"/>
+            <a:ext cx="6606539" cy="1015663"/>
           </a:xfrm>
           <a:prstGeom prst="rect">
             <a:avLst/>
@@ -3745,8 +3774,8 @@
         </p:nvSpPr>
         <p:spPr>
           <a:xfrm>
-            <a:off x="36866671" y="9054741"/>
-            <a:ext cx="6074992" cy="1015663"/>
+            <a:off x="36309300" y="9054741"/>
+            <a:ext cx="6632363" cy="1015663"/>
           </a:xfrm>
           <a:prstGeom prst="rect">
             <a:avLst/>
@@ -3787,7 +3816,7 @@
         <p:spPr>
           <a:xfrm>
             <a:off x="1828801" y="9054741"/>
-            <a:ext cx="10907485" cy="7971413"/>
+            <a:ext cx="10907485" cy="6124754"/>
           </a:xfrm>
           <a:prstGeom prst="rect">
             <a:avLst/>
@@ -3801,7 +3830,7 @@
           <a:lstStyle/>
           <a:p>
             <a:r>
-              <a:rPr lang="en-US" sz="3200" dirty="0" smtClean="0">
+              <a:rPr lang="en-US" sz="2800" dirty="0" smtClean="0">
                 <a:solidFill>
                   <a:srgbClr val="FF0000"/>
                 </a:solidFill>
@@ -3809,11 +3838,11 @@
               <a:t>Gaussian processes</a:t>
             </a:r>
             <a:r>
-              <a:rPr lang="en-US" sz="3200" dirty="0" smtClean="0"/>
+              <a:rPr lang="en-US" sz="2800" dirty="0" smtClean="0"/>
               <a:t> are a powerful Bayesian non-parametric model for machine learning that, unlike parametric models, can learn the underlying functions themselves. They have been successful when applied to a variety of tasks, such as inferring CO2 levels or detecting human motion. In this paper, we consider the problem of </a:t>
             </a:r>
             <a:r>
-              <a:rPr lang="en-US" sz="3200" dirty="0" smtClean="0">
+              <a:rPr lang="en-US" sz="2800" dirty="0" smtClean="0">
                 <a:solidFill>
                   <a:srgbClr val="FF0000"/>
                 </a:solidFill>
@@ -3821,28 +3850,28 @@
               <a:t>predicting future crime in a geographic area</a:t>
             </a:r>
             <a:r>
-              <a:rPr lang="en-US" sz="3200" dirty="0" smtClean="0"/>
+              <a:rPr lang="en-US" sz="2800" dirty="0" smtClean="0"/>
               <a:t>. Though </a:t>
             </a:r>
             <a:r>
-              <a:rPr lang="en-US" sz="3200" dirty="0"/>
+              <a:rPr lang="en-US" sz="2800" dirty="0"/>
               <a:t>average crime rates in the United States have been in the decline for the last few </a:t>
             </a:r>
             <a:r>
-              <a:rPr lang="en-US" sz="3200" dirty="0" smtClean="0"/>
+              <a:rPr lang="en-US" sz="2800" dirty="0" smtClean="0"/>
               <a:t>years, </a:t>
             </a:r>
             <a:r>
-              <a:rPr lang="en-US" sz="3200" dirty="0"/>
+              <a:rPr lang="en-US" sz="2800" dirty="0"/>
               <a:t>it is still useful to many groups, such as law enforcement, city officials, home buyers, etc., to be able to predict where and when crime will occur. </a:t>
             </a:r>
             <a:r>
-              <a:rPr lang="en-US" sz="3200" dirty="0" smtClean="0"/>
-              <a:t>Using recent data from various cities around the U.S., we explore how Gaussian processes under a variety of different kernels might help with this regression task. We compare these models to current baseline approaches which consists of taking the average over time.</a:t>
-            </a:r>
-          </a:p>
-          <a:p>
-            <a:endParaRPr lang="en-US" sz="3200" dirty="0"/>
+              <a:rPr lang="en-US" sz="2800" dirty="0" smtClean="0"/>
+              <a:t>Using recent data from various cities around the U.S., we explore how Gaussian processes under a variety of different kernels might help with this regression task. We compare these models to current baseline approaches which consists of taking the average over time or using linear regression along with other approaches..</a:t>
+            </a:r>
+          </a:p>
+          <a:p>
+            <a:endParaRPr lang="en-US" sz="2800" dirty="0"/>
           </a:p>
         </p:txBody>
       </p:sp>
@@ -3857,7 +3886,7 @@
             <p:spPr>
               <a:xfrm>
                 <a:off x="15759464" y="9069226"/>
-                <a:ext cx="10907485" cy="12604989"/>
+                <a:ext cx="10907485" cy="10609892"/>
               </a:xfrm>
               <a:prstGeom prst="rect">
                 <a:avLst/>
@@ -3871,16 +3900,24 @@
               <a:lstStyle/>
               <a:p>
                 <a:r>
-                  <a:rPr lang="en-US" sz="3200" dirty="0" smtClean="0"/>
-                  <a:t>For data we use public datasets on historical criminal activity from Boston and San Francisco. We process the data by extracting three features: months since first record, latitude, and longitude. Then we divide the city into N buckets per latitude and longitude, for a total of N^2 buckets and count the number of crime incidents per square. In order to ensure positive predictions, we take the log of the count, adding eps for stability.</a:t>
+                  <a:rPr lang="en-US" sz="2800" dirty="0" smtClean="0"/>
+                  <a:t>For data we use public datasets on historical criminal activity from Boston and San Francisco. We process the data by extracting three features: months since first record, latitude, and longitude. Then we divide the city into N buckets per latitude and longitude, for a total of N </a:t>
+                </a:r>
+                <a:r>
+                  <a:rPr lang="en-US" sz="2800" baseline="30000" dirty="0" smtClean="0"/>
+                  <a:t>2 </a:t>
+                </a:r>
+                <a:r>
+                  <a:rPr lang="en-US" sz="2800" dirty="0" smtClean="0"/>
+                  <a:t>buckets and count the number of crime incidents per square. We make predictions n order to ensure positive predictions, we take the log of the count, adding eps for stability.</a:t>
                 </a:r>
               </a:p>
               <a:p>
-                <a:endParaRPr lang="en-US" sz="3200" dirty="0"/>
+                <a:endParaRPr lang="en-US" sz="2800" dirty="0"/>
               </a:p>
               <a:p>
                 <a:r>
-                  <a:rPr lang="en-US" sz="3200" dirty="0" smtClean="0"/>
+                  <a:rPr lang="en-US" sz="2800" dirty="0" smtClean="0"/>
                   <a:t>We implement Gaussian process regression using a standard squared exponential kernel:</a:t>
                 </a:r>
               </a:p>
@@ -3893,7 +3930,7 @@
                     </m:oMathParaPr>
                     <m:oMath xmlns:m="http://schemas.openxmlformats.org/officeDocument/2006/math">
                       <m:r>
-                        <a:rPr lang="en-US" sz="3200" b="0" i="1" smtClean="0">
+                        <a:rPr lang="en-US" sz="2800" b="0" i="1" smtClean="0">
                           <a:latin typeface="Cambria Math" panose="02040503050406030204" pitchFamily="18" charset="0"/>
                         </a:rPr>
                         <m:t>𝜅</m:t>
@@ -3901,14 +3938,14 @@
                       <m:d>
                         <m:dPr>
                           <m:ctrlPr>
-                            <a:rPr lang="en-US" sz="3200" b="0" i="1" smtClean="0">
-                              <a:latin typeface="Cambria Math" panose="02040503050406030204" pitchFamily="18" charset="0"/>
+                            <a:rPr lang="en-US" sz="2800" b="0" i="1" smtClean="0">
+                              <a:latin typeface="Cambria Math"/>
                             </a:rPr>
                           </m:ctrlPr>
                         </m:dPr>
                         <m:e>
                           <m:r>
-                            <a:rPr lang="en-US" sz="3200" b="0" i="1" smtClean="0">
+                            <a:rPr lang="en-US" sz="2800" b="0" i="1" smtClean="0">
                               <a:latin typeface="Cambria Math" panose="02040503050406030204" pitchFamily="18" charset="0"/>
                             </a:rPr>
                             <m:t> </m:t>
@@ -3916,14 +3953,14 @@
                           <m:sSub>
                             <m:sSubPr>
                               <m:ctrlPr>
-                                <a:rPr lang="en-US" sz="3200" b="1" i="1" smtClean="0">
-                                  <a:latin typeface="Cambria Math" panose="02040503050406030204" pitchFamily="18" charset="0"/>
+                                <a:rPr lang="en-US" sz="2800" b="1" i="1" smtClean="0">
+                                  <a:latin typeface="Cambria Math"/>
                                 </a:rPr>
                               </m:ctrlPr>
                             </m:sSubPr>
                             <m:e>
                               <m:r>
-                                <a:rPr lang="en-US" sz="3200" b="1" i="1" smtClean="0">
+                                <a:rPr lang="en-US" sz="2800" b="1" i="1" smtClean="0">
                                   <a:latin typeface="Cambria Math" panose="02040503050406030204" pitchFamily="18" charset="0"/>
                                 </a:rPr>
                                 <m:t>𝒙</m:t>
@@ -3931,7 +3968,7 @@
                             </m:e>
                             <m:sub>
                               <m:r>
-                                <a:rPr lang="en-US" sz="3200" b="1" i="1" smtClean="0">
+                                <a:rPr lang="en-US" sz="2800" b="1" i="1" smtClean="0">
                                   <a:latin typeface="Cambria Math" panose="02040503050406030204" pitchFamily="18" charset="0"/>
                                 </a:rPr>
                                 <m:t>𝒑</m:t>
@@ -3939,7 +3976,7 @@
                             </m:sub>
                           </m:sSub>
                           <m:r>
-                            <a:rPr lang="en-US" sz="3200" b="1" i="1" smtClean="0">
+                            <a:rPr lang="en-US" sz="2800" b="1" i="1" smtClean="0">
                               <a:latin typeface="Cambria Math" panose="02040503050406030204" pitchFamily="18" charset="0"/>
                             </a:rPr>
                             <m:t>, </m:t>
@@ -3947,14 +3984,14 @@
                           <m:sSub>
                             <m:sSubPr>
                               <m:ctrlPr>
-                                <a:rPr lang="en-US" sz="3200" b="1" i="1" smtClean="0">
-                                  <a:latin typeface="Cambria Math" panose="02040503050406030204" pitchFamily="18" charset="0"/>
+                                <a:rPr lang="en-US" sz="2800" b="1" i="1" smtClean="0">
+                                  <a:latin typeface="Cambria Math"/>
                                 </a:rPr>
                               </m:ctrlPr>
                             </m:sSubPr>
                             <m:e>
                               <m:r>
-                                <a:rPr lang="en-US" sz="3200" b="1" i="1" smtClean="0">
+                                <a:rPr lang="en-US" sz="2800" b="1" i="1" smtClean="0">
                                   <a:latin typeface="Cambria Math" panose="02040503050406030204" pitchFamily="18" charset="0"/>
                                 </a:rPr>
                                 <m:t>𝒙</m:t>
@@ -3962,7 +3999,7 @@
                             </m:e>
                             <m:sub>
                               <m:r>
-                                <a:rPr lang="en-US" sz="3200" b="1" i="1" smtClean="0">
+                                <a:rPr lang="en-US" sz="2800" b="1" i="1" smtClean="0">
                                   <a:latin typeface="Cambria Math" panose="02040503050406030204" pitchFamily="18" charset="0"/>
                                 </a:rPr>
                                 <m:t>𝒒</m:t>
@@ -3972,7 +4009,7 @@
                         </m:e>
                       </m:d>
                       <m:r>
-                        <a:rPr lang="en-US" sz="3200" b="1" i="1" smtClean="0">
+                        <a:rPr lang="en-US" sz="2800" b="1" i="1" smtClean="0">
                           <a:latin typeface="Cambria Math" panose="02040503050406030204" pitchFamily="18" charset="0"/>
                         </a:rPr>
                         <m:t>=</m:t>
@@ -3980,14 +4017,14 @@
                       <m:sSubSup>
                         <m:sSubSupPr>
                           <m:ctrlPr>
-                            <a:rPr lang="en-US" sz="3200" i="1" smtClean="0">
-                              <a:latin typeface="Cambria Math" panose="02040503050406030204" pitchFamily="18" charset="0"/>
+                            <a:rPr lang="en-US" sz="2800" i="1" smtClean="0">
+                              <a:latin typeface="Cambria Math"/>
                             </a:rPr>
                           </m:ctrlPr>
                         </m:sSubSupPr>
                         <m:e>
                           <m:r>
-                            <a:rPr lang="en-US" sz="3200" b="0" i="1" smtClean="0">
+                            <a:rPr lang="en-US" sz="2800" b="0" i="1" smtClean="0">
                               <a:latin typeface="Cambria Math" panose="02040503050406030204" pitchFamily="18" charset="0"/>
                             </a:rPr>
                             <m:t>𝜎</m:t>
@@ -3995,7 +4032,7 @@
                         </m:e>
                         <m:sub>
                           <m:r>
-                            <a:rPr lang="en-US" sz="3200" b="0" i="1" smtClean="0">
+                            <a:rPr lang="en-US" sz="2800" b="0" i="1" smtClean="0">
                               <a:latin typeface="Cambria Math" panose="02040503050406030204" pitchFamily="18" charset="0"/>
                             </a:rPr>
                             <m:t>𝑓</m:t>
@@ -4003,7 +4040,7 @@
                         </m:sub>
                         <m:sup>
                           <m:r>
-                            <a:rPr lang="en-US" sz="3200" b="0" i="1" smtClean="0">
+                            <a:rPr lang="en-US" sz="2800" b="0" i="1" smtClean="0">
                               <a:latin typeface="Cambria Math" panose="02040503050406030204" pitchFamily="18" charset="0"/>
                             </a:rPr>
                             <m:t>2</m:t>
@@ -4011,13 +4048,13 @@
                         </m:sup>
                       </m:sSubSup>
                       <m:r>
-                        <a:rPr lang="en-US" sz="3200" b="0" i="1" smtClean="0">
+                        <a:rPr lang="en-US" sz="2800" b="0" i="1" smtClean="0">
                           <a:latin typeface="Cambria Math" panose="02040503050406030204" pitchFamily="18" charset="0"/>
                         </a:rPr>
                         <m:t> </m:t>
                       </m:r>
                       <m:r>
-                        <a:rPr lang="en-US" sz="3200" b="0" i="1" smtClean="0">
+                        <a:rPr lang="en-US" sz="2800" b="0" i="1" smtClean="0">
                           <a:latin typeface="Cambria Math" panose="02040503050406030204" pitchFamily="18" charset="0"/>
                         </a:rPr>
                         <m:t>𝑒𝑥𝑝</m:t>
@@ -4025,14 +4062,14 @@
                       <m:d>
                         <m:dPr>
                           <m:ctrlPr>
-                            <a:rPr lang="en-US" sz="3200" i="1" smtClean="0">
-                              <a:latin typeface="Cambria Math" panose="02040503050406030204" pitchFamily="18" charset="0"/>
+                            <a:rPr lang="en-US" sz="2800" i="1" smtClean="0">
+                              <a:latin typeface="Cambria Math"/>
                             </a:rPr>
                           </m:ctrlPr>
                         </m:dPr>
                         <m:e>
                           <m:r>
-                            <a:rPr lang="en-US" sz="3200" b="0" i="1" smtClean="0">
+                            <a:rPr lang="en-US" sz="2800" b="0" i="1" smtClean="0">
                               <a:latin typeface="Cambria Math" panose="02040503050406030204" pitchFamily="18" charset="0"/>
                             </a:rPr>
                             <m:t>−</m:t>
@@ -4040,14 +4077,14 @@
                           <m:f>
                             <m:fPr>
                               <m:ctrlPr>
-                                <a:rPr lang="en-US" sz="3200" i="1" smtClean="0">
-                                  <a:latin typeface="Cambria Math" panose="02040503050406030204" pitchFamily="18" charset="0"/>
+                                <a:rPr lang="en-US" sz="2800" i="1" smtClean="0">
+                                  <a:latin typeface="Cambria Math"/>
                                 </a:rPr>
                               </m:ctrlPr>
                             </m:fPr>
                             <m:num>
                               <m:r>
-                                <a:rPr lang="en-US" sz="3200" b="0" i="1" smtClean="0">
+                                <a:rPr lang="en-US" sz="2800" b="0" i="1" smtClean="0">
                                   <a:latin typeface="Cambria Math" panose="02040503050406030204" pitchFamily="18" charset="0"/>
                                 </a:rPr>
                                 <m:t>1</m:t>
@@ -4055,7 +4092,7 @@
                             </m:num>
                             <m:den>
                               <m:r>
-                                <a:rPr lang="en-US" sz="3200" b="0" i="1" smtClean="0">
+                                <a:rPr lang="en-US" sz="2800" b="0" i="1" smtClean="0">
                                   <a:latin typeface="Cambria Math" panose="02040503050406030204" pitchFamily="18" charset="0"/>
                                 </a:rPr>
                                 <m:t>2</m:t>
@@ -4065,8 +4102,8 @@
                           <m:sSup>
                             <m:sSupPr>
                               <m:ctrlPr>
-                                <a:rPr lang="en-US" sz="3200" i="1" smtClean="0">
-                                  <a:latin typeface="Cambria Math" panose="02040503050406030204" pitchFamily="18" charset="0"/>
+                                <a:rPr lang="en-US" sz="2800" i="1" smtClean="0">
+                                  <a:latin typeface="Cambria Math"/>
                                 </a:rPr>
                               </m:ctrlPr>
                             </m:sSupPr>
@@ -4074,8 +4111,8 @@
                               <m:d>
                                 <m:dPr>
                                   <m:ctrlPr>
-                                    <a:rPr lang="en-US" sz="3200" i="1" smtClean="0">
-                                      <a:latin typeface="Cambria Math" panose="02040503050406030204" pitchFamily="18" charset="0"/>
+                                    <a:rPr lang="en-US" sz="2800" i="1" smtClean="0">
+                                      <a:latin typeface="Cambria Math"/>
                                     </a:rPr>
                                   </m:ctrlPr>
                                 </m:dPr>
@@ -4083,14 +4120,14 @@
                                   <m:sSub>
                                     <m:sSubPr>
                                       <m:ctrlPr>
-                                        <a:rPr lang="en-US" sz="3200" b="1" i="1" smtClean="0">
-                                          <a:latin typeface="Cambria Math" panose="02040503050406030204" pitchFamily="18" charset="0"/>
+                                        <a:rPr lang="en-US" sz="2800" b="1" i="1" smtClean="0">
+                                          <a:latin typeface="Cambria Math"/>
                                         </a:rPr>
                                       </m:ctrlPr>
                                     </m:sSubPr>
                                     <m:e>
                                       <m:r>
-                                        <a:rPr lang="en-US" sz="3200" b="1" i="1" smtClean="0">
+                                        <a:rPr lang="en-US" sz="2800" b="1" i="1" smtClean="0">
                                           <a:latin typeface="Cambria Math" panose="02040503050406030204" pitchFamily="18" charset="0"/>
                                         </a:rPr>
                                         <m:t>𝒙</m:t>
@@ -4098,7 +4135,7 @@
                                     </m:e>
                                     <m:sub>
                                       <m:r>
-                                        <a:rPr lang="en-US" sz="3200" b="1" i="1" smtClean="0">
+                                        <a:rPr lang="en-US" sz="2800" b="1" i="1" smtClean="0">
                                           <a:latin typeface="Cambria Math" panose="02040503050406030204" pitchFamily="18" charset="0"/>
                                         </a:rPr>
                                         <m:t>𝒑</m:t>
@@ -4106,7 +4143,7 @@
                                     </m:sub>
                                   </m:sSub>
                                   <m:r>
-                                    <a:rPr lang="en-US" sz="3200" b="0" i="1" smtClean="0">
+                                    <a:rPr lang="en-US" sz="2800" b="0" i="1" smtClean="0">
                                       <a:latin typeface="Cambria Math" panose="02040503050406030204" pitchFamily="18" charset="0"/>
                                     </a:rPr>
                                     <m:t>−</m:t>
@@ -4114,14 +4151,14 @@
                                   <m:sSub>
                                     <m:sSubPr>
                                       <m:ctrlPr>
-                                        <a:rPr lang="en-US" sz="3200" b="1" i="1" smtClean="0">
-                                          <a:latin typeface="Cambria Math" panose="02040503050406030204" pitchFamily="18" charset="0"/>
+                                        <a:rPr lang="en-US" sz="2800" b="1" i="1" smtClean="0">
+                                          <a:latin typeface="Cambria Math"/>
                                         </a:rPr>
                                       </m:ctrlPr>
                                     </m:sSubPr>
                                     <m:e>
                                       <m:r>
-                                        <a:rPr lang="en-US" sz="3200" b="1" i="1" smtClean="0">
+                                        <a:rPr lang="en-US" sz="2800" b="1" i="1" smtClean="0">
                                           <a:latin typeface="Cambria Math" panose="02040503050406030204" pitchFamily="18" charset="0"/>
                                         </a:rPr>
                                         <m:t>𝒙</m:t>
@@ -4129,7 +4166,7 @@
                                     </m:e>
                                     <m:sub>
                                       <m:r>
-                                        <a:rPr lang="en-US" sz="3200" b="1" i="1" smtClean="0">
+                                        <a:rPr lang="en-US" sz="2800" b="1" i="1" smtClean="0">
                                           <a:latin typeface="Cambria Math" panose="02040503050406030204" pitchFamily="18" charset="0"/>
                                         </a:rPr>
                                         <m:t>𝒒</m:t>
@@ -4141,7 +4178,7 @@
                             </m:e>
                             <m:sup>
                               <m:r>
-                                <a:rPr lang="en-US" sz="3200" b="0" i="1" smtClean="0">
+                                <a:rPr lang="en-US" sz="2800" b="0" i="1" smtClean="0">
                                   <a:latin typeface="Cambria Math" panose="02040503050406030204" pitchFamily="18" charset="0"/>
                                 </a:rPr>
                                 <m:t>𝑇</m:t>
@@ -4149,7 +4186,7 @@
                             </m:sup>
                           </m:sSup>
                           <m:r>
-                            <a:rPr lang="en-US" sz="3200" b="1" i="1" smtClean="0">
+                            <a:rPr lang="en-US" sz="2800" b="1" i="1" smtClean="0">
                               <a:latin typeface="Cambria Math" panose="02040503050406030204" pitchFamily="18" charset="0"/>
                             </a:rPr>
                             <m:t>𝑴</m:t>
@@ -4157,8 +4194,8 @@
                           <m:d>
                             <m:dPr>
                               <m:ctrlPr>
-                                <a:rPr lang="en-US" sz="3200" i="1" smtClean="0">
-                                  <a:latin typeface="Cambria Math" panose="02040503050406030204" pitchFamily="18" charset="0"/>
+                                <a:rPr lang="en-US" sz="2800" i="1" smtClean="0">
+                                  <a:latin typeface="Cambria Math"/>
                                 </a:rPr>
                               </m:ctrlPr>
                             </m:dPr>
@@ -4166,14 +4203,14 @@
                               <m:sSub>
                                 <m:sSubPr>
                                   <m:ctrlPr>
-                                    <a:rPr lang="en-US" sz="3200" b="1" i="1" smtClean="0">
-                                      <a:latin typeface="Cambria Math" panose="02040503050406030204" pitchFamily="18" charset="0"/>
+                                    <a:rPr lang="en-US" sz="2800" b="1" i="1" smtClean="0">
+                                      <a:latin typeface="Cambria Math"/>
                                     </a:rPr>
                                   </m:ctrlPr>
                                 </m:sSubPr>
                                 <m:e>
                                   <m:r>
-                                    <a:rPr lang="en-US" sz="3200" b="1" i="1" smtClean="0">
+                                    <a:rPr lang="en-US" sz="2800" b="1" i="1" smtClean="0">
                                       <a:latin typeface="Cambria Math" panose="02040503050406030204" pitchFamily="18" charset="0"/>
                                     </a:rPr>
                                     <m:t>𝒙</m:t>
@@ -4181,7 +4218,7 @@
                                 </m:e>
                                 <m:sub>
                                   <m:r>
-                                    <a:rPr lang="en-US" sz="3200" b="1" i="1" smtClean="0">
+                                    <a:rPr lang="en-US" sz="2800" b="1" i="1" smtClean="0">
                                       <a:latin typeface="Cambria Math" panose="02040503050406030204" pitchFamily="18" charset="0"/>
                                     </a:rPr>
                                     <m:t>𝒑</m:t>
@@ -4189,7 +4226,7 @@
                                 </m:sub>
                               </m:sSub>
                               <m:r>
-                                <a:rPr lang="en-US" sz="3200" b="0" i="1" smtClean="0">
+                                <a:rPr lang="en-US" sz="2800" b="0" i="1" smtClean="0">
                                   <a:latin typeface="Cambria Math" panose="02040503050406030204" pitchFamily="18" charset="0"/>
                                 </a:rPr>
                                 <m:t>−</m:t>
@@ -4197,14 +4234,14 @@
                               <m:sSub>
                                 <m:sSubPr>
                                   <m:ctrlPr>
-                                    <a:rPr lang="en-US" sz="3200" b="1" i="1" smtClean="0">
-                                      <a:latin typeface="Cambria Math" panose="02040503050406030204" pitchFamily="18" charset="0"/>
+                                    <a:rPr lang="en-US" sz="2800" b="1" i="1" smtClean="0">
+                                      <a:latin typeface="Cambria Math"/>
                                     </a:rPr>
                                   </m:ctrlPr>
                                 </m:sSubPr>
                                 <m:e>
                                   <m:r>
-                                    <a:rPr lang="en-US" sz="3200" b="1" i="1" smtClean="0">
+                                    <a:rPr lang="en-US" sz="2800" b="1" i="1" smtClean="0">
                                       <a:latin typeface="Cambria Math" panose="02040503050406030204" pitchFamily="18" charset="0"/>
                                     </a:rPr>
                                     <m:t>𝒙</m:t>
@@ -4212,7 +4249,7 @@
                                 </m:e>
                                 <m:sub>
                                   <m:r>
-                                    <a:rPr lang="en-US" sz="3200" b="1" i="1" smtClean="0">
+                                    <a:rPr lang="en-US" sz="2800" b="1" i="1" smtClean="0">
                                       <a:latin typeface="Cambria Math" panose="02040503050406030204" pitchFamily="18" charset="0"/>
                                     </a:rPr>
                                     <m:t>𝒒</m:t>
@@ -4224,7 +4261,7 @@
                         </m:e>
                       </m:d>
                       <m:r>
-                        <a:rPr lang="en-US" sz="3200" b="1" i="1" smtClean="0">
+                        <a:rPr lang="en-US" sz="2800" b="1" i="1" smtClean="0">
                           <a:latin typeface="Cambria Math" panose="02040503050406030204" pitchFamily="18" charset="0"/>
                         </a:rPr>
                         <m:t>+</m:t>
@@ -4232,14 +4269,14 @@
                       <m:sSubSup>
                         <m:sSubSupPr>
                           <m:ctrlPr>
-                            <a:rPr lang="en-US" sz="3200" i="1" smtClean="0">
-                              <a:latin typeface="Cambria Math" panose="02040503050406030204" pitchFamily="18" charset="0"/>
+                            <a:rPr lang="en-US" sz="2800" i="1" smtClean="0">
+                              <a:latin typeface="Cambria Math"/>
                             </a:rPr>
                           </m:ctrlPr>
                         </m:sSubSupPr>
                         <m:e>
                           <m:r>
-                            <a:rPr lang="en-US" sz="3200" b="0" i="1" smtClean="0">
+                            <a:rPr lang="en-US" sz="2800" b="0" i="1" smtClean="0">
                               <a:latin typeface="Cambria Math" panose="02040503050406030204" pitchFamily="18" charset="0"/>
                             </a:rPr>
                             <m:t>𝜎</m:t>
@@ -4247,7 +4284,7 @@
                         </m:e>
                         <m:sub>
                           <m:r>
-                            <a:rPr lang="en-US" sz="3200" b="0" i="1" smtClean="0">
+                            <a:rPr lang="en-US" sz="2800" b="0" i="1" smtClean="0">
                               <a:latin typeface="Cambria Math" panose="02040503050406030204" pitchFamily="18" charset="0"/>
                             </a:rPr>
                             <m:t>𝜖</m:t>
@@ -4255,7 +4292,7 @@
                         </m:sub>
                         <m:sup>
                           <m:r>
-                            <a:rPr lang="en-US" sz="3200" b="0" i="1" smtClean="0">
+                            <a:rPr lang="en-US" sz="2800" b="0" i="1" smtClean="0">
                               <a:latin typeface="Cambria Math" panose="02040503050406030204" pitchFamily="18" charset="0"/>
                             </a:rPr>
                             <m:t>2</m:t>
@@ -4265,14 +4302,14 @@
                       <m:sSub>
                         <m:sSubPr>
                           <m:ctrlPr>
-                            <a:rPr lang="en-US" sz="3200" i="1" smtClean="0">
-                              <a:latin typeface="Cambria Math" panose="02040503050406030204" pitchFamily="18" charset="0"/>
+                            <a:rPr lang="en-US" sz="2800" i="1" smtClean="0">
+                              <a:latin typeface="Cambria Math"/>
                             </a:rPr>
                           </m:ctrlPr>
                         </m:sSubPr>
                         <m:e>
                           <m:r>
-                            <a:rPr lang="en-US" sz="3200" b="0" i="1" smtClean="0">
+                            <a:rPr lang="en-US" sz="2800" b="0" i="1" smtClean="0">
                               <a:latin typeface="Cambria Math" panose="02040503050406030204" pitchFamily="18" charset="0"/>
                             </a:rPr>
                             <m:t>𝛿</m:t>
@@ -4280,7 +4317,7 @@
                         </m:e>
                         <m:sub>
                           <m:r>
-                            <a:rPr lang="en-US" sz="3200" b="0" i="1" smtClean="0">
+                            <a:rPr lang="en-US" sz="2800" b="0" i="1" smtClean="0">
                               <a:latin typeface="Cambria Math" panose="02040503050406030204" pitchFamily="18" charset="0"/>
                             </a:rPr>
                             <m:t>𝑝𝑞</m:t>
@@ -4290,11 +4327,11 @@
                     </m:oMath>
                   </m:oMathPara>
                 </a14:m>
-                <a:endParaRPr lang="en-US" sz="3200" dirty="0" smtClean="0"/>
+                <a:endParaRPr lang="en-US" sz="2800" dirty="0" smtClean="0"/>
               </a:p>
               <a:p>
                 <a:r>
-                  <a:rPr lang="en-US" sz="3200" dirty="0" smtClean="0"/>
+                  <a:rPr lang="en-US" sz="2800" dirty="0" smtClean="0"/>
                   <a:t>Where  </a:t>
                 </a:r>
                 <a14:m>
@@ -4302,14 +4339,14 @@
                     <m:sSub>
                       <m:sSubPr>
                         <m:ctrlPr>
-                          <a:rPr lang="en-US" sz="3200" b="1" i="1" smtClean="0">
-                            <a:latin typeface="Cambria Math" panose="02040503050406030204" pitchFamily="18" charset="0"/>
+                          <a:rPr lang="en-US" sz="2800" b="1" i="1" smtClean="0">
+                            <a:latin typeface="Cambria Math"/>
                           </a:rPr>
                         </m:ctrlPr>
                       </m:sSubPr>
                       <m:e>
                         <m:r>
-                          <a:rPr lang="en-US" sz="3200" b="1" i="1">
+                          <a:rPr lang="en-US" sz="2800" b="1" i="1">
                             <a:latin typeface="Cambria Math" panose="02040503050406030204" pitchFamily="18" charset="0"/>
                           </a:rPr>
                           <m:t>𝒙</m:t>
@@ -4317,7 +4354,7 @@
                       </m:e>
                       <m:sub>
                         <m:r>
-                          <a:rPr lang="en-US" sz="3200" b="1" i="1" smtClean="0">
+                          <a:rPr lang="en-US" sz="2800" b="1" i="1" smtClean="0">
                             <a:latin typeface="Cambria Math" panose="02040503050406030204" pitchFamily="18" charset="0"/>
                           </a:rPr>
                           <m:t>𝒊</m:t>
@@ -4327,7 +4364,7 @@
                   </m:oMath>
                 </a14:m>
                 <a:r>
-                  <a:rPr lang="en-US" sz="3200" dirty="0" smtClean="0"/>
+                  <a:rPr lang="en-US" sz="2800" dirty="0" smtClean="0"/>
                   <a:t> are the data, </a:t>
                 </a:r>
                 <a14:m>
@@ -4335,14 +4372,14 @@
                     <m:sSubSup>
                       <m:sSubSupPr>
                         <m:ctrlPr>
-                          <a:rPr lang="en-US" sz="3200" i="1">
-                            <a:latin typeface="Cambria Math" panose="02040503050406030204" pitchFamily="18" charset="0"/>
+                          <a:rPr lang="en-US" sz="2800" i="1">
+                            <a:latin typeface="Cambria Math"/>
                           </a:rPr>
                         </m:ctrlPr>
                       </m:sSubSupPr>
                       <m:e>
                         <m:r>
-                          <a:rPr lang="en-US" sz="3200" i="1">
+                          <a:rPr lang="en-US" sz="2800" i="1">
                             <a:latin typeface="Cambria Math" panose="02040503050406030204" pitchFamily="18" charset="0"/>
                           </a:rPr>
                           <m:t>𝜎</m:t>
@@ -4350,7 +4387,7 @@
                       </m:e>
                       <m:sub>
                         <m:r>
-                          <a:rPr lang="en-US" sz="3200" i="1">
+                          <a:rPr lang="en-US" sz="2800" i="1">
                             <a:latin typeface="Cambria Math" panose="02040503050406030204" pitchFamily="18" charset="0"/>
                           </a:rPr>
                           <m:t>𝑓</m:t>
@@ -4358,7 +4395,7 @@
                       </m:sub>
                       <m:sup>
                         <m:r>
-                          <a:rPr lang="en-US" sz="3200" i="1">
+                          <a:rPr lang="en-US" sz="2800" i="1">
                             <a:latin typeface="Cambria Math" panose="02040503050406030204" pitchFamily="18" charset="0"/>
                           </a:rPr>
                           <m:t>2</m:t>
@@ -4368,13 +4405,13 @@
                   </m:oMath>
                 </a14:m>
                 <a:r>
-                  <a:rPr lang="en-US" sz="3200" dirty="0" smtClean="0"/>
+                  <a:rPr lang="en-US" sz="2800" dirty="0" smtClean="0"/>
                   <a:t> is a scale parameters, </a:t>
                 </a:r>
                 <a14:m>
                   <m:oMath xmlns:m="http://schemas.openxmlformats.org/officeDocument/2006/math">
                     <m:r>
-                      <a:rPr lang="en-US" sz="3200" b="1" i="1">
+                      <a:rPr lang="en-US" sz="2800" b="1" i="1">
                         <a:latin typeface="Cambria Math" panose="02040503050406030204" pitchFamily="18" charset="0"/>
                       </a:rPr>
                       <m:t>𝑴</m:t>
@@ -4382,7 +4419,7 @@
                   </m:oMath>
                 </a14:m>
                 <a:r>
-                  <a:rPr lang="en-US" sz="3200" dirty="0" smtClean="0"/>
+                  <a:rPr lang="en-US" sz="2800" dirty="0" smtClean="0"/>
                   <a:t> is a diagonal matrix of scale parameters, and </a:t>
                 </a:r>
                 <a14:m>
@@ -4390,14 +4427,14 @@
                     <m:sSubSup>
                       <m:sSubSupPr>
                         <m:ctrlPr>
-                          <a:rPr lang="en-US" sz="3200" i="1">
-                            <a:latin typeface="Cambria Math" panose="02040503050406030204" pitchFamily="18" charset="0"/>
+                          <a:rPr lang="en-US" sz="2800" i="1">
+                            <a:latin typeface="Cambria Math"/>
                           </a:rPr>
                         </m:ctrlPr>
                       </m:sSubSupPr>
                       <m:e>
                         <m:r>
-                          <a:rPr lang="en-US" sz="3200" i="1">
+                          <a:rPr lang="en-US" sz="2800" i="1">
                             <a:latin typeface="Cambria Math" panose="02040503050406030204" pitchFamily="18" charset="0"/>
                           </a:rPr>
                           <m:t>𝜎</m:t>
@@ -4405,7 +4442,7 @@
                       </m:e>
                       <m:sub>
                         <m:r>
-                          <a:rPr lang="en-US" sz="3200" i="1">
+                          <a:rPr lang="en-US" sz="2800" i="1">
                             <a:latin typeface="Cambria Math" panose="02040503050406030204" pitchFamily="18" charset="0"/>
                           </a:rPr>
                           <m:t>𝜖</m:t>
@@ -4413,7 +4450,7 @@
                       </m:sub>
                       <m:sup>
                         <m:r>
-                          <a:rPr lang="en-US" sz="3200" i="1">
+                          <a:rPr lang="en-US" sz="2800" i="1">
                             <a:latin typeface="Cambria Math" panose="02040503050406030204" pitchFamily="18" charset="0"/>
                           </a:rPr>
                           <m:t>2</m:t>
@@ -4423,17 +4460,17 @@
                   </m:oMath>
                 </a14:m>
                 <a:r>
-                  <a:rPr lang="en-US" sz="3200" dirty="0" smtClean="0"/>
+                  <a:rPr lang="en-US" sz="2800" dirty="0" smtClean="0"/>
                   <a:t> is noise which we set to be the standard deviation of the data.</a:t>
                 </a:r>
               </a:p>
               <a:p>
-                <a:endParaRPr lang="en-US" sz="3200" dirty="0" smtClean="0"/>
+                <a:endParaRPr lang="en-US" sz="2800" dirty="0" smtClean="0"/>
               </a:p>
               <a:p>
                 <a:r>
-                  <a:rPr lang="en-US" sz="3200" dirty="0" smtClean="0"/>
-                  <a:t>The regression consists of computing the covariance matrix for all of the training data and text data, then using standard Gaussian conjugacy results to solve for the mean and covariance of the test data. We take the mean as predictions and normalize to get a probability distribution. To tune the model we use L-BFGS to optimize the scale parameters in order to maximize log likelihood. We compare against simply taking the average for each bucket over time, which is common practice by police departments currently. Results are shown on the right.</a:t>
+                  <a:rPr lang="en-US" sz="2800" dirty="0" smtClean="0"/>
+                  <a:t>The regression consists of computing the covariance matrix for all of the training data and test data, then using standard Gaussian conjugacy results to solve for the mean and covariance of the test data. We take the mean as predictions and normalize to get a probability distribution. To tune the model we use L-BFGS to optimize the scale parameters in order to maximize log likelihood. We compare against simply taking the average for each bucket over time, which is common practice by police departments currently. Results are shown on the right.</a:t>
                 </a:r>
               </a:p>
             </p:txBody>
@@ -4451,15 +4488,15 @@
             <p:spPr>
               <a:xfrm>
                 <a:off x="15759464" y="9069226"/>
-                <a:ext cx="10907485" cy="12604989"/>
+                <a:ext cx="10907485" cy="10609892"/>
               </a:xfrm>
               <a:prstGeom prst="rect">
                 <a:avLst/>
               </a:prstGeom>
-              <a:blipFill rotWithShape="0">
-                <a:blip r:embed="rId6"/>
+              <a:blipFill rotWithShape="1">
+                <a:blip r:embed="rId3"/>
                 <a:stretch>
-                  <a:fillRect l="-1397" t="-629" r="-1677" b="-677"/>
+                  <a:fillRect l="-1118" t="-517" r="-1397" b="-690"/>
                 </a:stretch>
               </a:blipFill>
             </p:spPr>
@@ -4487,6 +4524,660 @@
           <p:nvPr/>
         </p:nvPicPr>
         <p:blipFill>
+          <a:blip r:embed="rId4">
+            <a:extLst>
+              <a:ext uri="{28A0092B-C50C-407E-A947-70E740481C1C}">
+                <a14:useLocalDpi xmlns:a14="http://schemas.microsoft.com/office/drawing/2010/main" val="0"/>
+              </a:ext>
+            </a:extLst>
+          </a:blip>
+          <a:stretch>
+            <a:fillRect/>
+          </a:stretch>
+        </p:blipFill>
+        <p:spPr>
+          <a:xfrm>
+            <a:off x="5077515" y="22279100"/>
+            <a:ext cx="5647482" cy="3882644"/>
+          </a:xfrm>
+          <a:prstGeom prst="rect">
+            <a:avLst/>
+          </a:prstGeom>
+        </p:spPr>
+      </p:pic>
+      <p:sp>
+        <p:nvSpPr>
+          <p:cNvPr id="37" name="Rectangle 36"/>
+          <p:cNvSpPr/>
+          <p:nvPr/>
+        </p:nvSpPr>
+        <p:spPr>
+          <a:xfrm>
+            <a:off x="15759463" y="26161744"/>
+            <a:ext cx="10907486" cy="6124754"/>
+          </a:xfrm>
+          <a:prstGeom prst="rect">
+            <a:avLst/>
+          </a:prstGeom>
+        </p:spPr>
+        <p:txBody>
+          <a:bodyPr wrap="square">
+            <a:spAutoFit/>
+          </a:bodyPr>
+          <a:lstStyle/>
+          <a:p>
+            <a:pPr marL="457200" indent="-457200">
+              <a:buFontTx/>
+              <a:buChar char="-"/>
+            </a:pPr>
+            <a:r>
+              <a:rPr lang="en-US" sz="2800" dirty="0" smtClean="0"/>
+              <a:t>Explore kernels more suited to the problem domain, specifically periodic kernels that capture the cyclic nature of crime and its variants when combined with linear and squared exponential kernels:</a:t>
+            </a:r>
+          </a:p>
+          <a:p>
+            <a:r>
+              <a:rPr lang="en-US" sz="2800" dirty="0" smtClean="0"/>
+              <a:t>          - SE * periodic (locally exponential): periodic functions that </a:t>
+            </a:r>
+          </a:p>
+          <a:p>
+            <a:r>
+              <a:rPr lang="en-US" sz="2800" dirty="0"/>
+              <a:t> </a:t>
+            </a:r>
+            <a:r>
+              <a:rPr lang="en-US" sz="2800" dirty="0" smtClean="0"/>
+              <a:t>           can vary over time</a:t>
+            </a:r>
+          </a:p>
+          <a:p>
+            <a:r>
+              <a:rPr lang="en-US" sz="2800" dirty="0"/>
+              <a:t> </a:t>
+            </a:r>
+            <a:r>
+              <a:rPr lang="en-US" sz="2800" dirty="0" smtClean="0"/>
+              <a:t>         - Linear * periodic: periodic function with varying        </a:t>
+            </a:r>
+          </a:p>
+          <a:p>
+            <a:r>
+              <a:rPr lang="en-US" sz="2800" dirty="0"/>
+              <a:t> </a:t>
+            </a:r>
+            <a:r>
+              <a:rPr lang="en-US" sz="2800" dirty="0" smtClean="0"/>
+              <a:t>           amplitude</a:t>
+            </a:r>
+          </a:p>
+          <a:p>
+            <a:r>
+              <a:rPr lang="en-US" sz="2800" dirty="0"/>
+              <a:t> </a:t>
+            </a:r>
+            <a:r>
+              <a:rPr lang="en-US" sz="2800" dirty="0" smtClean="0"/>
+              <a:t>         - Linear + periodic: periodic function with increasing mean</a:t>
+            </a:r>
+          </a:p>
+          <a:p>
+            <a:pPr marL="457200" indent="-457200">
+              <a:buFontTx/>
+              <a:buChar char="-"/>
+            </a:pPr>
+            <a:r>
+              <a:rPr lang="en-US" sz="2800" dirty="0" smtClean="0"/>
+              <a:t>Acquire access to greater computational resources or explore less costly regression in order to explore larger datasets (e.g. Chicago), greater buckets per dimension (i.e. larger N), and/or finer temporal discretization</a:t>
+            </a:r>
+          </a:p>
+          <a:p>
+            <a:pPr marL="457200" indent="-457200">
+              <a:buFontTx/>
+              <a:buChar char="-"/>
+            </a:pPr>
+            <a:r>
+              <a:rPr lang="en-US" sz="2800" dirty="0" smtClean="0"/>
+              <a:t>Determine a realistic noise parameter and explore its effects on the regression</a:t>
+            </a:r>
+          </a:p>
+        </p:txBody>
+      </p:sp>
+      <p:sp>
+        <p:nvSpPr>
+          <p:cNvPr id="40" name="TextBox 39"/>
+          <p:cNvSpPr txBox="1"/>
+          <p:nvPr/>
+        </p:nvSpPr>
+        <p:spPr>
+          <a:xfrm>
+            <a:off x="27443839" y="11796808"/>
+            <a:ext cx="1107996" cy="2432515"/>
+          </a:xfrm>
+          <a:prstGeom prst="rect">
+            <a:avLst/>
+          </a:prstGeom>
+          <a:solidFill>
+            <a:srgbClr val="E5BABA"/>
+          </a:solidFill>
+        </p:spPr>
+        <p:txBody>
+          <a:bodyPr vert="vert270" wrap="square" rtlCol="0">
+            <a:spAutoFit/>
+          </a:bodyPr>
+          <a:lstStyle/>
+          <a:p>
+            <a:pPr algn="ctr"/>
+            <a:r>
+              <a:rPr lang="en-US" sz="6000" dirty="0" smtClean="0">
+                <a:solidFill>
+                  <a:srgbClr val="2D1E3E"/>
+                </a:solidFill>
+              </a:rPr>
+              <a:t>GP</a:t>
+            </a:r>
+            <a:endParaRPr lang="en-US" sz="6000" dirty="0">
+              <a:solidFill>
+                <a:srgbClr val="2D1E3E"/>
+              </a:solidFill>
+            </a:endParaRPr>
+          </a:p>
+        </p:txBody>
+      </p:sp>
+      <p:sp>
+        <p:nvSpPr>
+          <p:cNvPr id="41" name="TextBox 40"/>
+          <p:cNvSpPr txBox="1"/>
+          <p:nvPr/>
+        </p:nvSpPr>
+        <p:spPr>
+          <a:xfrm>
+            <a:off x="27443839" y="16827749"/>
+            <a:ext cx="1107996" cy="2432515"/>
+          </a:xfrm>
+          <a:prstGeom prst="rect">
+            <a:avLst/>
+          </a:prstGeom>
+          <a:solidFill>
+            <a:srgbClr val="E5BABA"/>
+          </a:solidFill>
+        </p:spPr>
+        <p:txBody>
+          <a:bodyPr vert="vert270" wrap="square" rtlCol="0">
+            <a:spAutoFit/>
+          </a:bodyPr>
+          <a:lstStyle/>
+          <a:p>
+            <a:pPr algn="ctr"/>
+            <a:r>
+              <a:rPr lang="en-US" sz="6000" dirty="0" err="1" smtClean="0">
+                <a:solidFill>
+                  <a:srgbClr val="2D1E3E"/>
+                </a:solidFill>
+              </a:rPr>
+              <a:t>Avg</a:t>
+            </a:r>
+            <a:endParaRPr lang="en-US" sz="6000" dirty="0">
+              <a:solidFill>
+                <a:srgbClr val="2D1E3E"/>
+              </a:solidFill>
+            </a:endParaRPr>
+          </a:p>
+        </p:txBody>
+      </p:sp>
+      <p:sp>
+        <p:nvSpPr>
+          <p:cNvPr id="42" name="TextBox 41"/>
+          <p:cNvSpPr txBox="1"/>
+          <p:nvPr/>
+        </p:nvSpPr>
+        <p:spPr>
+          <a:xfrm>
+            <a:off x="27443839" y="22221337"/>
+            <a:ext cx="1107996" cy="2432515"/>
+          </a:xfrm>
+          <a:prstGeom prst="rect">
+            <a:avLst/>
+          </a:prstGeom>
+          <a:solidFill>
+            <a:srgbClr val="E5BABA"/>
+          </a:solidFill>
+        </p:spPr>
+        <p:txBody>
+          <a:bodyPr vert="vert270" wrap="square" rtlCol="0">
+            <a:spAutoFit/>
+          </a:bodyPr>
+          <a:lstStyle/>
+          <a:p>
+            <a:pPr algn="ctr"/>
+            <a:r>
+              <a:rPr lang="en-US" sz="6000" dirty="0" smtClean="0">
+                <a:solidFill>
+                  <a:srgbClr val="2D1E3E"/>
+                </a:solidFill>
+              </a:rPr>
+              <a:t>True</a:t>
+            </a:r>
+            <a:endParaRPr lang="en-US" sz="6000" dirty="0">
+              <a:solidFill>
+                <a:srgbClr val="2D1E3E"/>
+              </a:solidFill>
+            </a:endParaRPr>
+          </a:p>
+        </p:txBody>
+      </p:sp>
+      <p:sp>
+        <p:nvSpPr>
+          <p:cNvPr id="43" name="TextBox 42"/>
+          <p:cNvSpPr txBox="1"/>
+          <p:nvPr/>
+        </p:nvSpPr>
+        <p:spPr>
+          <a:xfrm>
+            <a:off x="8594919" y="30489240"/>
+            <a:ext cx="4696718" cy="1569660"/>
+          </a:xfrm>
+          <a:prstGeom prst="rect">
+            <a:avLst/>
+          </a:prstGeom>
+          <a:solidFill>
+            <a:srgbClr val="E5BABA"/>
+          </a:solidFill>
+        </p:spPr>
+        <p:txBody>
+          <a:bodyPr wrap="square" rtlCol="0">
+            <a:spAutoFit/>
+          </a:bodyPr>
+          <a:lstStyle/>
+          <a:p>
+            <a:r>
+              <a:rPr lang="en-US" sz="2400" dirty="0" smtClean="0">
+                <a:solidFill>
+                  <a:srgbClr val="2D1E3E"/>
+                </a:solidFill>
+              </a:rPr>
+              <a:t>Right: Predictive and True Crime Distributions over Compressed Feature Space for San Francisco using GP model with RBF Kernel.</a:t>
+            </a:r>
+            <a:endParaRPr lang="en-US" sz="2400" dirty="0">
+              <a:solidFill>
+                <a:srgbClr val="2D1E3E"/>
+              </a:solidFill>
+            </a:endParaRPr>
+          </a:p>
+        </p:txBody>
+      </p:sp>
+      <p:sp>
+        <p:nvSpPr>
+          <p:cNvPr id="44" name="TextBox 43"/>
+          <p:cNvSpPr txBox="1"/>
+          <p:nvPr/>
+        </p:nvSpPr>
+        <p:spPr>
+          <a:xfrm>
+            <a:off x="30270555" y="25457739"/>
+            <a:ext cx="11086995" cy="2677656"/>
+          </a:xfrm>
+          <a:prstGeom prst="rect">
+            <a:avLst/>
+          </a:prstGeom>
+          <a:solidFill>
+            <a:srgbClr val="E5BABA"/>
+          </a:solidFill>
+        </p:spPr>
+        <p:txBody>
+          <a:bodyPr wrap="square" rtlCol="0">
+            <a:spAutoFit/>
+          </a:bodyPr>
+          <a:lstStyle/>
+          <a:p>
+            <a:r>
+              <a:rPr lang="en-US" sz="2400" dirty="0" smtClean="0">
+                <a:solidFill>
+                  <a:srgbClr val="2D1E3E"/>
+                </a:solidFill>
+              </a:rPr>
+              <a:t>Above: Geographic </a:t>
+            </a:r>
+            <a:r>
+              <a:rPr lang="en-US" sz="2400" dirty="0" err="1" smtClean="0">
+                <a:solidFill>
+                  <a:srgbClr val="2D1E3E"/>
+                </a:solidFill>
+              </a:rPr>
+              <a:t>heatmaps</a:t>
+            </a:r>
+            <a:r>
+              <a:rPr lang="en-US" sz="2400" dirty="0" smtClean="0">
+                <a:solidFill>
+                  <a:srgbClr val="2D1E3E"/>
+                </a:solidFill>
+              </a:rPr>
+              <a:t> of Crime Distributions for Boston (left) and San Francisco (right) for t = 35, 153 months, n=15, 5 respectively, as predicted by a Gaussian process with squared exponential kernel under no transformation (top), the baseline of average over months (middle), and the true hold-out crime distribution (bottom). </a:t>
+            </a:r>
+          </a:p>
+          <a:p>
+            <a:endParaRPr lang="en-US" sz="2400" dirty="0">
+              <a:solidFill>
+                <a:srgbClr val="2D1E3E"/>
+              </a:solidFill>
+            </a:endParaRPr>
+          </a:p>
+          <a:p>
+            <a:r>
+              <a:rPr lang="en-US" sz="2400" dirty="0">
+                <a:solidFill>
+                  <a:srgbClr val="2D1E3E"/>
+                </a:solidFill>
+              </a:rPr>
+              <a:t>D</a:t>
+            </a:r>
+            <a:r>
+              <a:rPr lang="en-US" sz="2400" dirty="0" smtClean="0">
+                <a:solidFill>
+                  <a:srgbClr val="2D1E3E"/>
+                </a:solidFill>
+              </a:rPr>
+              <a:t>ata is learned under partitioning into 225 regions (Boston) and 25 (San Francisco), due to computational limitations.</a:t>
+            </a:r>
+            <a:endParaRPr lang="en-US" sz="2400" dirty="0">
+              <a:solidFill>
+                <a:srgbClr val="2D1E3E"/>
+              </a:solidFill>
+            </a:endParaRPr>
+          </a:p>
+        </p:txBody>
+      </p:sp>
+      <p:sp>
+        <p:nvSpPr>
+          <p:cNvPr id="30" name="TextBox 29"/>
+          <p:cNvSpPr txBox="1"/>
+          <p:nvPr/>
+        </p:nvSpPr>
+        <p:spPr>
+          <a:xfrm>
+            <a:off x="30270554" y="28683383"/>
+            <a:ext cx="10907486" cy="1368708"/>
+          </a:xfrm>
+          <a:prstGeom prst="rect">
+            <a:avLst/>
+          </a:prstGeom>
+          <a:solidFill>
+            <a:srgbClr val="673C6D"/>
+          </a:solidFill>
+        </p:spPr>
+        <p:txBody>
+          <a:bodyPr wrap="square" rtlCol="0">
+            <a:spAutoFit/>
+          </a:bodyPr>
+          <a:lstStyle/>
+          <a:p>
+            <a:pPr algn="ctr"/>
+            <a:r>
+              <a:rPr lang="en-US" dirty="0" smtClean="0">
+                <a:solidFill>
+                  <a:srgbClr val="F9F1EC"/>
+                </a:solidFill>
+              </a:rPr>
+              <a:t>References</a:t>
+            </a:r>
+            <a:endParaRPr lang="en-US" dirty="0">
+              <a:solidFill>
+                <a:srgbClr val="F9F1EC"/>
+              </a:solidFill>
+            </a:endParaRPr>
+          </a:p>
+        </p:txBody>
+      </p:sp>
+      <p:sp>
+        <p:nvSpPr>
+          <p:cNvPr id="3" name="TextBox 2"/>
+          <p:cNvSpPr txBox="1"/>
+          <p:nvPr/>
+        </p:nvSpPr>
+        <p:spPr>
+          <a:xfrm>
+            <a:off x="30270555" y="30505784"/>
+            <a:ext cx="10907486" cy="1938992"/>
+          </a:xfrm>
+          <a:prstGeom prst="rect">
+            <a:avLst/>
+          </a:prstGeom>
+          <a:noFill/>
+        </p:spPr>
+        <p:txBody>
+          <a:bodyPr wrap="square" rtlCol="0">
+            <a:spAutoFit/>
+          </a:bodyPr>
+          <a:lstStyle/>
+          <a:p>
+            <a:r>
+              <a:rPr lang="en-US" sz="2000" dirty="0" smtClean="0"/>
+              <a:t>[1] Murphy</a:t>
+            </a:r>
+            <a:r>
+              <a:rPr lang="en-US" sz="2000" dirty="0"/>
+              <a:t>, Kevin P. </a:t>
+            </a:r>
+            <a:r>
+              <a:rPr lang="en-US" sz="2000" i="1" dirty="0"/>
+              <a:t>Machine Learning: A Probabilistic Perspective</a:t>
+            </a:r>
+            <a:r>
+              <a:rPr lang="en-US" sz="2000" dirty="0"/>
+              <a:t>. Cambridge, MA: MIT, 2012. Print</a:t>
+            </a:r>
+            <a:r>
+              <a:rPr lang="en-US" sz="2000" dirty="0" smtClean="0"/>
+              <a:t>.</a:t>
+            </a:r>
+          </a:p>
+          <a:p>
+            <a:r>
+              <a:rPr lang="en-US" sz="2000" dirty="0" smtClean="0"/>
+              <a:t>[2] </a:t>
+            </a:r>
+            <a:r>
+              <a:rPr lang="en-US" sz="2000" dirty="0" err="1" smtClean="0"/>
+              <a:t>Duvenaud</a:t>
+            </a:r>
+            <a:r>
+              <a:rPr lang="en-US" sz="2000" dirty="0"/>
+              <a:t>, David. "The Kernel Cookbook:." </a:t>
+            </a:r>
+            <a:r>
+              <a:rPr lang="en-US" sz="2000" i="1" dirty="0"/>
+              <a:t>Kernel Cookbook</a:t>
+            </a:r>
+            <a:r>
+              <a:rPr lang="en-US" sz="2000" dirty="0"/>
+              <a:t>. Harvard SEAS, </a:t>
+            </a:r>
+            <a:r>
+              <a:rPr lang="en-US" sz="2000" dirty="0" err="1"/>
+              <a:t>n.d.</a:t>
+            </a:r>
+            <a:r>
+              <a:rPr lang="en-US" sz="2000" dirty="0"/>
+              <a:t> Web. 02 Dec. 2015.</a:t>
+            </a:r>
+            <a:endParaRPr lang="en-US" sz="2000" dirty="0" smtClean="0"/>
+          </a:p>
+          <a:p>
+            <a:r>
+              <a:rPr lang="en-US" sz="2000" dirty="0" smtClean="0"/>
+              <a:t>[3] A. G</a:t>
+            </a:r>
+            <a:r>
+              <a:rPr lang="en-US" sz="2000" dirty="0"/>
+              <a:t>. Wilson and R. Prescott Adams. Gaussian Process Kernels for </a:t>
+            </a:r>
+            <a:r>
+              <a:rPr lang="en-US" sz="2000" dirty="0" smtClean="0"/>
+              <a:t>Pattern Discovery </a:t>
+            </a:r>
+            <a:r>
+              <a:rPr lang="en-US" sz="2000" dirty="0"/>
+              <a:t>and </a:t>
+            </a:r>
+            <a:r>
+              <a:rPr lang="en-US" sz="2000" dirty="0" smtClean="0"/>
+              <a:t>Extrapolation. </a:t>
+            </a:r>
+            <a:r>
+              <a:rPr lang="en-US" sz="2000" dirty="0" err="1" smtClean="0"/>
+              <a:t>ArXiv</a:t>
+            </a:r>
+            <a:r>
+              <a:rPr lang="en-US" sz="2000" dirty="0" smtClean="0"/>
+              <a:t> e-prints, </a:t>
+            </a:r>
+            <a:r>
+              <a:rPr lang="en-US" sz="2000" dirty="0"/>
+              <a:t>February 2013</a:t>
+            </a:r>
+            <a:r>
+              <a:rPr lang="en-US" sz="2000" dirty="0" smtClean="0"/>
+              <a:t>.</a:t>
+            </a:r>
+          </a:p>
+          <a:p>
+            <a:r>
+              <a:rPr lang="en-US" sz="2000" dirty="0" smtClean="0"/>
+              <a:t>[4] Wang</a:t>
+            </a:r>
+            <a:r>
+              <a:rPr lang="en-US" sz="2000" dirty="0"/>
+              <a:t>, J.M.; Fleet, D.J.; </a:t>
+            </a:r>
+            <a:r>
+              <a:rPr lang="en-US" sz="2000" dirty="0" err="1"/>
+              <a:t>Hertzmann</a:t>
+            </a:r>
+            <a:r>
+              <a:rPr lang="en-US" sz="2000" dirty="0"/>
+              <a:t>, A., "Gaussian Process Dynamical Models for Human Motion," in </a:t>
+            </a:r>
+            <a:r>
+              <a:rPr lang="en-US" sz="2000" i="1" dirty="0"/>
+              <a:t>Pattern Analysis and Machine Intelligence, IEEE Transactions on</a:t>
+            </a:r>
+            <a:r>
+              <a:rPr lang="en-US" sz="2000" dirty="0"/>
+              <a:t> , vol.30, no.2, pp.283-298, Feb. </a:t>
+            </a:r>
+            <a:r>
+              <a:rPr lang="en-US" sz="2000" dirty="0" smtClean="0"/>
+              <a:t>2008</a:t>
+            </a:r>
+            <a:endParaRPr lang="en-US" sz="2000" dirty="0"/>
+          </a:p>
+        </p:txBody>
+      </p:sp>
+      <p:pic>
+        <p:nvPicPr>
+          <p:cNvPr id="6" name="Picture 5"/>
+          <p:cNvPicPr>
+            <a:picLocks noChangeAspect="1"/>
+          </p:cNvPicPr>
+          <p:nvPr/>
+        </p:nvPicPr>
+        <p:blipFill>
+          <a:blip r:embed="rId5">
+            <a:extLst>
+              <a:ext uri="{28A0092B-C50C-407E-A947-70E740481C1C}">
+                <a14:useLocalDpi xmlns:a14="http://schemas.microsoft.com/office/drawing/2010/main" val="0"/>
+              </a:ext>
+            </a:extLst>
+          </a:blip>
+          <a:stretch>
+            <a:fillRect/>
+          </a:stretch>
+        </p:blipFill>
+        <p:spPr>
+          <a:xfrm>
+            <a:off x="29183601" y="10924786"/>
+            <a:ext cx="6606539" cy="4176557"/>
+          </a:xfrm>
+          <a:prstGeom prst="rect">
+            <a:avLst/>
+          </a:prstGeom>
+        </p:spPr>
+      </p:pic>
+      <p:pic>
+        <p:nvPicPr>
+          <p:cNvPr id="11" name="Picture 10"/>
+          <p:cNvPicPr>
+            <a:picLocks noChangeAspect="1"/>
+          </p:cNvPicPr>
+          <p:nvPr/>
+        </p:nvPicPr>
+        <p:blipFill>
+          <a:blip r:embed="rId6">
+            <a:extLst>
+              <a:ext uri="{28A0092B-C50C-407E-A947-70E740481C1C}">
+                <a14:useLocalDpi xmlns:a14="http://schemas.microsoft.com/office/drawing/2010/main" val="0"/>
+              </a:ext>
+            </a:extLst>
+          </a:blip>
+          <a:stretch>
+            <a:fillRect/>
+          </a:stretch>
+        </p:blipFill>
+        <p:spPr>
+          <a:xfrm>
+            <a:off x="29117758" y="20986669"/>
+            <a:ext cx="6606539" cy="4176557"/>
+          </a:xfrm>
+          <a:prstGeom prst="rect">
+            <a:avLst/>
+          </a:prstGeom>
+        </p:spPr>
+      </p:pic>
+      <p:sp>
+        <p:nvSpPr>
+          <p:cNvPr id="33" name="TextBox 32"/>
+          <p:cNvSpPr txBox="1"/>
+          <p:nvPr/>
+        </p:nvSpPr>
+        <p:spPr>
+          <a:xfrm>
+            <a:off x="2585826" y="23252928"/>
+            <a:ext cx="2085541" cy="1569660"/>
+          </a:xfrm>
+          <a:prstGeom prst="rect">
+            <a:avLst/>
+          </a:prstGeom>
+          <a:solidFill>
+            <a:srgbClr val="E5BABA"/>
+          </a:solidFill>
+        </p:spPr>
+        <p:txBody>
+          <a:bodyPr wrap="square" rtlCol="0">
+            <a:spAutoFit/>
+          </a:bodyPr>
+          <a:lstStyle/>
+          <a:p>
+            <a:r>
+              <a:rPr lang="en-US" sz="2400" dirty="0" smtClean="0">
+                <a:solidFill>
+                  <a:srgbClr val="2D1E3E"/>
+                </a:solidFill>
+              </a:rPr>
+              <a:t>Left: Model of GP Likelihood vs. Grid Size for Boston</a:t>
+            </a:r>
+            <a:endParaRPr lang="en-US" sz="2400" dirty="0"/>
+          </a:p>
+        </p:txBody>
+      </p:sp>
+      <p:pic>
+        <p:nvPicPr>
+          <p:cNvPr id="38" name="Picture 37"/>
+          <p:cNvPicPr>
+            <a:picLocks noChangeAspect="1"/>
+          </p:cNvPicPr>
+          <p:nvPr/>
+        </p:nvPicPr>
+        <p:blipFill>
           <a:blip r:embed="rId7">
             <a:extLst>
               <a:ext uri="{28A0092B-C50C-407E-A947-70E740481C1C}">
@@ -4500,8 +5191,8 @@
         </p:blipFill>
         <p:spPr>
           <a:xfrm>
-            <a:off x="1828801" y="17613118"/>
-            <a:ext cx="6074997" cy="4176561"/>
+            <a:off x="1826259" y="26161744"/>
+            <a:ext cx="6074997" cy="4176560"/>
           </a:xfrm>
           <a:prstGeom prst="rect">
             <a:avLst/>
@@ -4510,112 +5201,14 @@
       </p:pic>
       <p:sp>
         <p:nvSpPr>
-          <p:cNvPr id="37" name="Rectangle 36"/>
-          <p:cNvSpPr/>
-          <p:nvPr/>
-        </p:nvSpPr>
-        <p:spPr>
-          <a:xfrm>
-            <a:off x="15759463" y="24653852"/>
-            <a:ext cx="10907486" cy="7478970"/>
-          </a:xfrm>
-          <a:prstGeom prst="rect">
-            <a:avLst/>
-          </a:prstGeom>
-        </p:spPr>
-        <p:txBody>
-          <a:bodyPr wrap="square">
-            <a:spAutoFit/>
-          </a:bodyPr>
-          <a:lstStyle/>
-          <a:p>
-            <a:pPr marL="457200" indent="-457200">
-              <a:buFontTx/>
-              <a:buChar char="-"/>
-            </a:pPr>
-            <a:r>
-              <a:rPr lang="en-US" sz="3200" dirty="0" smtClean="0"/>
-              <a:t>Explore kernels more suited to the problem domain, specifically periodic kernels that capture the cyclic nature of crime and its variants when combined with linear and squared exponential kernels:</a:t>
-            </a:r>
-          </a:p>
-          <a:p>
-            <a:r>
-              <a:rPr lang="en-US" sz="3200" dirty="0" smtClean="0"/>
-              <a:t>          - SE * periodic (locally exponential): periodic functions that </a:t>
-            </a:r>
-          </a:p>
-          <a:p>
-            <a:r>
-              <a:rPr lang="en-US" sz="3200" dirty="0"/>
-              <a:t> </a:t>
-            </a:r>
-            <a:r>
-              <a:rPr lang="en-US" sz="3200" dirty="0" smtClean="0"/>
-              <a:t>           can vary over time</a:t>
-            </a:r>
-          </a:p>
-          <a:p>
-            <a:r>
-              <a:rPr lang="en-US" sz="3200" dirty="0"/>
-              <a:t> </a:t>
-            </a:r>
-            <a:r>
-              <a:rPr lang="en-US" sz="3200" dirty="0" smtClean="0"/>
-              <a:t>         - Linear * periodic: periodic function with varying        </a:t>
-            </a:r>
-          </a:p>
-          <a:p>
-            <a:r>
-              <a:rPr lang="en-US" sz="3200" dirty="0"/>
-              <a:t> </a:t>
-            </a:r>
-            <a:r>
-              <a:rPr lang="en-US" sz="3200" dirty="0" smtClean="0"/>
-              <a:t>           amplitude</a:t>
-            </a:r>
-          </a:p>
-          <a:p>
-            <a:r>
-              <a:rPr lang="en-US" sz="3200" dirty="0"/>
-              <a:t> </a:t>
-            </a:r>
-            <a:r>
-              <a:rPr lang="en-US" sz="3200" dirty="0" smtClean="0"/>
-              <a:t>         - Linear + periodic: periodic function with increasing mean</a:t>
-            </a:r>
-          </a:p>
-          <a:p>
-            <a:pPr marL="457200" indent="-457200">
-              <a:buFontTx/>
-              <a:buChar char="-"/>
-            </a:pPr>
-            <a:r>
-              <a:rPr lang="en-US" sz="3200" dirty="0" smtClean="0"/>
-              <a:t>Acquire access to greater computational resources or explore less costly regression in order to explore larger datasets (e.g. Chicago), greater buckets per dimension (i.e. larger N), and/or finer temporal discretization</a:t>
-            </a:r>
-          </a:p>
-          <a:p>
-            <a:pPr marL="457200" indent="-457200">
-              <a:buFontTx/>
-              <a:buChar char="-"/>
-            </a:pPr>
-            <a:r>
-              <a:rPr lang="en-US" sz="3200" dirty="0" smtClean="0"/>
-              <a:t>Determine a realistic noise parameter and explore its effects on the regression</a:t>
-            </a:r>
-          </a:p>
-        </p:txBody>
-      </p:sp>
-      <p:sp>
-        <p:nvSpPr>
-          <p:cNvPr id="40" name="TextBox 39"/>
+          <p:cNvPr id="45" name="TextBox 44"/>
           <p:cNvSpPr txBox="1"/>
           <p:nvPr/>
         </p:nvSpPr>
         <p:spPr>
           <a:xfrm>
-            <a:off x="27443839" y="11796808"/>
-            <a:ext cx="1107996" cy="2432515"/>
+            <a:off x="2515398" y="30489710"/>
+            <a:ext cx="4696718" cy="1569660"/>
           </a:xfrm>
           <a:prstGeom prst="rect">
             <a:avLst/>
@@ -4625,21 +5218,30 @@
           </a:solidFill>
         </p:spPr>
         <p:txBody>
-          <a:bodyPr vert="vert270" wrap="square" rtlCol="0">
+          <a:bodyPr wrap="square" rtlCol="0">
             <a:spAutoFit/>
           </a:bodyPr>
           <a:lstStyle/>
           <a:p>
-            <a:pPr algn="ctr"/>
-            <a:r>
-              <a:rPr lang="en-US" sz="6000" dirty="0" smtClean="0">
+            <a:r>
+              <a:rPr lang="en-US" sz="2400" dirty="0" smtClean="0">
                 <a:solidFill>
                   <a:srgbClr val="2D1E3E"/>
                 </a:solidFill>
               </a:rPr>
-              <a:t>GP</a:t>
-            </a:r>
-            <a:endParaRPr lang="en-US" sz="6000" dirty="0">
+              <a:t>Left: Predictive and True Crime </a:t>
+            </a:r>
+          </a:p>
+          <a:p>
+            <a:r>
+              <a:rPr lang="en-US" sz="2400" dirty="0" smtClean="0">
+                <a:solidFill>
+                  <a:srgbClr val="2D1E3E"/>
+                </a:solidFill>
+              </a:rPr>
+              <a:t>Distributions over Compressed Feature Space for Boston using GP model with RBF Kernel. </a:t>
+            </a:r>
+            <a:endParaRPr lang="en-US" sz="2400" dirty="0">
               <a:solidFill>
                 <a:srgbClr val="2D1E3E"/>
               </a:solidFill>
@@ -4647,421 +5249,9 @@
           </a:p>
         </p:txBody>
       </p:sp>
-      <p:sp>
-        <p:nvSpPr>
-          <p:cNvPr id="41" name="TextBox 40"/>
-          <p:cNvSpPr txBox="1"/>
-          <p:nvPr/>
-        </p:nvSpPr>
-        <p:spPr>
-          <a:xfrm>
-            <a:off x="27443839" y="16827749"/>
-            <a:ext cx="1107996" cy="2432515"/>
-          </a:xfrm>
-          <a:prstGeom prst="rect">
-            <a:avLst/>
-          </a:prstGeom>
-          <a:solidFill>
-            <a:srgbClr val="E5BABA"/>
-          </a:solidFill>
-        </p:spPr>
-        <p:txBody>
-          <a:bodyPr vert="vert270" wrap="square" rtlCol="0">
-            <a:spAutoFit/>
-          </a:bodyPr>
-          <a:lstStyle/>
-          <a:p>
-            <a:pPr algn="ctr"/>
-            <a:r>
-              <a:rPr lang="en-US" sz="6000" dirty="0" err="1" smtClean="0">
-                <a:solidFill>
-                  <a:srgbClr val="2D1E3E"/>
-                </a:solidFill>
-              </a:rPr>
-              <a:t>Avg</a:t>
-            </a:r>
-            <a:endParaRPr lang="en-US" sz="6000" dirty="0">
-              <a:solidFill>
-                <a:srgbClr val="2D1E3E"/>
-              </a:solidFill>
-            </a:endParaRPr>
-          </a:p>
-        </p:txBody>
-      </p:sp>
-      <p:sp>
-        <p:nvSpPr>
-          <p:cNvPr id="42" name="TextBox 41"/>
-          <p:cNvSpPr txBox="1"/>
-          <p:nvPr/>
-        </p:nvSpPr>
-        <p:spPr>
-          <a:xfrm>
-            <a:off x="27443839" y="22221337"/>
-            <a:ext cx="1107996" cy="2432515"/>
-          </a:xfrm>
-          <a:prstGeom prst="rect">
-            <a:avLst/>
-          </a:prstGeom>
-          <a:solidFill>
-            <a:srgbClr val="E5BABA"/>
-          </a:solidFill>
-        </p:spPr>
-        <p:txBody>
-          <a:bodyPr vert="vert270" wrap="square" rtlCol="0">
-            <a:spAutoFit/>
-          </a:bodyPr>
-          <a:lstStyle/>
-          <a:p>
-            <a:pPr algn="ctr"/>
-            <a:r>
-              <a:rPr lang="en-US" sz="6000" dirty="0" smtClean="0">
-                <a:solidFill>
-                  <a:srgbClr val="2D1E3E"/>
-                </a:solidFill>
-              </a:rPr>
-              <a:t>True</a:t>
-            </a:r>
-            <a:endParaRPr lang="en-US" sz="6000" dirty="0">
-              <a:solidFill>
-                <a:srgbClr val="2D1E3E"/>
-              </a:solidFill>
-            </a:endParaRPr>
-          </a:p>
-        </p:txBody>
-      </p:sp>
-      <p:sp>
-        <p:nvSpPr>
-          <p:cNvPr id="43" name="TextBox 42"/>
-          <p:cNvSpPr txBox="1"/>
-          <p:nvPr/>
-        </p:nvSpPr>
-        <p:spPr>
-          <a:xfrm>
-            <a:off x="2515399" y="24152952"/>
-            <a:ext cx="4696718" cy="1384995"/>
-          </a:xfrm>
-          <a:prstGeom prst="rect">
-            <a:avLst/>
-          </a:prstGeom>
-          <a:solidFill>
-            <a:srgbClr val="E5BABA"/>
-          </a:solidFill>
-        </p:spPr>
-        <p:txBody>
-          <a:bodyPr wrap="square" rtlCol="0">
-            <a:spAutoFit/>
-          </a:bodyPr>
-          <a:lstStyle/>
-          <a:p>
-            <a:r>
-              <a:rPr lang="en-US" sz="2800" dirty="0" smtClean="0">
-                <a:solidFill>
-                  <a:srgbClr val="2D1E3E"/>
-                </a:solidFill>
-              </a:rPr>
-              <a:t>Right: </a:t>
-            </a:r>
-            <a:r>
-              <a:rPr lang="en-US" sz="2800" dirty="0">
-                <a:solidFill>
-                  <a:srgbClr val="2D1E3E"/>
-                </a:solidFill>
-              </a:rPr>
-              <a:t>Predictive distribution vs true distribution for some geographical buckets </a:t>
-            </a:r>
-            <a:r>
-              <a:rPr lang="en-US" sz="2800" dirty="0" smtClean="0">
-                <a:solidFill>
-                  <a:srgbClr val="2D1E3E"/>
-                </a:solidFill>
-              </a:rPr>
-              <a:t>in SF</a:t>
-            </a:r>
-            <a:endParaRPr lang="en-US" sz="2800" dirty="0">
-              <a:solidFill>
-                <a:srgbClr val="2D1E3E"/>
-              </a:solidFill>
-            </a:endParaRPr>
-          </a:p>
-        </p:txBody>
-      </p:sp>
-      <p:sp>
-        <p:nvSpPr>
-          <p:cNvPr id="44" name="TextBox 43"/>
-          <p:cNvSpPr txBox="1"/>
-          <p:nvPr/>
-        </p:nvSpPr>
-        <p:spPr>
-          <a:xfrm>
-            <a:off x="31259302" y="25799920"/>
-            <a:ext cx="8929991" cy="2246769"/>
-          </a:xfrm>
-          <a:prstGeom prst="rect">
-            <a:avLst/>
-          </a:prstGeom>
-          <a:solidFill>
-            <a:srgbClr val="E5BABA"/>
-          </a:solidFill>
-        </p:spPr>
-        <p:txBody>
-          <a:bodyPr wrap="square" rtlCol="0">
-            <a:spAutoFit/>
-          </a:bodyPr>
-          <a:lstStyle/>
-          <a:p>
-            <a:r>
-              <a:rPr lang="en-US" sz="2800" dirty="0" smtClean="0">
-                <a:solidFill>
-                  <a:srgbClr val="2D1E3E"/>
-                </a:solidFill>
-              </a:rPr>
-              <a:t>Above: geographic </a:t>
-            </a:r>
-            <a:r>
-              <a:rPr lang="en-US" sz="2800" dirty="0" err="1" smtClean="0">
-                <a:solidFill>
-                  <a:srgbClr val="2D1E3E"/>
-                </a:solidFill>
-              </a:rPr>
-              <a:t>heatmaps</a:t>
-            </a:r>
-            <a:r>
-              <a:rPr lang="en-US" sz="2800" dirty="0" smtClean="0">
-                <a:solidFill>
-                  <a:srgbClr val="2D1E3E"/>
-                </a:solidFill>
-              </a:rPr>
-              <a:t> of crime incidence for Boston (left) and San Francisco (right) for t =35, </a:t>
-            </a:r>
-            <a:r>
-              <a:rPr lang="en-US" sz="2800" dirty="0" smtClean="0">
-                <a:solidFill>
-                  <a:srgbClr val="2D1E3E"/>
-                </a:solidFill>
-              </a:rPr>
-              <a:t>153 </a:t>
-            </a:r>
-            <a:r>
-              <a:rPr lang="en-US" sz="2800" dirty="0" smtClean="0">
-                <a:solidFill>
-                  <a:srgbClr val="2D1E3E"/>
-                </a:solidFill>
-              </a:rPr>
-              <a:t>months, n=15, </a:t>
-            </a:r>
-            <a:r>
-              <a:rPr lang="en-US" sz="2800" dirty="0" smtClean="0">
-                <a:solidFill>
-                  <a:srgbClr val="2D1E3E"/>
-                </a:solidFill>
-              </a:rPr>
-              <a:t>5 </a:t>
-            </a:r>
-            <a:r>
-              <a:rPr lang="en-US" sz="2800" dirty="0" smtClean="0">
-                <a:solidFill>
-                  <a:srgbClr val="2D1E3E"/>
-                </a:solidFill>
-              </a:rPr>
-              <a:t>respectively, as predicted by a Gaussian process with squared exponential kernel (top), average over months (middle), and true (bottom)</a:t>
-            </a:r>
-            <a:endParaRPr lang="en-US" sz="2800" dirty="0">
-              <a:solidFill>
-                <a:srgbClr val="2D1E3E"/>
-              </a:solidFill>
-            </a:endParaRPr>
-          </a:p>
-        </p:txBody>
-      </p:sp>
-      <p:sp>
-        <p:nvSpPr>
-          <p:cNvPr id="30" name="TextBox 29"/>
-          <p:cNvSpPr txBox="1"/>
-          <p:nvPr/>
-        </p:nvSpPr>
-        <p:spPr>
-          <a:xfrm>
-            <a:off x="30270554" y="28683383"/>
-            <a:ext cx="10907486" cy="1368708"/>
-          </a:xfrm>
-          <a:prstGeom prst="rect">
-            <a:avLst/>
-          </a:prstGeom>
-          <a:solidFill>
-            <a:srgbClr val="673C6D"/>
-          </a:solidFill>
-        </p:spPr>
-        <p:txBody>
-          <a:bodyPr wrap="square" rtlCol="0">
-            <a:spAutoFit/>
-          </a:bodyPr>
-          <a:lstStyle/>
-          <a:p>
-            <a:pPr algn="ctr"/>
-            <a:r>
-              <a:rPr lang="en-US" dirty="0" smtClean="0">
-                <a:solidFill>
-                  <a:srgbClr val="F9F1EC"/>
-                </a:solidFill>
-              </a:rPr>
-              <a:t>References</a:t>
-            </a:r>
-            <a:endParaRPr lang="en-US" dirty="0">
-              <a:solidFill>
-                <a:srgbClr val="F9F1EC"/>
-              </a:solidFill>
-            </a:endParaRPr>
-          </a:p>
-        </p:txBody>
-      </p:sp>
-      <p:sp>
-        <p:nvSpPr>
-          <p:cNvPr id="3" name="TextBox 2"/>
-          <p:cNvSpPr txBox="1"/>
-          <p:nvPr/>
-        </p:nvSpPr>
-        <p:spPr>
-          <a:xfrm>
-            <a:off x="30270554" y="30838974"/>
-            <a:ext cx="10907486" cy="1938992"/>
-          </a:xfrm>
-          <a:prstGeom prst="rect">
-            <a:avLst/>
-          </a:prstGeom>
-          <a:noFill/>
-        </p:spPr>
-        <p:txBody>
-          <a:bodyPr wrap="square" rtlCol="0">
-            <a:spAutoFit/>
-          </a:bodyPr>
-          <a:lstStyle/>
-          <a:p>
-            <a:r>
-              <a:rPr lang="en-US" sz="2000" dirty="0" smtClean="0"/>
-              <a:t>[1] Murphy</a:t>
-            </a:r>
-            <a:r>
-              <a:rPr lang="en-US" sz="2000" dirty="0"/>
-              <a:t>, Kevin P. </a:t>
-            </a:r>
-            <a:r>
-              <a:rPr lang="en-US" sz="2000" i="1" dirty="0"/>
-              <a:t>Machine Learning: A Probabilistic Perspective</a:t>
-            </a:r>
-            <a:r>
-              <a:rPr lang="en-US" sz="2000" dirty="0"/>
-              <a:t>. Cambridge, MA: MIT, 2012. Print</a:t>
-            </a:r>
-            <a:r>
-              <a:rPr lang="en-US" sz="2000" dirty="0" smtClean="0"/>
-              <a:t>.</a:t>
-            </a:r>
-          </a:p>
-          <a:p>
-            <a:r>
-              <a:rPr lang="en-US" sz="2000" dirty="0" smtClean="0"/>
-              <a:t>[2] </a:t>
-            </a:r>
-            <a:r>
-              <a:rPr lang="en-US" sz="2000" dirty="0" err="1" smtClean="0"/>
-              <a:t>Duvenaud</a:t>
-            </a:r>
-            <a:r>
-              <a:rPr lang="en-US" sz="2000" dirty="0"/>
-              <a:t>, David. "The Kernel Cookbook:." </a:t>
-            </a:r>
-            <a:r>
-              <a:rPr lang="en-US" sz="2000" i="1" dirty="0"/>
-              <a:t>Kernel Cookbook</a:t>
-            </a:r>
-            <a:r>
-              <a:rPr lang="en-US" sz="2000" dirty="0"/>
-              <a:t>. Harvard SEAS, </a:t>
-            </a:r>
-            <a:r>
-              <a:rPr lang="en-US" sz="2000" dirty="0" err="1"/>
-              <a:t>n.d.</a:t>
-            </a:r>
-            <a:r>
-              <a:rPr lang="en-US" sz="2000" dirty="0"/>
-              <a:t> Web. 02 Dec. 2015.</a:t>
-            </a:r>
-            <a:endParaRPr lang="en-US" sz="2000" dirty="0" smtClean="0"/>
-          </a:p>
-          <a:p>
-            <a:r>
-              <a:rPr lang="en-US" sz="2000" dirty="0" smtClean="0"/>
-              <a:t>[3] A. G</a:t>
-            </a:r>
-            <a:r>
-              <a:rPr lang="en-US" sz="2000" dirty="0"/>
-              <a:t>. Wilson and R. Prescott Adams. Gaussian Process Kernels for </a:t>
-            </a:r>
-            <a:r>
-              <a:rPr lang="en-US" sz="2000" dirty="0" smtClean="0"/>
-              <a:t>Pattern Discovery </a:t>
-            </a:r>
-            <a:r>
-              <a:rPr lang="en-US" sz="2000" dirty="0"/>
-              <a:t>and </a:t>
-            </a:r>
-            <a:r>
-              <a:rPr lang="en-US" sz="2000" dirty="0" smtClean="0"/>
-              <a:t>Extrapolation. </a:t>
-            </a:r>
-            <a:r>
-              <a:rPr lang="en-US" sz="2000" dirty="0" err="1" smtClean="0"/>
-              <a:t>ArXiv</a:t>
-            </a:r>
-            <a:r>
-              <a:rPr lang="en-US" sz="2000" dirty="0" smtClean="0"/>
-              <a:t> e-prints, </a:t>
-            </a:r>
-            <a:r>
-              <a:rPr lang="en-US" sz="2000" dirty="0"/>
-              <a:t>February 2013</a:t>
-            </a:r>
-            <a:r>
-              <a:rPr lang="en-US" sz="2000" dirty="0" smtClean="0"/>
-              <a:t>.</a:t>
-            </a:r>
-          </a:p>
-          <a:p>
-            <a:r>
-              <a:rPr lang="en-US" sz="2000" dirty="0" smtClean="0"/>
-              <a:t>[4] Wang</a:t>
-            </a:r>
-            <a:r>
-              <a:rPr lang="en-US" sz="2000" dirty="0"/>
-              <a:t>, J.M.; Fleet, D.J.; </a:t>
-            </a:r>
-            <a:r>
-              <a:rPr lang="en-US" sz="2000" dirty="0" err="1"/>
-              <a:t>Hertzmann</a:t>
-            </a:r>
-            <a:r>
-              <a:rPr lang="en-US" sz="2000" dirty="0"/>
-              <a:t>, A., "Gaussian Process Dynamical Models for Human Motion," in </a:t>
-            </a:r>
-            <a:r>
-              <a:rPr lang="en-US" sz="2000" i="1" dirty="0"/>
-              <a:t>Pattern Analysis and Machine Intelligence, IEEE Transactions on</a:t>
-            </a:r>
-            <a:r>
-              <a:rPr lang="en-US" sz="2000" dirty="0"/>
-              <a:t> , vol.30, no.2, pp.283-298, Feb. </a:t>
-            </a:r>
-            <a:r>
-              <a:rPr lang="en-US" sz="2000" dirty="0" smtClean="0"/>
-              <a:t>2008</a:t>
-            </a:r>
-            <a:endParaRPr lang="en-US" sz="2000" dirty="0"/>
-          </a:p>
-        </p:txBody>
-      </p:sp>
       <p:pic>
         <p:nvPicPr>
-          <p:cNvPr id="6" name="Picture 5"/>
+          <p:cNvPr id="2" name="Picture 1"/>
           <p:cNvPicPr>
             <a:picLocks noChangeAspect="1"/>
           </p:cNvPicPr>
@@ -5081,8 +5271,8 @@
         </p:blipFill>
         <p:spPr>
           <a:xfrm>
-            <a:off x="29183602" y="10924786"/>
-            <a:ext cx="6074992" cy="4176557"/>
+            <a:off x="29117760" y="15933094"/>
+            <a:ext cx="6678144" cy="4221824"/>
           </a:xfrm>
           <a:prstGeom prst="rect">
             <a:avLst/>
@@ -5091,7 +5281,7 @@
       </p:pic>
       <p:pic>
         <p:nvPicPr>
-          <p:cNvPr id="11" name="Picture 10"/>
+          <p:cNvPr id="9" name="Picture 8"/>
           <p:cNvPicPr>
             <a:picLocks noChangeAspect="1"/>
           </p:cNvPicPr>
@@ -5111,53 +5301,17 @@
         </p:blipFill>
         <p:spPr>
           <a:xfrm>
-            <a:off x="29117759" y="20986669"/>
-            <a:ext cx="6074992" cy="4176557"/>
+            <a:off x="36309532" y="10926519"/>
+            <a:ext cx="6629612" cy="4174824"/>
           </a:xfrm>
           <a:prstGeom prst="rect">
             <a:avLst/>
           </a:prstGeom>
         </p:spPr>
       </p:pic>
-      <p:sp>
-        <p:nvSpPr>
-          <p:cNvPr id="33" name="TextBox 32"/>
-          <p:cNvSpPr txBox="1"/>
-          <p:nvPr/>
-        </p:nvSpPr>
-        <p:spPr>
-          <a:xfrm>
-            <a:off x="8611936" y="18946623"/>
-            <a:ext cx="4696718" cy="954107"/>
-          </a:xfrm>
-          <a:prstGeom prst="rect">
-            <a:avLst/>
-          </a:prstGeom>
-          <a:solidFill>
-            <a:srgbClr val="E5BABA"/>
-          </a:solidFill>
-        </p:spPr>
-        <p:txBody>
-          <a:bodyPr wrap="square" rtlCol="0">
-            <a:spAutoFit/>
-          </a:bodyPr>
-          <a:lstStyle/>
-          <a:p>
-            <a:r>
-              <a:rPr lang="en-US" sz="2800" dirty="0" smtClean="0">
-                <a:solidFill>
-                  <a:srgbClr val="2D1E3E"/>
-                </a:solidFill>
-              </a:rPr>
-              <a:t>Left: Model likelihood vs grid size for Boston</a:t>
-            </a:r>
-            <a:endParaRPr lang="en-US" sz="2800" dirty="0"/>
-          </a:p>
-        </p:txBody>
-      </p:sp>
       <p:pic>
         <p:nvPicPr>
-          <p:cNvPr id="38" name="Picture 37"/>
+          <p:cNvPr id="12" name="Picture 11"/>
           <p:cNvPicPr>
             <a:picLocks noChangeAspect="1"/>
           </p:cNvPicPr>
@@ -5177,73 +5331,17 @@
         </p:blipFill>
         <p:spPr>
           <a:xfrm>
-            <a:off x="1826260" y="27901221"/>
-            <a:ext cx="6074997" cy="4176560"/>
+            <a:off x="36306511" y="15957459"/>
+            <a:ext cx="6665555" cy="4197459"/>
           </a:xfrm>
           <a:prstGeom prst="rect">
             <a:avLst/>
           </a:prstGeom>
         </p:spPr>
       </p:pic>
-      <p:sp>
-        <p:nvSpPr>
-          <p:cNvPr id="45" name="TextBox 44"/>
-          <p:cNvSpPr txBox="1"/>
-          <p:nvPr/>
-        </p:nvSpPr>
-        <p:spPr>
-          <a:xfrm>
-            <a:off x="8547791" y="29560320"/>
-            <a:ext cx="4696718" cy="1384995"/>
-          </a:xfrm>
-          <a:prstGeom prst="rect">
-            <a:avLst/>
-          </a:prstGeom>
-          <a:solidFill>
-            <a:srgbClr val="E5BABA"/>
-          </a:solidFill>
-        </p:spPr>
-        <p:txBody>
-          <a:bodyPr wrap="square" rtlCol="0">
-            <a:spAutoFit/>
-          </a:bodyPr>
-          <a:lstStyle/>
-          <a:p>
-            <a:r>
-              <a:rPr lang="en-US" sz="2800" dirty="0" smtClean="0">
-                <a:solidFill>
-                  <a:srgbClr val="2D1E3E"/>
-                </a:solidFill>
-              </a:rPr>
-              <a:t>Left: </a:t>
-            </a:r>
-            <a:r>
-              <a:rPr lang="en-US" sz="2800" dirty="0">
-                <a:solidFill>
-                  <a:srgbClr val="2D1E3E"/>
-                </a:solidFill>
-              </a:rPr>
-              <a:t>Predictive distribution vs true distribution for some geographical </a:t>
-            </a:r>
-            <a:r>
-              <a:rPr lang="en-US" sz="2800" dirty="0" smtClean="0">
-                <a:solidFill>
-                  <a:srgbClr val="2D1E3E"/>
-                </a:solidFill>
-              </a:rPr>
-              <a:t>buckets in Boston</a:t>
-            </a:r>
-            <a:endParaRPr lang="en-US" sz="2800" dirty="0">
-              <a:solidFill>
-                <a:srgbClr val="2D1E3E"/>
-              </a:solidFill>
-            </a:endParaRPr>
-          </a:p>
-        </p:txBody>
-      </p:sp>
       <p:pic>
         <p:nvPicPr>
-          <p:cNvPr id="2" name="Picture 1"/>
+          <p:cNvPr id="14" name="Picture 13"/>
           <p:cNvPicPr>
             <a:picLocks noChangeAspect="1"/>
           </p:cNvPicPr>
@@ -5263,8 +5361,8 @@
         </p:blipFill>
         <p:spPr>
           <a:xfrm>
-            <a:off x="29117759" y="15933094"/>
-            <a:ext cx="6140835" cy="4221824"/>
+            <a:off x="36309531" y="20941801"/>
+            <a:ext cx="6629613" cy="4174825"/>
           </a:xfrm>
           <a:prstGeom prst="rect">
             <a:avLst/>
@@ -5273,7 +5371,7 @@
       </p:pic>
       <p:pic>
         <p:nvPicPr>
-          <p:cNvPr id="9" name="Picture 8"/>
+          <p:cNvPr id="15" name="Picture 14"/>
           <p:cNvPicPr>
             <a:picLocks noChangeAspect="1"/>
           </p:cNvPicPr>
@@ -5293,19 +5391,100 @@
         </p:blipFill>
         <p:spPr>
           <a:xfrm>
-            <a:off x="36866672" y="10926519"/>
-            <a:ext cx="6072472" cy="4174824"/>
+            <a:off x="7901256" y="26161744"/>
+            <a:ext cx="6084044" cy="4182780"/>
           </a:xfrm>
           <a:prstGeom prst="rect">
             <a:avLst/>
           </a:prstGeom>
         </p:spPr>
       </p:pic>
+      <p:sp>
+        <p:nvSpPr>
+          <p:cNvPr id="34" name="TextBox 33"/>
+          <p:cNvSpPr txBox="1"/>
+          <p:nvPr/>
+        </p:nvSpPr>
+        <p:spPr>
+          <a:xfrm>
+            <a:off x="1828801" y="15238847"/>
+            <a:ext cx="10907486" cy="1368708"/>
+          </a:xfrm>
+          <a:prstGeom prst="rect">
+            <a:avLst/>
+          </a:prstGeom>
+          <a:solidFill>
+            <a:srgbClr val="673C6D"/>
+          </a:solidFill>
+        </p:spPr>
+        <p:txBody>
+          <a:bodyPr wrap="square" rtlCol="0">
+            <a:spAutoFit/>
+          </a:bodyPr>
+          <a:lstStyle/>
+          <a:p>
+            <a:pPr algn="ctr"/>
+            <a:r>
+              <a:rPr lang="en-US" dirty="0" smtClean="0">
+                <a:solidFill>
+                  <a:srgbClr val="F9F1EC"/>
+                </a:solidFill>
+              </a:rPr>
+              <a:t>Analysis</a:t>
+            </a:r>
+            <a:endParaRPr lang="en-US" dirty="0">
+              <a:solidFill>
+                <a:srgbClr val="F9F1EC"/>
+              </a:solidFill>
+            </a:endParaRPr>
+          </a:p>
+        </p:txBody>
+      </p:sp>
+      <p:sp>
+        <p:nvSpPr>
+          <p:cNvPr id="35" name="TextBox 34"/>
+          <p:cNvSpPr txBox="1"/>
+          <p:nvPr/>
+        </p:nvSpPr>
+        <p:spPr>
+          <a:xfrm>
+            <a:off x="16080828" y="22837429"/>
+            <a:ext cx="4256689" cy="1200329"/>
+          </a:xfrm>
+          <a:prstGeom prst="rect">
+            <a:avLst/>
+          </a:prstGeom>
+          <a:solidFill>
+            <a:srgbClr val="E5BABA"/>
+          </a:solidFill>
+        </p:spPr>
+        <p:txBody>
+          <a:bodyPr wrap="square" rtlCol="0">
+            <a:spAutoFit/>
+          </a:bodyPr>
+          <a:lstStyle/>
+          <a:p>
+            <a:r>
+              <a:rPr lang="en-US" sz="2400" dirty="0" smtClean="0">
+                <a:solidFill>
+                  <a:srgbClr val="2D1E3E"/>
+                </a:solidFill>
+              </a:rPr>
+              <a:t>Above: Optimized Model Hyper parameters for Boston Region discretized into 225 buckets.</a:t>
+            </a:r>
+            <a:endParaRPr lang="en-US" sz="2400" dirty="0">
+              <a:solidFill>
+                <a:srgbClr val="2D1E3E"/>
+              </a:solidFill>
+            </a:endParaRPr>
+          </a:p>
+        </p:txBody>
+      </p:sp>
       <p:pic>
         <p:nvPicPr>
-          <p:cNvPr id="12" name="Picture 11"/>
+          <p:cNvPr id="1026" name="Picture 2"/>
           <p:cNvPicPr>
-            <a:picLocks noChangeAspect="1"/>
+            <a:picLocks noChangeAspect="1" noChangeArrowheads="1"/>
           </p:cNvPicPr>
           <p:nvPr/>
         </p:nvPicPr>
@@ -5317,80 +5496,1171 @@
               </a:ext>
             </a:extLst>
           </a:blip>
+          <a:srcRect/>
           <a:stretch>
             <a:fillRect/>
           </a:stretch>
         </p:blipFill>
-        <p:spPr>
+        <p:spPr bwMode="auto">
           <a:xfrm>
-            <a:off x="36866671" y="15957459"/>
-            <a:ext cx="6105395" cy="4197459"/>
+            <a:off x="16080828" y="19679118"/>
+            <a:ext cx="4256689" cy="2815546"/>
           </a:xfrm>
           <a:prstGeom prst="rect">
             <a:avLst/>
           </a:prstGeom>
+          <a:noFill/>
+          <a:ln>
+            <a:noFill/>
+          </a:ln>
+          <a:effectLst/>
+          <a:extLst>
+            <a:ext uri="{909E8E84-426E-40DD-AFC4-6F175D3DCCD1}">
+              <a14:hiddenFill xmlns:a14="http://schemas.microsoft.com/office/drawing/2010/main">
+                <a:solidFill>
+                  <a:schemeClr val="accent1"/>
+                </a:solidFill>
+              </a14:hiddenFill>
+            </a:ext>
+            <a:ext uri="{91240B29-F687-4F45-9708-019B960494DF}">
+              <a14:hiddenLine xmlns:a14="http://schemas.microsoft.com/office/drawing/2010/main" w="9525">
+                <a:solidFill>
+                  <a:schemeClr val="tx1"/>
+                </a:solidFill>
+                <a:miter lim="800000"/>
+                <a:headEnd/>
+                <a:tailEnd/>
+              </a14:hiddenLine>
+            </a:ext>
+            <a:ext uri="{AF507438-7753-43E0-B8FC-AC1667EBCBE1}">
+              <a14:hiddenEffects xmlns:a14="http://schemas.microsoft.com/office/drawing/2010/main">
+                <a:effectLst>
+                  <a:outerShdw dist="35921" dir="2700000" algn="ctr" rotWithShape="0">
+                    <a:schemeClr val="bg2"/>
+                  </a:outerShdw>
+                </a:effectLst>
+              </a14:hiddenEffects>
+            </a:ext>
+          </a:extLst>
         </p:spPr>
       </p:pic>
-      <p:pic>
-        <p:nvPicPr>
-          <p:cNvPr id="14" name="Picture 13"/>
-          <p:cNvPicPr>
-            <a:picLocks noChangeAspect="1"/>
-          </p:cNvPicPr>
+      <p:grpSp>
+        <p:nvGrpSpPr>
+          <p:cNvPr id="7" name="Group 6"/>
+          <p:cNvGrpSpPr/>
           <p:nvPr/>
-        </p:nvPicPr>
-        <p:blipFill>
-          <a:blip r:embed="rId14">
+        </p:nvGrpSpPr>
+        <p:grpSpPr>
+          <a:xfrm>
+            <a:off x="2250047" y="16863046"/>
+            <a:ext cx="9685279" cy="4123623"/>
+            <a:chOff x="3920305" y="15604099"/>
+            <a:chExt cx="8146860" cy="5337702"/>
+          </a:xfrm>
+        </p:grpSpPr>
+        <p:pic>
+          <p:nvPicPr>
+            <p:cNvPr id="1027" name="Picture 3" descr="Z:\home\luis\Dropbox\Online Documents\HarvardSchoolWork\Fall2015\cs281\finalproject\crime-prediction\figures\boston_data_analysis\crimes_monthly_2014.png"/>
+            <p:cNvPicPr>
+              <a:picLocks noChangeAspect="1" noChangeArrowheads="1"/>
+            </p:cNvPicPr>
+            <p:nvPr/>
+          </p:nvPicPr>
+          <p:blipFill>
+            <a:blip r:embed="rId14">
+              <a:extLst>
+                <a:ext uri="{28A0092B-C50C-407E-A947-70E740481C1C}">
+                  <a14:useLocalDpi xmlns:a14="http://schemas.microsoft.com/office/drawing/2010/main" val="0"/>
+                </a:ext>
+              </a:extLst>
+            </a:blip>
+            <a:srcRect/>
+            <a:stretch>
+              <a:fillRect/>
+            </a:stretch>
+          </p:blipFill>
+          <p:spPr bwMode="auto">
+            <a:xfrm>
+              <a:off x="3920306" y="15604099"/>
+              <a:ext cx="4073429" cy="2800482"/>
+            </a:xfrm>
+            <a:prstGeom prst="rect">
+              <a:avLst/>
+            </a:prstGeom>
+            <a:noFill/>
             <a:extLst>
-              <a:ext uri="{28A0092B-C50C-407E-A947-70E740481C1C}">
-                <a14:useLocalDpi xmlns:a14="http://schemas.microsoft.com/office/drawing/2010/main" val="0"/>
+              <a:ext uri="{909E8E84-426E-40DD-AFC4-6F175D3DCCD1}">
+                <a14:hiddenFill xmlns:a14="http://schemas.microsoft.com/office/drawing/2010/main">
+                  <a:solidFill>
+                    <a:srgbClr val="FFFFFF"/>
+                  </a:solidFill>
+                </a14:hiddenFill>
               </a:ext>
             </a:extLst>
-          </a:blip>
-          <a:stretch>
-            <a:fillRect/>
-          </a:stretch>
-        </p:blipFill>
+          </p:spPr>
+        </p:pic>
+        <p:pic>
+          <p:nvPicPr>
+            <p:cNvPr id="1028" name="Picture 4" descr="Z:\home\luis\Dropbox\Online Documents\HarvardSchoolWork\Fall2015\cs281\finalproject\crime-prediction\figures\sf_data_analysis\crimes_monthly_2013.png"/>
+            <p:cNvPicPr>
+              <a:picLocks noChangeAspect="1" noChangeArrowheads="1"/>
+            </p:cNvPicPr>
+            <p:nvPr/>
+          </p:nvPicPr>
+          <p:blipFill>
+            <a:blip r:embed="rId15">
+              <a:extLst>
+                <a:ext uri="{28A0092B-C50C-407E-A947-70E740481C1C}">
+                  <a14:useLocalDpi xmlns:a14="http://schemas.microsoft.com/office/drawing/2010/main" val="0"/>
+                </a:ext>
+              </a:extLst>
+            </a:blip>
+            <a:srcRect/>
+            <a:stretch>
+              <a:fillRect/>
+            </a:stretch>
+          </p:blipFill>
+          <p:spPr bwMode="auto">
+            <a:xfrm>
+              <a:off x="7993735" y="15604099"/>
+              <a:ext cx="4073429" cy="2800482"/>
+            </a:xfrm>
+            <a:prstGeom prst="rect">
+              <a:avLst/>
+            </a:prstGeom>
+            <a:noFill/>
+            <a:extLst>
+              <a:ext uri="{909E8E84-426E-40DD-AFC4-6F175D3DCCD1}">
+                <a14:hiddenFill xmlns:a14="http://schemas.microsoft.com/office/drawing/2010/main">
+                  <a:solidFill>
+                    <a:srgbClr val="FFFFFF"/>
+                  </a:solidFill>
+                </a14:hiddenFill>
+              </a:ext>
+            </a:extLst>
+          </p:spPr>
+        </p:pic>
+        <p:pic>
+          <p:nvPicPr>
+            <p:cNvPr id="1030" name="Picture 6" descr="Z:\home\luis\Dropbox\Online Documents\HarvardSchoolWork\Fall2015\cs281\finalproject\crime-prediction\figures\sf_data_analysis\crime_by_year.png"/>
+            <p:cNvPicPr>
+              <a:picLocks noChangeAspect="1" noChangeArrowheads="1"/>
+            </p:cNvPicPr>
+            <p:nvPr/>
+          </p:nvPicPr>
+          <p:blipFill>
+            <a:blip r:embed="rId16" cstate="print">
+              <a:extLst>
+                <a:ext uri="{28A0092B-C50C-407E-A947-70E740481C1C}">
+                  <a14:useLocalDpi xmlns:a14="http://schemas.microsoft.com/office/drawing/2010/main" val="0"/>
+                </a:ext>
+              </a:extLst>
+            </a:blip>
+            <a:srcRect/>
+            <a:stretch>
+              <a:fillRect/>
+            </a:stretch>
+          </p:blipFill>
+          <p:spPr bwMode="auto">
+            <a:xfrm>
+              <a:off x="7932195" y="18404581"/>
+              <a:ext cx="4134970" cy="2498831"/>
+            </a:xfrm>
+            <a:prstGeom prst="rect">
+              <a:avLst/>
+            </a:prstGeom>
+            <a:noFill/>
+            <a:extLst>
+              <a:ext uri="{909E8E84-426E-40DD-AFC4-6F175D3DCCD1}">
+                <a14:hiddenFill xmlns:a14="http://schemas.microsoft.com/office/drawing/2010/main">
+                  <a:solidFill>
+                    <a:srgbClr val="FFFFFF"/>
+                  </a:solidFill>
+                </a14:hiddenFill>
+              </a:ext>
+            </a:extLst>
+          </p:spPr>
+        </p:pic>
+        <p:pic>
+          <p:nvPicPr>
+            <p:cNvPr id="1031" name="Picture 7" descr="Z:\home\luis\Dropbox\Online Documents\HarvardSchoolWork\Fall2015\cs281\finalproject\crime-prediction\figures\boston_data_analysis\crimes_by_year.png"/>
+            <p:cNvPicPr>
+              <a:picLocks noChangeAspect="1" noChangeArrowheads="1"/>
+            </p:cNvPicPr>
+            <p:nvPr/>
+          </p:nvPicPr>
+          <p:blipFill>
+            <a:blip r:embed="rId17" cstate="print">
+              <a:extLst>
+                <a:ext uri="{28A0092B-C50C-407E-A947-70E740481C1C}">
+                  <a14:useLocalDpi xmlns:a14="http://schemas.microsoft.com/office/drawing/2010/main" val="0"/>
+                </a:ext>
+              </a:extLst>
+            </a:blip>
+            <a:srcRect/>
+            <a:stretch>
+              <a:fillRect/>
+            </a:stretch>
+          </p:blipFill>
+          <p:spPr bwMode="auto">
+            <a:xfrm>
+              <a:off x="3920305" y="18294885"/>
+              <a:ext cx="4230908" cy="2646916"/>
+            </a:xfrm>
+            <a:prstGeom prst="rect">
+              <a:avLst/>
+            </a:prstGeom>
+            <a:noFill/>
+            <a:extLst>
+              <a:ext uri="{909E8E84-426E-40DD-AFC4-6F175D3DCCD1}">
+                <a14:hiddenFill xmlns:a14="http://schemas.microsoft.com/office/drawing/2010/main">
+                  <a:solidFill>
+                    <a:srgbClr val="FFFFFF"/>
+                  </a:solidFill>
+                </a14:hiddenFill>
+              </a:ext>
+            </a:extLst>
+          </p:spPr>
+        </p:pic>
+      </p:grpSp>
+      <p:sp>
+        <p:nvSpPr>
+          <p:cNvPr id="46" name="TextBox 45"/>
+          <p:cNvSpPr txBox="1"/>
+          <p:nvPr/>
+        </p:nvSpPr>
         <p:spPr>
           <a:xfrm>
-            <a:off x="36866671" y="20941801"/>
-            <a:ext cx="6072473" cy="4174825"/>
+            <a:off x="2633561" y="21110099"/>
+            <a:ext cx="9157110" cy="830997"/>
           </a:xfrm>
           <a:prstGeom prst="rect">
             <a:avLst/>
           </a:prstGeom>
-        </p:spPr>
-      </p:pic>
-      <p:pic>
-        <p:nvPicPr>
-          <p:cNvPr id="15" name="Picture 14"/>
-          <p:cNvPicPr>
-            <a:picLocks noChangeAspect="1"/>
-          </p:cNvPicPr>
+          <a:solidFill>
+            <a:srgbClr val="E5BABA"/>
+          </a:solidFill>
+        </p:spPr>
+        <p:txBody>
+          <a:bodyPr wrap="square" rtlCol="0">
+            <a:spAutoFit/>
+          </a:bodyPr>
+          <a:lstStyle/>
+          <a:p>
+            <a:r>
+              <a:rPr lang="en-US" sz="2400" dirty="0" smtClean="0">
+                <a:solidFill>
+                  <a:srgbClr val="2D1E3E"/>
+                </a:solidFill>
+              </a:rPr>
+              <a:t>Patterns in data the city crime data for Boston (left) and San </a:t>
+            </a:r>
+            <a:r>
+              <a:rPr lang="en-US" sz="2400" dirty="0" err="1" smtClean="0">
+                <a:solidFill>
+                  <a:srgbClr val="2D1E3E"/>
+                </a:solidFill>
+              </a:rPr>
+              <a:t>Franscisco</a:t>
+            </a:r>
+            <a:r>
+              <a:rPr lang="en-US" sz="2400" dirty="0" smtClean="0">
+                <a:solidFill>
+                  <a:srgbClr val="2D1E3E"/>
+                </a:solidFill>
+              </a:rPr>
+              <a:t> (right) for a representative year (top) and over all years (bottom)</a:t>
+            </a:r>
+            <a:endParaRPr lang="en-US" sz="2400" dirty="0"/>
+          </a:p>
+        </p:txBody>
+      </p:sp>
+      <p:grpSp>
+        <p:nvGrpSpPr>
+          <p:cNvPr id="5" name="Group 4"/>
+          <p:cNvGrpSpPr/>
           <p:nvPr/>
-        </p:nvPicPr>
-        <p:blipFill>
-          <a:blip r:embed="rId15">
-            <a:extLst>
-              <a:ext uri="{28A0092B-C50C-407E-A947-70E740481C1C}">
-                <a14:useLocalDpi xmlns:a14="http://schemas.microsoft.com/office/drawing/2010/main" val="0"/>
-              </a:ext>
-            </a:extLst>
-          </a:blip>
-          <a:stretch>
-            <a:fillRect/>
-          </a:stretch>
-        </p:blipFill>
-        <p:spPr>
+        </p:nvGrpSpPr>
+        <p:grpSpPr>
           <a:xfrm>
-            <a:off x="7901257" y="22671536"/>
-            <a:ext cx="5989787" cy="4117978"/>
-          </a:xfrm>
-          <a:prstGeom prst="rect">
+            <a:off x="20574000" y="22541259"/>
+            <a:ext cx="2743200" cy="1489377"/>
+            <a:chOff x="20574000" y="22435793"/>
+            <a:chExt cx="3219450" cy="1594843"/>
+          </a:xfrm>
+        </p:grpSpPr>
+        <p:sp>
+          <p:nvSpPr>
+            <p:cNvPr id="10" name="Rectangle 9"/>
+            <p:cNvSpPr/>
+            <p:nvPr/>
+          </p:nvSpPr>
+          <p:spPr>
+            <a:xfrm>
+              <a:off x="20574000" y="22435793"/>
+              <a:ext cx="3219450" cy="1594843"/>
+            </a:xfrm>
+            <a:prstGeom prst="rect">
+              <a:avLst/>
+            </a:prstGeom>
+          </p:spPr>
+          <p:style>
+            <a:lnRef idx="2">
+              <a:schemeClr val="accent1">
+                <a:shade val="50000"/>
+              </a:schemeClr>
+            </a:lnRef>
+            <a:fillRef idx="1">
+              <a:schemeClr val="accent1"/>
+            </a:fillRef>
+            <a:effectRef idx="0">
+              <a:schemeClr val="accent1"/>
+            </a:effectRef>
+            <a:fontRef idx="minor">
+              <a:schemeClr val="lt1"/>
+            </a:fontRef>
+          </p:style>
+          <p:txBody>
+            <a:bodyPr rtlCol="0" anchor="ctr"/>
+            <a:lstStyle/>
+            <a:p>
+              <a:pPr algn="ctr"/>
+              <a:endParaRPr lang="en-US" sz="3600" dirty="0"/>
+            </a:p>
+            <a:p>
+              <a:pPr algn="ctr"/>
+              <a:endParaRPr lang="en-US" sz="3200" dirty="0" smtClean="0"/>
+            </a:p>
+            <a:p>
+              <a:pPr algn="ctr"/>
+              <a:r>
+                <a:rPr lang="en-US" sz="3200" dirty="0" smtClean="0"/>
+                <a:t>Input </a:t>
+              </a:r>
+              <a:r>
+                <a:rPr lang="en-US" sz="2800" dirty="0" smtClean="0"/>
+                <a:t>Vector 1</a:t>
+              </a:r>
+              <a:endParaRPr lang="en-US" sz="2800" dirty="0"/>
+            </a:p>
+          </p:txBody>
+        </p:sp>
+        <p:sp>
+          <p:nvSpPr>
+            <p:cNvPr id="8" name="Oval 7"/>
+            <p:cNvSpPr/>
+            <p:nvPr/>
+          </p:nvSpPr>
+          <p:spPr>
+            <a:xfrm>
+              <a:off x="20645651" y="22541257"/>
+              <a:ext cx="999093" cy="896333"/>
+            </a:xfrm>
+            <a:prstGeom prst="ellipse">
+              <a:avLst/>
+            </a:prstGeom>
+          </p:spPr>
+          <p:style>
+            <a:lnRef idx="2">
+              <a:schemeClr val="accent3">
+                <a:shade val="50000"/>
+              </a:schemeClr>
+            </a:lnRef>
+            <a:fillRef idx="1">
+              <a:schemeClr val="accent3"/>
+            </a:fillRef>
+            <a:effectRef idx="0">
+              <a:schemeClr val="accent3"/>
+            </a:effectRef>
+            <a:fontRef idx="minor">
+              <a:schemeClr val="lt1"/>
+            </a:fontRef>
+          </p:style>
+          <p:txBody>
+            <a:bodyPr rtlCol="0" anchor="ctr"/>
+            <a:lstStyle/>
+            <a:p>
+              <a:pPr algn="ctr"/>
+              <a:r>
+                <a:rPr lang="en-US" sz="1800" dirty="0" smtClean="0"/>
+                <a:t>X.</a:t>
+              </a:r>
+              <a:endParaRPr lang="en-US" sz="1800" dirty="0"/>
+            </a:p>
+          </p:txBody>
+        </p:sp>
+        <p:sp>
+          <p:nvSpPr>
+            <p:cNvPr id="49" name="Oval 48"/>
+            <p:cNvSpPr/>
+            <p:nvPr/>
+          </p:nvSpPr>
+          <p:spPr>
+            <a:xfrm>
+              <a:off x="21644744" y="22541258"/>
+              <a:ext cx="999093" cy="896333"/>
+            </a:xfrm>
+            <a:prstGeom prst="ellipse">
+              <a:avLst/>
+            </a:prstGeom>
+          </p:spPr>
+          <p:style>
+            <a:lnRef idx="2">
+              <a:schemeClr val="accent3">
+                <a:shade val="50000"/>
+              </a:schemeClr>
+            </a:lnRef>
+            <a:fillRef idx="1">
+              <a:schemeClr val="accent3"/>
+            </a:fillRef>
+            <a:effectRef idx="0">
+              <a:schemeClr val="accent3"/>
+            </a:effectRef>
+            <a:fontRef idx="minor">
+              <a:schemeClr val="lt1"/>
+            </a:fontRef>
+          </p:style>
+          <p:txBody>
+            <a:bodyPr rtlCol="0" anchor="ctr"/>
+            <a:lstStyle/>
+            <a:p>
+              <a:pPr algn="ctr"/>
+              <a:r>
+                <a:rPr lang="en-US" sz="1800" dirty="0" smtClean="0"/>
+                <a:t>Y</a:t>
+              </a:r>
+              <a:endParaRPr lang="en-US" sz="1800" dirty="0"/>
+            </a:p>
+          </p:txBody>
+        </p:sp>
+        <p:sp>
+          <p:nvSpPr>
+            <p:cNvPr id="50" name="Oval 49"/>
+            <p:cNvSpPr/>
+            <p:nvPr/>
+          </p:nvSpPr>
+          <p:spPr>
+            <a:xfrm>
+              <a:off x="22643837" y="22541259"/>
+              <a:ext cx="999093" cy="896333"/>
+            </a:xfrm>
+            <a:prstGeom prst="ellipse">
+              <a:avLst/>
+            </a:prstGeom>
+          </p:spPr>
+          <p:style>
+            <a:lnRef idx="2">
+              <a:schemeClr val="accent3">
+                <a:shade val="50000"/>
+              </a:schemeClr>
+            </a:lnRef>
+            <a:fillRef idx="1">
+              <a:schemeClr val="accent3"/>
+            </a:fillRef>
+            <a:effectRef idx="0">
+              <a:schemeClr val="accent3"/>
+            </a:effectRef>
+            <a:fontRef idx="minor">
+              <a:schemeClr val="lt1"/>
+            </a:fontRef>
+          </p:style>
+          <p:txBody>
+            <a:bodyPr rtlCol="0" anchor="ctr"/>
+            <a:lstStyle/>
+            <a:p>
+              <a:pPr algn="ctr"/>
+              <a:r>
+                <a:rPr lang="en-US" sz="1800" dirty="0" smtClean="0"/>
+                <a:t>T</a:t>
+              </a:r>
+              <a:endParaRPr lang="en-US" sz="2000" dirty="0"/>
+            </a:p>
+          </p:txBody>
+        </p:sp>
+      </p:grpSp>
+      <p:sp>
+        <p:nvSpPr>
+          <p:cNvPr id="16" name="Oval 15"/>
+          <p:cNvSpPr/>
+          <p:nvPr/>
+        </p:nvSpPr>
+        <p:spPr>
+          <a:xfrm>
+            <a:off x="21486350" y="20926688"/>
+            <a:ext cx="715898" cy="756149"/>
+          </a:xfrm>
+          <a:prstGeom prst="ellipse">
             <a:avLst/>
           </a:prstGeom>
         </p:spPr>
-      </p:pic>
+        <p:style>
+          <a:lnRef idx="2">
+            <a:schemeClr val="accent5"/>
+          </a:lnRef>
+          <a:fillRef idx="1">
+            <a:schemeClr val="lt1"/>
+          </a:fillRef>
+          <a:effectRef idx="0">
+            <a:schemeClr val="accent5"/>
+          </a:effectRef>
+          <a:fontRef idx="minor">
+            <a:schemeClr val="dk1"/>
+          </a:fontRef>
+        </p:style>
+        <p:txBody>
+          <a:bodyPr rtlCol="0" anchor="ctr"/>
+          <a:lstStyle/>
+          <a:p>
+            <a:pPr algn="ctr"/>
+            <a:r>
+              <a:rPr lang="en-US" sz="2800" dirty="0" smtClean="0"/>
+              <a:t>f1</a:t>
+            </a:r>
+            <a:endParaRPr lang="en-US" sz="2800" dirty="0"/>
+          </a:p>
+        </p:txBody>
+      </p:sp>
+      <p:sp>
+        <p:nvSpPr>
+          <p:cNvPr id="61" name="Oval 60"/>
+          <p:cNvSpPr/>
+          <p:nvPr/>
+        </p:nvSpPr>
+        <p:spPr>
+          <a:xfrm>
+            <a:off x="24496250" y="20926687"/>
+            <a:ext cx="715898" cy="756149"/>
+          </a:xfrm>
+          <a:prstGeom prst="ellipse">
+            <a:avLst/>
+          </a:prstGeom>
+        </p:spPr>
+        <p:style>
+          <a:lnRef idx="2">
+            <a:schemeClr val="accent5"/>
+          </a:lnRef>
+          <a:fillRef idx="1">
+            <a:schemeClr val="lt1"/>
+          </a:fillRef>
+          <a:effectRef idx="0">
+            <a:schemeClr val="accent5"/>
+          </a:effectRef>
+          <a:fontRef idx="minor">
+            <a:schemeClr val="dk1"/>
+          </a:fontRef>
+        </p:style>
+        <p:txBody>
+          <a:bodyPr rtlCol="0" anchor="ctr"/>
+          <a:lstStyle/>
+          <a:p>
+            <a:pPr algn="ctr"/>
+            <a:r>
+              <a:rPr lang="en-US" sz="2800" dirty="0" smtClean="0"/>
+              <a:t>f2</a:t>
+            </a:r>
+            <a:endParaRPr lang="en-US" sz="2800" dirty="0"/>
+          </a:p>
+        </p:txBody>
+      </p:sp>
+      <p:cxnSp>
+        <p:nvCxnSpPr>
+          <p:cNvPr id="18" name="Straight Connector 17"/>
+          <p:cNvCxnSpPr>
+            <a:stCxn id="16" idx="6"/>
+            <a:endCxn id="61" idx="2"/>
+          </p:cNvCxnSpPr>
+          <p:nvPr/>
+        </p:nvCxnSpPr>
+        <p:spPr>
+          <a:xfrm flipV="1">
+            <a:off x="22202248" y="21304762"/>
+            <a:ext cx="2294002" cy="1"/>
+          </a:xfrm>
+          <a:prstGeom prst="line">
+            <a:avLst/>
+          </a:prstGeom>
+          <a:ln w="38100"/>
+        </p:spPr>
+        <p:style>
+          <a:lnRef idx="1">
+            <a:schemeClr val="dk1"/>
+          </a:lnRef>
+          <a:fillRef idx="0">
+            <a:schemeClr val="dk1"/>
+          </a:fillRef>
+          <a:effectRef idx="0">
+            <a:schemeClr val="dk1"/>
+          </a:effectRef>
+          <a:fontRef idx="minor">
+            <a:schemeClr val="tx1"/>
+          </a:fontRef>
+        </p:style>
+      </p:cxnSp>
+      <p:cxnSp>
+        <p:nvCxnSpPr>
+          <p:cNvPr id="26" name="Straight Arrow Connector 25"/>
+          <p:cNvCxnSpPr>
+            <a:endCxn id="16" idx="3"/>
+          </p:cNvCxnSpPr>
+          <p:nvPr/>
+        </p:nvCxnSpPr>
+        <p:spPr>
+          <a:xfrm flipV="1">
+            <a:off x="21213206" y="21572102"/>
+            <a:ext cx="377985" cy="1074771"/>
+          </a:xfrm>
+          <a:prstGeom prst="straightConnector1">
+            <a:avLst/>
+          </a:prstGeom>
+          <a:ln w="38100">
+            <a:tailEnd type="arrow"/>
+          </a:ln>
+        </p:spPr>
+        <p:style>
+          <a:lnRef idx="1">
+            <a:schemeClr val="dk1"/>
+          </a:lnRef>
+          <a:fillRef idx="0">
+            <a:schemeClr val="dk1"/>
+          </a:fillRef>
+          <a:effectRef idx="0">
+            <a:schemeClr val="dk1"/>
+          </a:effectRef>
+          <a:fontRef idx="minor">
+            <a:schemeClr val="tx1"/>
+          </a:fontRef>
+        </p:style>
+      </p:cxnSp>
+      <p:cxnSp>
+        <p:nvCxnSpPr>
+          <p:cNvPr id="69" name="Straight Arrow Connector 68"/>
+          <p:cNvCxnSpPr>
+            <a:stCxn id="49" idx="0"/>
+            <a:endCxn id="16" idx="4"/>
+          </p:cNvCxnSpPr>
+          <p:nvPr/>
+        </p:nvCxnSpPr>
+        <p:spPr>
+          <a:xfrm flipH="1" flipV="1">
+            <a:off x="21844299" y="21682837"/>
+            <a:ext cx="67700" cy="956913"/>
+          </a:xfrm>
+          <a:prstGeom prst="straightConnector1">
+            <a:avLst/>
+          </a:prstGeom>
+          <a:ln w="38100">
+            <a:tailEnd type="arrow"/>
+          </a:ln>
+        </p:spPr>
+        <p:style>
+          <a:lnRef idx="1">
+            <a:schemeClr val="dk1"/>
+          </a:lnRef>
+          <a:fillRef idx="0">
+            <a:schemeClr val="dk1"/>
+          </a:fillRef>
+          <a:effectRef idx="0">
+            <a:schemeClr val="dk1"/>
+          </a:effectRef>
+          <a:fontRef idx="minor">
+            <a:schemeClr val="tx1"/>
+          </a:fontRef>
+        </p:style>
+      </p:cxnSp>
+      <p:cxnSp>
+        <p:nvCxnSpPr>
+          <p:cNvPr id="70" name="Straight Arrow Connector 69"/>
+          <p:cNvCxnSpPr>
+            <a:stCxn id="50" idx="0"/>
+            <a:endCxn id="16" idx="5"/>
+          </p:cNvCxnSpPr>
+          <p:nvPr/>
+        </p:nvCxnSpPr>
+        <p:spPr>
+          <a:xfrm flipH="1" flipV="1">
+            <a:off x="22097407" y="21572102"/>
+            <a:ext cx="665890" cy="1067649"/>
+          </a:xfrm>
+          <a:prstGeom prst="straightConnector1">
+            <a:avLst/>
+          </a:prstGeom>
+          <a:ln w="38100">
+            <a:tailEnd type="arrow"/>
+          </a:ln>
+        </p:spPr>
+        <p:style>
+          <a:lnRef idx="1">
+            <a:schemeClr val="dk1"/>
+          </a:lnRef>
+          <a:fillRef idx="0">
+            <a:schemeClr val="dk1"/>
+          </a:fillRef>
+          <a:effectRef idx="0">
+            <a:schemeClr val="dk1"/>
+          </a:effectRef>
+          <a:fontRef idx="minor">
+            <a:schemeClr val="tx1"/>
+          </a:fontRef>
+        </p:style>
+      </p:cxnSp>
+      <p:cxnSp>
+        <p:nvCxnSpPr>
+          <p:cNvPr id="79" name="Straight Arrow Connector 78"/>
+          <p:cNvCxnSpPr>
+            <a:stCxn id="16" idx="0"/>
+          </p:cNvCxnSpPr>
+          <p:nvPr/>
+        </p:nvCxnSpPr>
+        <p:spPr>
+          <a:xfrm flipV="1">
+            <a:off x="21844299" y="20307300"/>
+            <a:ext cx="0" cy="619388"/>
+          </a:xfrm>
+          <a:prstGeom prst="straightConnector1">
+            <a:avLst/>
+          </a:prstGeom>
+          <a:ln w="38100">
+            <a:tailEnd type="arrow"/>
+          </a:ln>
+        </p:spPr>
+        <p:style>
+          <a:lnRef idx="1">
+            <a:schemeClr val="dk1"/>
+          </a:lnRef>
+          <a:fillRef idx="0">
+            <a:schemeClr val="dk1"/>
+          </a:fillRef>
+          <a:effectRef idx="0">
+            <a:schemeClr val="dk1"/>
+          </a:effectRef>
+          <a:fontRef idx="minor">
+            <a:schemeClr val="tx1"/>
+          </a:fontRef>
+        </p:style>
+      </p:cxnSp>
+      <p:cxnSp>
+        <p:nvCxnSpPr>
+          <p:cNvPr id="82" name="Straight Arrow Connector 81"/>
+          <p:cNvCxnSpPr/>
+          <p:nvPr/>
+        </p:nvCxnSpPr>
+        <p:spPr>
+          <a:xfrm flipV="1">
+            <a:off x="24881998" y="20307300"/>
+            <a:ext cx="6051" cy="634501"/>
+          </a:xfrm>
+          <a:prstGeom prst="straightConnector1">
+            <a:avLst/>
+          </a:prstGeom>
+          <a:ln w="38100">
+            <a:tailEnd type="arrow"/>
+          </a:ln>
+        </p:spPr>
+        <p:style>
+          <a:lnRef idx="1">
+            <a:schemeClr val="dk1"/>
+          </a:lnRef>
+          <a:fillRef idx="0">
+            <a:schemeClr val="dk1"/>
+          </a:fillRef>
+          <a:effectRef idx="0">
+            <a:schemeClr val="dk1"/>
+          </a:effectRef>
+          <a:fontRef idx="minor">
+            <a:schemeClr val="tx1"/>
+          </a:fontRef>
+        </p:style>
+      </p:cxnSp>
+      <p:sp>
+        <p:nvSpPr>
+          <p:cNvPr id="92" name="Oval 91"/>
+          <p:cNvSpPr/>
+          <p:nvPr/>
+        </p:nvSpPr>
+        <p:spPr>
+          <a:xfrm>
+            <a:off x="21402198" y="19551151"/>
+            <a:ext cx="800050" cy="756149"/>
+          </a:xfrm>
+          <a:prstGeom prst="ellipse">
+            <a:avLst/>
+          </a:prstGeom>
+        </p:spPr>
+        <p:style>
+          <a:lnRef idx="2">
+            <a:schemeClr val="accent3">
+              <a:shade val="50000"/>
+            </a:schemeClr>
+          </a:lnRef>
+          <a:fillRef idx="1">
+            <a:schemeClr val="accent3"/>
+          </a:fillRef>
+          <a:effectRef idx="0">
+            <a:schemeClr val="accent3"/>
+          </a:effectRef>
+          <a:fontRef idx="minor">
+            <a:schemeClr val="lt1"/>
+          </a:fontRef>
+        </p:style>
+        <p:txBody>
+          <a:bodyPr rtlCol="0" anchor="ctr"/>
+          <a:lstStyle/>
+          <a:p>
+            <a:pPr algn="ctr"/>
+            <a:r>
+              <a:rPr lang="en-US" sz="2800" dirty="0" smtClean="0"/>
+              <a:t>c1</a:t>
+            </a:r>
+            <a:endParaRPr lang="en-US" sz="2800" dirty="0"/>
+          </a:p>
+        </p:txBody>
+      </p:sp>
+      <p:sp>
+        <p:nvSpPr>
+          <p:cNvPr id="93" name="Oval 92"/>
+          <p:cNvSpPr/>
+          <p:nvPr/>
+        </p:nvSpPr>
+        <p:spPr>
+          <a:xfrm>
+            <a:off x="24412098" y="19551150"/>
+            <a:ext cx="800050" cy="756149"/>
+          </a:xfrm>
+          <a:prstGeom prst="ellipse">
+            <a:avLst/>
+          </a:prstGeom>
+        </p:spPr>
+        <p:style>
+          <a:lnRef idx="2">
+            <a:schemeClr val="accent3">
+              <a:shade val="50000"/>
+            </a:schemeClr>
+          </a:lnRef>
+          <a:fillRef idx="1">
+            <a:schemeClr val="accent3"/>
+          </a:fillRef>
+          <a:effectRef idx="0">
+            <a:schemeClr val="accent3"/>
+          </a:effectRef>
+          <a:fontRef idx="minor">
+            <a:schemeClr val="lt1"/>
+          </a:fontRef>
+        </p:style>
+        <p:txBody>
+          <a:bodyPr rtlCol="0" anchor="ctr"/>
+          <a:lstStyle/>
+          <a:p>
+            <a:pPr algn="ctr"/>
+            <a:r>
+              <a:rPr lang="en-US" sz="2800" dirty="0" smtClean="0"/>
+              <a:t>c2</a:t>
+            </a:r>
+            <a:endParaRPr lang="en-US" sz="2800" dirty="0"/>
+          </a:p>
+        </p:txBody>
+      </p:sp>
+      <p:grpSp>
+        <p:nvGrpSpPr>
+          <p:cNvPr id="95" name="Group 94"/>
+          <p:cNvGrpSpPr/>
+          <p:nvPr/>
+        </p:nvGrpSpPr>
+        <p:grpSpPr>
+          <a:xfrm>
+            <a:off x="23735707" y="22548381"/>
+            <a:ext cx="2743200" cy="1489377"/>
+            <a:chOff x="20574000" y="22435793"/>
+            <a:chExt cx="3219450" cy="1594843"/>
+          </a:xfrm>
+        </p:grpSpPr>
+        <p:sp>
+          <p:nvSpPr>
+            <p:cNvPr id="96" name="Rectangle 95"/>
+            <p:cNvSpPr/>
+            <p:nvPr/>
+          </p:nvSpPr>
+          <p:spPr>
+            <a:xfrm>
+              <a:off x="20574000" y="22435793"/>
+              <a:ext cx="3219450" cy="1594843"/>
+            </a:xfrm>
+            <a:prstGeom prst="rect">
+              <a:avLst/>
+            </a:prstGeom>
+          </p:spPr>
+          <p:style>
+            <a:lnRef idx="2">
+              <a:schemeClr val="accent1">
+                <a:shade val="50000"/>
+              </a:schemeClr>
+            </a:lnRef>
+            <a:fillRef idx="1">
+              <a:schemeClr val="accent1"/>
+            </a:fillRef>
+            <a:effectRef idx="0">
+              <a:schemeClr val="accent1"/>
+            </a:effectRef>
+            <a:fontRef idx="minor">
+              <a:schemeClr val="lt1"/>
+            </a:fontRef>
+          </p:style>
+          <p:txBody>
+            <a:bodyPr rtlCol="0" anchor="ctr"/>
+            <a:lstStyle/>
+            <a:p>
+              <a:pPr algn="ctr"/>
+              <a:endParaRPr lang="en-US" sz="3600" dirty="0"/>
+            </a:p>
+            <a:p>
+              <a:pPr algn="ctr"/>
+              <a:endParaRPr lang="en-US" sz="3200" dirty="0" smtClean="0"/>
+            </a:p>
+            <a:p>
+              <a:pPr algn="ctr"/>
+              <a:r>
+                <a:rPr lang="en-US" sz="3200" dirty="0" smtClean="0"/>
+                <a:t>Input </a:t>
+              </a:r>
+              <a:r>
+                <a:rPr lang="en-US" sz="2800" dirty="0" smtClean="0"/>
+                <a:t>Vector 2</a:t>
+              </a:r>
+              <a:endParaRPr lang="en-US" sz="2800" dirty="0"/>
+            </a:p>
+          </p:txBody>
+        </p:sp>
+        <p:sp>
+          <p:nvSpPr>
+            <p:cNvPr id="97" name="Oval 96"/>
+            <p:cNvSpPr/>
+            <p:nvPr/>
+          </p:nvSpPr>
+          <p:spPr>
+            <a:xfrm>
+              <a:off x="20645651" y="22541257"/>
+              <a:ext cx="999093" cy="896333"/>
+            </a:xfrm>
+            <a:prstGeom prst="ellipse">
+              <a:avLst/>
+            </a:prstGeom>
+          </p:spPr>
+          <p:style>
+            <a:lnRef idx="2">
+              <a:schemeClr val="accent3">
+                <a:shade val="50000"/>
+              </a:schemeClr>
+            </a:lnRef>
+            <a:fillRef idx="1">
+              <a:schemeClr val="accent3"/>
+            </a:fillRef>
+            <a:effectRef idx="0">
+              <a:schemeClr val="accent3"/>
+            </a:effectRef>
+            <a:fontRef idx="minor">
+              <a:schemeClr val="lt1"/>
+            </a:fontRef>
+          </p:style>
+          <p:txBody>
+            <a:bodyPr rtlCol="0" anchor="ctr"/>
+            <a:lstStyle/>
+            <a:p>
+              <a:pPr algn="ctr"/>
+              <a:r>
+                <a:rPr lang="en-US" sz="1800" dirty="0" smtClean="0"/>
+                <a:t>X.</a:t>
+              </a:r>
+              <a:endParaRPr lang="en-US" sz="1800" dirty="0"/>
+            </a:p>
+          </p:txBody>
+        </p:sp>
+        <p:sp>
+          <p:nvSpPr>
+            <p:cNvPr id="98" name="Oval 97"/>
+            <p:cNvSpPr/>
+            <p:nvPr/>
+          </p:nvSpPr>
+          <p:spPr>
+            <a:xfrm>
+              <a:off x="21644744" y="22541258"/>
+              <a:ext cx="999093" cy="896333"/>
+            </a:xfrm>
+            <a:prstGeom prst="ellipse">
+              <a:avLst/>
+            </a:prstGeom>
+          </p:spPr>
+          <p:style>
+            <a:lnRef idx="2">
+              <a:schemeClr val="accent3">
+                <a:shade val="50000"/>
+              </a:schemeClr>
+            </a:lnRef>
+            <a:fillRef idx="1">
+              <a:schemeClr val="accent3"/>
+            </a:fillRef>
+            <a:effectRef idx="0">
+              <a:schemeClr val="accent3"/>
+            </a:effectRef>
+            <a:fontRef idx="minor">
+              <a:schemeClr val="lt1"/>
+            </a:fontRef>
+          </p:style>
+          <p:txBody>
+            <a:bodyPr rtlCol="0" anchor="ctr"/>
+            <a:lstStyle/>
+            <a:p>
+              <a:pPr algn="ctr"/>
+              <a:r>
+                <a:rPr lang="en-US" sz="1800" dirty="0" smtClean="0"/>
+                <a:t>Y</a:t>
+              </a:r>
+              <a:endParaRPr lang="en-US" sz="1800" dirty="0"/>
+            </a:p>
+          </p:txBody>
+        </p:sp>
+        <p:sp>
+          <p:nvSpPr>
+            <p:cNvPr id="99" name="Oval 98"/>
+            <p:cNvSpPr/>
+            <p:nvPr/>
+          </p:nvSpPr>
+          <p:spPr>
+            <a:xfrm>
+              <a:off x="22643837" y="22541259"/>
+              <a:ext cx="999093" cy="896333"/>
+            </a:xfrm>
+            <a:prstGeom prst="ellipse">
+              <a:avLst/>
+            </a:prstGeom>
+          </p:spPr>
+          <p:style>
+            <a:lnRef idx="2">
+              <a:schemeClr val="accent3">
+                <a:shade val="50000"/>
+              </a:schemeClr>
+            </a:lnRef>
+            <a:fillRef idx="1">
+              <a:schemeClr val="accent3"/>
+            </a:fillRef>
+            <a:effectRef idx="0">
+              <a:schemeClr val="accent3"/>
+            </a:effectRef>
+            <a:fontRef idx="minor">
+              <a:schemeClr val="lt1"/>
+            </a:fontRef>
+          </p:style>
+          <p:txBody>
+            <a:bodyPr rtlCol="0" anchor="ctr"/>
+            <a:lstStyle/>
+            <a:p>
+              <a:pPr algn="ctr"/>
+              <a:r>
+                <a:rPr lang="en-US" sz="1800" dirty="0" smtClean="0"/>
+                <a:t>T</a:t>
+              </a:r>
+              <a:endParaRPr lang="en-US" sz="2000" dirty="0"/>
+            </a:p>
+          </p:txBody>
+        </p:sp>
+      </p:grpSp>
+      <p:cxnSp>
+        <p:nvCxnSpPr>
+          <p:cNvPr id="75" name="Straight Arrow Connector 74"/>
+          <p:cNvCxnSpPr/>
+          <p:nvPr/>
+        </p:nvCxnSpPr>
+        <p:spPr>
+          <a:xfrm flipV="1">
+            <a:off x="24223106" y="21621183"/>
+            <a:ext cx="377985" cy="1074771"/>
+          </a:xfrm>
+          <a:prstGeom prst="straightConnector1">
+            <a:avLst/>
+          </a:prstGeom>
+          <a:ln w="38100">
+            <a:tailEnd type="arrow"/>
+          </a:ln>
+        </p:spPr>
+        <p:style>
+          <a:lnRef idx="1">
+            <a:schemeClr val="dk1"/>
+          </a:lnRef>
+          <a:fillRef idx="0">
+            <a:schemeClr val="dk1"/>
+          </a:fillRef>
+          <a:effectRef idx="0">
+            <a:schemeClr val="dk1"/>
+          </a:effectRef>
+          <a:fontRef idx="minor">
+            <a:schemeClr val="tx1"/>
+          </a:fontRef>
+        </p:style>
+      </p:cxnSp>
+      <p:cxnSp>
+        <p:nvCxnSpPr>
+          <p:cNvPr id="76" name="Straight Arrow Connector 75"/>
+          <p:cNvCxnSpPr/>
+          <p:nvPr/>
+        </p:nvCxnSpPr>
+        <p:spPr>
+          <a:xfrm flipH="1" flipV="1">
+            <a:off x="24854199" y="21731918"/>
+            <a:ext cx="67700" cy="956913"/>
+          </a:xfrm>
+          <a:prstGeom prst="straightConnector1">
+            <a:avLst/>
+          </a:prstGeom>
+          <a:ln w="38100">
+            <a:tailEnd type="arrow"/>
+          </a:ln>
+        </p:spPr>
+        <p:style>
+          <a:lnRef idx="1">
+            <a:schemeClr val="dk1"/>
+          </a:lnRef>
+          <a:fillRef idx="0">
+            <a:schemeClr val="dk1"/>
+          </a:fillRef>
+          <a:effectRef idx="0">
+            <a:schemeClr val="dk1"/>
+          </a:effectRef>
+          <a:fontRef idx="minor">
+            <a:schemeClr val="tx1"/>
+          </a:fontRef>
+        </p:style>
+      </p:cxnSp>
+      <p:cxnSp>
+        <p:nvCxnSpPr>
+          <p:cNvPr id="77" name="Straight Arrow Connector 76"/>
+          <p:cNvCxnSpPr/>
+          <p:nvPr/>
+        </p:nvCxnSpPr>
+        <p:spPr>
+          <a:xfrm flipH="1" flipV="1">
+            <a:off x="25107307" y="21621183"/>
+            <a:ext cx="665890" cy="1067649"/>
+          </a:xfrm>
+          <a:prstGeom prst="straightConnector1">
+            <a:avLst/>
+          </a:prstGeom>
+          <a:ln w="38100">
+            <a:tailEnd type="arrow"/>
+          </a:ln>
+        </p:spPr>
+        <p:style>
+          <a:lnRef idx="1">
+            <a:schemeClr val="dk1"/>
+          </a:lnRef>
+          <a:fillRef idx="0">
+            <a:schemeClr val="dk1"/>
+          </a:fillRef>
+          <a:effectRef idx="0">
+            <a:schemeClr val="dk1"/>
+          </a:effectRef>
+          <a:fontRef idx="minor">
+            <a:schemeClr val="tx1"/>
+          </a:fontRef>
+        </p:style>
+      </p:cxnSp>
     </p:spTree>
     <p:extLst>
       <p:ext uri="{BB962C8B-B14F-4D97-AF65-F5344CB8AC3E}">
@@ -5454,7 +6724,7 @@
     </a:clrScheme>
     <a:fontScheme name="Office Theme">
       <a:majorFont>
-        <a:latin typeface="Calibri Light" panose="020F0302020204030204"/>
+        <a:latin typeface="Calibri Light"/>
         <a:ea typeface=""/>
         <a:cs typeface=""/>
         <a:font script="Jpan" typeface="ＭＳ Ｐゴシック"/>
@@ -5489,7 +6759,7 @@
         <a:font script="Geor" typeface="Sylfaen"/>
       </a:majorFont>
       <a:minorFont>
-        <a:latin typeface="Calibri" panose="020F0502020204030204"/>
+        <a:latin typeface="Calibri"/>
         <a:ea typeface=""/>
         <a:cs typeface=""/>
         <a:font script="Jpan" typeface="ＭＳ Ｐゴシック"/>
@@ -5666,7 +6936,7 @@
   <a:extraClrSchemeLst/>
   <a:extLst>
     <a:ext uri="{05A4C25C-085E-4340-85A3-A5531E510DB2}">
-      <thm15:themeFamily xmlns:thm15="http://schemas.microsoft.com/office/thememl/2012/main" name="Office Theme" id="{62F939B6-93AF-4DB8-9C6B-D6C7DFDC589F}" vid="{4A3C46E8-61CC-4603-A589-7422A47A8E4A}"/>
+      <thm15:themeFamily xmlns="" xmlns:thm15="http://schemas.microsoft.com/office/thememl/2012/main" name="Office Theme" id="{62F939B6-93AF-4DB8-9C6B-D6C7DFDC589F}" vid="{4A3C46E8-61CC-4603-A589-7422A47A8E4A}"/>
     </a:ext>
   </a:extLst>
 </a:theme>
@@ -5715,7 +6985,7 @@
     </a:clrScheme>
     <a:fontScheme name="Office">
       <a:majorFont>
-        <a:latin typeface="Calibri Light" panose="020F0302020204030204"/>
+        <a:latin typeface="Calibri Light"/>
         <a:ea typeface=""/>
         <a:cs typeface=""/>
         <a:font script="Jpan" typeface="ＭＳ Ｐゴシック"/>
@@ -5750,7 +7020,7 @@
         <a:font script="Geor" typeface="Sylfaen"/>
       </a:majorFont>
       <a:minorFont>
-        <a:latin typeface="Calibri" panose="020F0502020204030204"/>
+        <a:latin typeface="Calibri"/>
         <a:ea typeface=""/>
         <a:cs typeface=""/>
         <a:font script="Jpan" typeface="ＭＳ Ｐゴシック"/>
@@ -5927,7 +7197,7 @@
   <a:extraClrSchemeLst/>
   <a:extLst>
     <a:ext uri="{05A4C25C-085E-4340-85A3-A5531E510DB2}">
-      <thm15:themeFamily xmlns:thm15="http://schemas.microsoft.com/office/thememl/2012/main" name="Office Theme" id="{62F939B6-93AF-4DB8-9C6B-D6C7DFDC589F}" vid="{4A3C46E8-61CC-4603-A589-7422A47A8E4A}"/>
+      <thm15:themeFamily xmlns="" xmlns:thm15="http://schemas.microsoft.com/office/thememl/2012/main" name="Office Theme" id="{62F939B6-93AF-4DB8-9C6B-D6C7DFDC589F}" vid="{4A3C46E8-61CC-4603-A589-7422A47A8E4A}"/>
     </a:ext>
   </a:extLst>
 </a:theme>

--- a/latex/poster.pptx
+++ b/latex/poster.pptx
@@ -109,7 +109,18 @@
   </p:defaultTextStyle>
   <p:extLst>
     <p:ext uri="{EFAFB233-063F-42B5-8137-9DF3F51BA10A}">
-      <p15:sldGuideLst xmlns="" xmlns:p15="http://schemas.microsoft.com/office/powerpoint/2012/main"/>
+      <p15:sldGuideLst xmlns:p15="http://schemas.microsoft.com/office/powerpoint/2012/main">
+        <p15:guide id="1" orient="horz" pos="10368">
+          <p15:clr>
+            <a:srgbClr val="A4A3A4"/>
+          </p15:clr>
+        </p15:guide>
+        <p15:guide id="2" pos="13824">
+          <p15:clr>
+            <a:srgbClr val="A4A3A4"/>
+          </p15:clr>
+        </p15:guide>
+      </p15:sldGuideLst>
     </p:ext>
   </p:extLst>
 </p:presentation>
@@ -120,7 +131,7 @@
   <p:cmAuthor id="1" name="Alex Wang" initials="AW" lastIdx="3" clrIdx="0">
     <p:extLst>
       <p:ext uri="{19B8F6BF-5375-455C-9EA6-DF929625EA0E}">
-        <p15:presenceInfo xmlns="" xmlns:p15="http://schemas.microsoft.com/office/powerpoint/2012/main" userId="127573a1e9aaad95" providerId="Windows Live"/>
+        <p15:presenceInfo xmlns:p15="http://schemas.microsoft.com/office/powerpoint/2012/main" userId="127573a1e9aaad95" providerId="Windows Live"/>
       </p:ext>
     </p:extLst>
   </p:cmAuthor>
@@ -3511,31 +3522,31 @@
                   <a:srgbClr val="F9F1EC"/>
                 </a:solidFill>
               </a:rPr>
-              <a:t>Luis A. Perez</a:t>
-            </a:r>
-            <a:r>
-              <a:rPr lang="en-US" sz="5400" b="1" baseline="30000" dirty="0" smtClean="0">
+              <a:t>Luis A. </a:t>
+            </a:r>
+            <a:r>
+              <a:rPr lang="en-US" sz="5400" b="1" smtClean="0">
                 <a:solidFill>
                   <a:srgbClr val="F9F1EC"/>
                 </a:solidFill>
               </a:rPr>
-              <a:t>1</a:t>
-            </a:r>
-            <a:r>
-              <a:rPr lang="en-US" sz="5400" b="1" dirty="0" smtClean="0">
+              <a:t>Perez, </a:t>
+            </a:r>
+            <a:r>
+              <a:rPr lang="en-US" sz="5400" b="1" smtClean="0">
                 <a:solidFill>
                   <a:srgbClr val="F9F1EC"/>
                 </a:solidFill>
               </a:rPr>
-              <a:t>, Alex Wang</a:t>
-            </a:r>
-            <a:r>
-              <a:rPr lang="en-US" sz="5400" b="1" baseline="30000" dirty="0" smtClean="0">
+              <a:t>Alex </a:t>
+            </a:r>
+            <a:r>
+              <a:rPr lang="en-US" sz="5400" b="1" smtClean="0">
                 <a:solidFill>
                   <a:srgbClr val="F9F1EC"/>
                 </a:solidFill>
               </a:rPr>
-              <a:t>1</a:t>
+              <a:t>Wang</a:t>
             </a:r>
             <a:endParaRPr lang="en-US" sz="5400" b="1" dirty="0" smtClean="0">
               <a:solidFill>
@@ -3569,7 +3580,7 @@
         </p:nvSpPr>
         <p:spPr>
           <a:xfrm>
-            <a:off x="1828801" y="6805891"/>
+            <a:off x="1828800" y="5821756"/>
             <a:ext cx="10907486" cy="1368708"/>
           </a:xfrm>
           <a:prstGeom prst="rect">
@@ -3610,7 +3621,7 @@
         </p:nvSpPr>
         <p:spPr>
           <a:xfrm>
-            <a:off x="15759464" y="6805891"/>
+            <a:off x="15759463" y="5823343"/>
             <a:ext cx="10907485" cy="1368708"/>
           </a:xfrm>
           <a:prstGeom prst="rect">
@@ -3692,7 +3703,7 @@
         </p:nvSpPr>
         <p:spPr>
           <a:xfrm>
-            <a:off x="30270555" y="6831649"/>
+            <a:off x="30360309" y="5821756"/>
             <a:ext cx="10907486" cy="1368708"/>
           </a:xfrm>
           <a:prstGeom prst="rect">
@@ -3733,7 +3744,7 @@
         </p:nvSpPr>
         <p:spPr>
           <a:xfrm>
-            <a:off x="29117758" y="9054741"/>
+            <a:off x="29226463" y="8276935"/>
             <a:ext cx="6606539" cy="1015663"/>
           </a:xfrm>
           <a:prstGeom prst="rect">
@@ -3774,7 +3785,7 @@
         </p:nvSpPr>
         <p:spPr>
           <a:xfrm>
-            <a:off x="36309300" y="9054741"/>
+            <a:off x="36323107" y="8245376"/>
             <a:ext cx="6632363" cy="1015663"/>
           </a:xfrm>
           <a:prstGeom prst="rect">
@@ -3815,7 +3826,7 @@
         </p:nvSpPr>
         <p:spPr>
           <a:xfrm>
-            <a:off x="1828801" y="9054741"/>
+            <a:off x="1828801" y="8104569"/>
             <a:ext cx="10907485" cy="6124754"/>
           </a:xfrm>
           <a:prstGeom prst="rect">
@@ -3875,8 +3886,8 @@
           </a:p>
         </p:txBody>
       </p:sp>
-      <mc:AlternateContent xmlns:mc="http://schemas.openxmlformats.org/markup-compatibility/2006" xmlns:a14="http://schemas.microsoft.com/office/drawing/2010/main">
-        <mc:Choice Requires="a14">
+      <mc:AlternateContent xmlns:mc="http://schemas.openxmlformats.org/markup-compatibility/2006">
+        <mc:Choice xmlns:a14="http://schemas.microsoft.com/office/drawing/2010/main" Requires="a14">
           <p:sp>
             <p:nvSpPr>
               <p:cNvPr id="32" name="TextBox 31"/>
@@ -3885,7 +3896,7 @@
             </p:nvSpPr>
             <p:spPr>
               <a:xfrm>
-                <a:off x="15759464" y="9069226"/>
+                <a:off x="15759463" y="8284316"/>
                 <a:ext cx="10907485" cy="10609892"/>
               </a:xfrm>
               <a:prstGeom prst="rect">
@@ -3939,7 +3950,7 @@
                         <m:dPr>
                           <m:ctrlPr>
                             <a:rPr lang="en-US" sz="2800" b="0" i="1" smtClean="0">
-                              <a:latin typeface="Cambria Math"/>
+                              <a:latin typeface="Cambria Math" panose="02040503050406030204" pitchFamily="18" charset="0"/>
                             </a:rPr>
                           </m:ctrlPr>
                         </m:dPr>
@@ -3954,7 +3965,7 @@
                             <m:sSubPr>
                               <m:ctrlPr>
                                 <a:rPr lang="en-US" sz="2800" b="1" i="1" smtClean="0">
-                                  <a:latin typeface="Cambria Math"/>
+                                  <a:latin typeface="Cambria Math" panose="02040503050406030204" pitchFamily="18" charset="0"/>
                                 </a:rPr>
                               </m:ctrlPr>
                             </m:sSubPr>
@@ -3985,7 +3996,7 @@
                             <m:sSubPr>
                               <m:ctrlPr>
                                 <a:rPr lang="en-US" sz="2800" b="1" i="1" smtClean="0">
-                                  <a:latin typeface="Cambria Math"/>
+                                  <a:latin typeface="Cambria Math" panose="02040503050406030204" pitchFamily="18" charset="0"/>
                                 </a:rPr>
                               </m:ctrlPr>
                             </m:sSubPr>
@@ -4018,7 +4029,7 @@
                         <m:sSubSupPr>
                           <m:ctrlPr>
                             <a:rPr lang="en-US" sz="2800" i="1" smtClean="0">
-                              <a:latin typeface="Cambria Math"/>
+                              <a:latin typeface="Cambria Math" panose="02040503050406030204" pitchFamily="18" charset="0"/>
                             </a:rPr>
                           </m:ctrlPr>
                         </m:sSubSupPr>
@@ -4063,7 +4074,7 @@
                         <m:dPr>
                           <m:ctrlPr>
                             <a:rPr lang="en-US" sz="2800" i="1" smtClean="0">
-                              <a:latin typeface="Cambria Math"/>
+                              <a:latin typeface="Cambria Math" panose="02040503050406030204" pitchFamily="18" charset="0"/>
                             </a:rPr>
                           </m:ctrlPr>
                         </m:dPr>
@@ -4078,7 +4089,7 @@
                             <m:fPr>
                               <m:ctrlPr>
                                 <a:rPr lang="en-US" sz="2800" i="1" smtClean="0">
-                                  <a:latin typeface="Cambria Math"/>
+                                  <a:latin typeface="Cambria Math" panose="02040503050406030204" pitchFamily="18" charset="0"/>
                                 </a:rPr>
                               </m:ctrlPr>
                             </m:fPr>
@@ -4103,7 +4114,7 @@
                             <m:sSupPr>
                               <m:ctrlPr>
                                 <a:rPr lang="en-US" sz="2800" i="1" smtClean="0">
-                                  <a:latin typeface="Cambria Math"/>
+                                  <a:latin typeface="Cambria Math" panose="02040503050406030204" pitchFamily="18" charset="0"/>
                                 </a:rPr>
                               </m:ctrlPr>
                             </m:sSupPr>
@@ -4112,7 +4123,7 @@
                                 <m:dPr>
                                   <m:ctrlPr>
                                     <a:rPr lang="en-US" sz="2800" i="1" smtClean="0">
-                                      <a:latin typeface="Cambria Math"/>
+                                      <a:latin typeface="Cambria Math" panose="02040503050406030204" pitchFamily="18" charset="0"/>
                                     </a:rPr>
                                   </m:ctrlPr>
                                 </m:dPr>
@@ -4121,7 +4132,7 @@
                                     <m:sSubPr>
                                       <m:ctrlPr>
                                         <a:rPr lang="en-US" sz="2800" b="1" i="1" smtClean="0">
-                                          <a:latin typeface="Cambria Math"/>
+                                          <a:latin typeface="Cambria Math" panose="02040503050406030204" pitchFamily="18" charset="0"/>
                                         </a:rPr>
                                       </m:ctrlPr>
                                     </m:sSubPr>
@@ -4152,7 +4163,7 @@
                                     <m:sSubPr>
                                       <m:ctrlPr>
                                         <a:rPr lang="en-US" sz="2800" b="1" i="1" smtClean="0">
-                                          <a:latin typeface="Cambria Math"/>
+                                          <a:latin typeface="Cambria Math" panose="02040503050406030204" pitchFamily="18" charset="0"/>
                                         </a:rPr>
                                       </m:ctrlPr>
                                     </m:sSubPr>
@@ -4195,7 +4206,7 @@
                             <m:dPr>
                               <m:ctrlPr>
                                 <a:rPr lang="en-US" sz="2800" i="1" smtClean="0">
-                                  <a:latin typeface="Cambria Math"/>
+                                  <a:latin typeface="Cambria Math" panose="02040503050406030204" pitchFamily="18" charset="0"/>
                                 </a:rPr>
                               </m:ctrlPr>
                             </m:dPr>
@@ -4204,7 +4215,7 @@
                                 <m:sSubPr>
                                   <m:ctrlPr>
                                     <a:rPr lang="en-US" sz="2800" b="1" i="1" smtClean="0">
-                                      <a:latin typeface="Cambria Math"/>
+                                      <a:latin typeface="Cambria Math" panose="02040503050406030204" pitchFamily="18" charset="0"/>
                                     </a:rPr>
                                   </m:ctrlPr>
                                 </m:sSubPr>
@@ -4235,7 +4246,7 @@
                                 <m:sSubPr>
                                   <m:ctrlPr>
                                     <a:rPr lang="en-US" sz="2800" b="1" i="1" smtClean="0">
-                                      <a:latin typeface="Cambria Math"/>
+                                      <a:latin typeface="Cambria Math" panose="02040503050406030204" pitchFamily="18" charset="0"/>
                                     </a:rPr>
                                   </m:ctrlPr>
                                 </m:sSubPr>
@@ -4270,7 +4281,7 @@
                         <m:sSubSupPr>
                           <m:ctrlPr>
                             <a:rPr lang="en-US" sz="2800" i="1" smtClean="0">
-                              <a:latin typeface="Cambria Math"/>
+                              <a:latin typeface="Cambria Math" panose="02040503050406030204" pitchFamily="18" charset="0"/>
                             </a:rPr>
                           </m:ctrlPr>
                         </m:sSubSupPr>
@@ -4303,7 +4314,7 @@
                         <m:sSubPr>
                           <m:ctrlPr>
                             <a:rPr lang="en-US" sz="2800" i="1" smtClean="0">
-                              <a:latin typeface="Cambria Math"/>
+                              <a:latin typeface="Cambria Math" panose="02040503050406030204" pitchFamily="18" charset="0"/>
                             </a:rPr>
                           </m:ctrlPr>
                         </m:sSubPr>
@@ -4340,7 +4351,7 @@
                       <m:sSubPr>
                         <m:ctrlPr>
                           <a:rPr lang="en-US" sz="2800" b="1" i="1" smtClean="0">
-                            <a:latin typeface="Cambria Math"/>
+                            <a:latin typeface="Cambria Math" panose="02040503050406030204" pitchFamily="18" charset="0"/>
                           </a:rPr>
                         </m:ctrlPr>
                       </m:sSubPr>
@@ -4373,7 +4384,7 @@
                       <m:sSubSupPr>
                         <m:ctrlPr>
                           <a:rPr lang="en-US" sz="2800" i="1">
-                            <a:latin typeface="Cambria Math"/>
+                            <a:latin typeface="Cambria Math" panose="02040503050406030204" pitchFamily="18" charset="0"/>
                           </a:rPr>
                         </m:ctrlPr>
                       </m:sSubSupPr>
@@ -4428,7 +4439,7 @@
                       <m:sSubSupPr>
                         <m:ctrlPr>
                           <a:rPr lang="en-US" sz="2800" i="1">
-                            <a:latin typeface="Cambria Math"/>
+                            <a:latin typeface="Cambria Math" panose="02040503050406030204" pitchFamily="18" charset="0"/>
                           </a:rPr>
                         </m:ctrlPr>
                       </m:sSubSupPr>
@@ -4476,7 +4487,7 @@
             </p:txBody>
           </p:sp>
         </mc:Choice>
-        <mc:Fallback xmlns="">
+        <mc:Fallback>
           <p:sp>
             <p:nvSpPr>
               <p:cNvPr id="32" name="TextBox 31"/>
@@ -4487,16 +4498,16 @@
             </p:nvSpPr>
             <p:spPr>
               <a:xfrm>
-                <a:off x="15759464" y="9069226"/>
+                <a:off x="15759463" y="8284316"/>
                 <a:ext cx="10907485" cy="10609892"/>
               </a:xfrm>
               <a:prstGeom prst="rect">
                 <a:avLst/>
               </a:prstGeom>
-              <a:blipFill rotWithShape="1">
+              <a:blipFill rotWithShape="0">
                 <a:blip r:embed="rId3"/>
                 <a:stretch>
-                  <a:fillRect l="-1118" t="-517" r="-1397" b="-690"/>
+                  <a:fillRect l="-1118" t="-575" r="-1397" b="-690"/>
                 </a:stretch>
               </a:blipFill>
             </p:spPr>
@@ -4537,7 +4548,7 @@
         </p:blipFill>
         <p:spPr>
           <a:xfrm>
-            <a:off x="5077515" y="22279100"/>
+            <a:off x="7085918" y="22635901"/>
             <a:ext cx="5647482" cy="3882644"/>
           </a:xfrm>
           <a:prstGeom prst="rect">
@@ -4651,7 +4662,7 @@
         </p:nvSpPr>
         <p:spPr>
           <a:xfrm>
-            <a:off x="27443839" y="11796808"/>
+            <a:off x="27443839" y="10996370"/>
             <a:ext cx="1107996" cy="2432515"/>
           </a:xfrm>
           <a:prstGeom prst="rect">
@@ -4692,7 +4703,7 @@
         </p:nvSpPr>
         <p:spPr>
           <a:xfrm>
-            <a:off x="27443839" y="16827749"/>
+            <a:off x="27443839" y="16006725"/>
             <a:ext cx="1107996" cy="2432515"/>
           </a:xfrm>
           <a:prstGeom prst="rect">
@@ -4733,7 +4744,7 @@
         </p:nvSpPr>
         <p:spPr>
           <a:xfrm>
-            <a:off x="27443839" y="22221337"/>
+            <a:off x="27443839" y="20994204"/>
             <a:ext cx="1107996" cy="2432515"/>
           </a:xfrm>
           <a:prstGeom prst="rect">
@@ -4768,14 +4779,14 @@
       </p:sp>
       <p:sp>
         <p:nvSpPr>
-          <p:cNvPr id="43" name="TextBox 42"/>
+          <p:cNvPr id="44" name="TextBox 43"/>
           <p:cNvSpPr txBox="1"/>
           <p:nvPr/>
         </p:nvSpPr>
         <p:spPr>
           <a:xfrm>
-            <a:off x="8594919" y="30489240"/>
-            <a:ext cx="4696718" cy="1569660"/>
+            <a:off x="30360309" y="25082565"/>
+            <a:ext cx="10907486" cy="2677656"/>
           </a:xfrm>
           <a:prstGeom prst="rect">
             <a:avLst/>
@@ -4796,46 +4807,6 @@
                   <a:srgbClr val="2D1E3E"/>
                 </a:solidFill>
               </a:rPr>
-              <a:t>Right: Predictive and True Crime Distributions over Compressed Feature Space for San Francisco using GP model with RBF Kernel.</a:t>
-            </a:r>
-            <a:endParaRPr lang="en-US" sz="2400" dirty="0">
-              <a:solidFill>
-                <a:srgbClr val="2D1E3E"/>
-              </a:solidFill>
-            </a:endParaRPr>
-          </a:p>
-        </p:txBody>
-      </p:sp>
-      <p:sp>
-        <p:nvSpPr>
-          <p:cNvPr id="44" name="TextBox 43"/>
-          <p:cNvSpPr txBox="1"/>
-          <p:nvPr/>
-        </p:nvSpPr>
-        <p:spPr>
-          <a:xfrm>
-            <a:off x="30270555" y="25457739"/>
-            <a:ext cx="11086995" cy="2677656"/>
-          </a:xfrm>
-          <a:prstGeom prst="rect">
-            <a:avLst/>
-          </a:prstGeom>
-          <a:solidFill>
-            <a:srgbClr val="E5BABA"/>
-          </a:solidFill>
-        </p:spPr>
-        <p:txBody>
-          <a:bodyPr wrap="square" rtlCol="0">
-            <a:spAutoFit/>
-          </a:bodyPr>
-          <a:lstStyle/>
-          <a:p>
-            <a:r>
-              <a:rPr lang="en-US" sz="2400" dirty="0" smtClean="0">
-                <a:solidFill>
-                  <a:srgbClr val="2D1E3E"/>
-                </a:solidFill>
-              </a:rPr>
               <a:t>Above: Geographic </a:t>
             </a:r>
             <a:r>
@@ -4895,7 +4866,7 @@
         </p:nvSpPr>
         <p:spPr>
           <a:xfrm>
-            <a:off x="30270554" y="28683383"/>
+            <a:off x="30360309" y="28369030"/>
             <a:ext cx="10907486" cy="1368708"/>
           </a:xfrm>
           <a:prstGeom prst="rect">
@@ -4936,7 +4907,7 @@
         </p:nvSpPr>
         <p:spPr>
           <a:xfrm>
-            <a:off x="30270555" y="30505784"/>
+            <a:off x="30360309" y="30346547"/>
             <a:ext cx="10907486" cy="1938992"/>
           </a:xfrm>
           <a:prstGeom prst="rect">
@@ -5095,7 +5066,7 @@
         </p:blipFill>
         <p:spPr>
           <a:xfrm>
-            <a:off x="29183601" y="10924786"/>
+            <a:off x="29226463" y="10124349"/>
             <a:ext cx="6606539" cy="4176557"/>
           </a:xfrm>
           <a:prstGeom prst="rect">
@@ -5125,7 +5096,7 @@
         </p:blipFill>
         <p:spPr>
           <a:xfrm>
-            <a:off x="29117758" y="20986669"/>
+            <a:off x="29226463" y="20122183"/>
             <a:ext cx="6606539" cy="4176557"/>
           </a:xfrm>
           <a:prstGeom prst="rect">
@@ -5141,8 +5112,8 @@
         </p:nvSpPr>
         <p:spPr>
           <a:xfrm>
-            <a:off x="2585826" y="23252928"/>
-            <a:ext cx="2085541" cy="1569660"/>
+            <a:off x="2585826" y="24157799"/>
+            <a:ext cx="4008612" cy="830997"/>
           </a:xfrm>
           <a:prstGeom prst="rect">
             <a:avLst/>
@@ -5163,7 +5134,15 @@
                   <a:srgbClr val="2D1E3E"/>
                 </a:solidFill>
               </a:rPr>
-              <a:t>Left: Model of GP Likelihood vs. Grid Size for Boston</a:t>
+              <a:t>Right: </a:t>
+            </a:r>
+            <a:r>
+              <a:rPr lang="en-US" sz="2400" dirty="0" smtClean="0">
+                <a:solidFill>
+                  <a:srgbClr val="2D1E3E"/>
+                </a:solidFill>
+              </a:rPr>
+              <a:t>Model of GP Likelihood vs. Grid Size for Boston</a:t>
             </a:r>
             <a:endParaRPr lang="en-US" sz="2400" dirty="0"/>
           </a:p>
@@ -5191,7 +5170,7 @@
         </p:blipFill>
         <p:spPr>
           <a:xfrm>
-            <a:off x="1826259" y="26161744"/>
+            <a:off x="1828800" y="27135841"/>
             <a:ext cx="6074997" cy="4176560"/>
           </a:xfrm>
           <a:prstGeom prst="rect">
@@ -5207,7 +5186,7 @@
         </p:nvSpPr>
         <p:spPr>
           <a:xfrm>
-            <a:off x="2515398" y="30489710"/>
+            <a:off x="8036682" y="28367051"/>
             <a:ext cx="4696718" cy="1569660"/>
           </a:xfrm>
           <a:prstGeom prst="rect">
@@ -5271,8 +5250,8 @@
         </p:blipFill>
         <p:spPr>
           <a:xfrm>
-            <a:off x="29117760" y="15933094"/>
-            <a:ext cx="6678144" cy="4221824"/>
+            <a:off x="29183600" y="15107607"/>
+            <a:ext cx="6692265" cy="4230751"/>
           </a:xfrm>
           <a:prstGeom prst="rect">
             <a:avLst/>
@@ -5301,7 +5280,7 @@
         </p:blipFill>
         <p:spPr>
           <a:xfrm>
-            <a:off x="36309532" y="10926519"/>
+            <a:off x="36324482" y="10125215"/>
             <a:ext cx="6629612" cy="4174824"/>
           </a:xfrm>
           <a:prstGeom prst="rect">
@@ -5331,7 +5310,7 @@
         </p:blipFill>
         <p:spPr>
           <a:xfrm>
-            <a:off x="36306511" y="15957459"/>
+            <a:off x="36306511" y="15124253"/>
             <a:ext cx="6665555" cy="4197459"/>
           </a:xfrm>
           <a:prstGeom prst="rect">
@@ -5361,7 +5340,7 @@
         </p:blipFill>
         <p:spPr>
           <a:xfrm>
-            <a:off x="36309531" y="20941801"/>
+            <a:off x="36324482" y="20123049"/>
             <a:ext cx="6629613" cy="4174825"/>
           </a:xfrm>
           <a:prstGeom prst="rect">
@@ -5369,36 +5348,6 @@
           </a:prstGeom>
         </p:spPr>
       </p:pic>
-      <p:pic>
-        <p:nvPicPr>
-          <p:cNvPr id="15" name="Picture 14"/>
-          <p:cNvPicPr>
-            <a:picLocks noChangeAspect="1"/>
-          </p:cNvPicPr>
-          <p:nvPr/>
-        </p:nvPicPr>
-        <p:blipFill>
-          <a:blip r:embed="rId12">
-            <a:extLst>
-              <a:ext uri="{28A0092B-C50C-407E-A947-70E740481C1C}">
-                <a14:useLocalDpi xmlns:a14="http://schemas.microsoft.com/office/drawing/2010/main" val="0"/>
-              </a:ext>
-            </a:extLst>
-          </a:blip>
-          <a:stretch>
-            <a:fillRect/>
-          </a:stretch>
-        </p:blipFill>
-        <p:spPr>
-          <a:xfrm>
-            <a:off x="7901256" y="26161744"/>
-            <a:ext cx="6084044" cy="4182780"/>
-          </a:xfrm>
-          <a:prstGeom prst="rect">
-            <a:avLst/>
-          </a:prstGeom>
-        </p:spPr>
-      </p:pic>
       <p:sp>
         <p:nvSpPr>
           <p:cNvPr id="34" name="TextBox 33"/>
@@ -5407,7 +5356,7 @@
         </p:nvSpPr>
         <p:spPr>
           <a:xfrm>
-            <a:off x="1828801" y="15238847"/>
+            <a:off x="1828800" y="14352753"/>
             <a:ext cx="10907486" cy="1368708"/>
           </a:xfrm>
           <a:prstGeom prst="rect">
@@ -5448,7 +5397,7 @@
         </p:nvSpPr>
         <p:spPr>
           <a:xfrm>
-            <a:off x="16080828" y="22837429"/>
+            <a:off x="15982790" y="22372543"/>
             <a:ext cx="4256689" cy="1200329"/>
           </a:xfrm>
           <a:prstGeom prst="rect">
@@ -5470,7 +5419,55 @@
                   <a:srgbClr val="2D1E3E"/>
                 </a:solidFill>
               </a:rPr>
-              <a:t>Above: Optimized Model Hyper parameters for Boston Region discretized into 225 buckets.</a:t>
+              <a:t>Above: Optimized </a:t>
+            </a:r>
+            <a:r>
+              <a:rPr lang="en-US" sz="2400" dirty="0" smtClean="0">
+                <a:solidFill>
+                  <a:srgbClr val="2D1E3E"/>
+                </a:solidFill>
+              </a:rPr>
+              <a:t>model </a:t>
+            </a:r>
+            <a:r>
+              <a:rPr lang="en-US" sz="2400" dirty="0" smtClean="0">
+                <a:solidFill>
+                  <a:srgbClr val="2D1E3E"/>
+                </a:solidFill>
+              </a:rPr>
+              <a:t>h</a:t>
+            </a:r>
+            <a:r>
+              <a:rPr lang="en-US" sz="2400" dirty="0" smtClean="0">
+                <a:solidFill>
+                  <a:srgbClr val="2D1E3E"/>
+                </a:solidFill>
+              </a:rPr>
+              <a:t>yper </a:t>
+            </a:r>
+            <a:r>
+              <a:rPr lang="en-US" sz="2400" dirty="0" smtClean="0">
+                <a:solidFill>
+                  <a:srgbClr val="2D1E3E"/>
+                </a:solidFill>
+              </a:rPr>
+              <a:t>parameters for </a:t>
+            </a:r>
+            <a:r>
+              <a:rPr lang="en-US" sz="2400" dirty="0" smtClean="0">
+                <a:solidFill>
+                  <a:srgbClr val="2D1E3E"/>
+                </a:solidFill>
+              </a:rPr>
+              <a:t>Boston discretized </a:t>
+            </a:r>
+            <a:r>
+              <a:rPr lang="en-US" sz="2400" dirty="0" smtClean="0">
+                <a:solidFill>
+                  <a:srgbClr val="2D1E3E"/>
+                </a:solidFill>
+              </a:rPr>
+              <a:t>into 225 buckets.</a:t>
             </a:r>
             <a:endParaRPr lang="en-US" sz="2400" dirty="0">
               <a:solidFill>
@@ -5489,7 +5486,7 @@
           <p:nvPr/>
         </p:nvPicPr>
         <p:blipFill>
-          <a:blip r:embed="rId13">
+          <a:blip r:embed="rId12">
             <a:extLst>
               <a:ext uri="{28A0092B-C50C-407E-A947-70E740481C1C}">
                 <a14:useLocalDpi xmlns:a14="http://schemas.microsoft.com/office/drawing/2010/main" val="0"/>
@@ -5503,7 +5500,7 @@
         </p:blipFill>
         <p:spPr bwMode="auto">
           <a:xfrm>
-            <a:off x="16080828" y="19679118"/>
+            <a:off x="15982790" y="18941430"/>
             <a:ext cx="4256689" cy="2815546"/>
           </a:xfrm>
           <a:prstGeom prst="rect">
@@ -5552,7 +5549,7 @@
         </p:nvGrpSpPr>
         <p:grpSpPr>
           <a:xfrm>
-            <a:off x="2250047" y="16863046"/>
+            <a:off x="2369476" y="16500927"/>
             <a:ext cx="9685279" cy="4123623"/>
             <a:chOff x="3920305" y="15604099"/>
             <a:chExt cx="8146860" cy="5337702"/>
@@ -5567,7 +5564,7 @@
             <p:nvPr/>
           </p:nvPicPr>
           <p:blipFill>
-            <a:blip r:embed="rId14">
+            <a:blip r:embed="rId13">
               <a:extLst>
                 <a:ext uri="{28A0092B-C50C-407E-A947-70E740481C1C}">
                   <a14:useLocalDpi xmlns:a14="http://schemas.microsoft.com/office/drawing/2010/main" val="0"/>
@@ -5608,7 +5605,7 @@
             <p:nvPr/>
           </p:nvPicPr>
           <p:blipFill>
-            <a:blip r:embed="rId15">
+            <a:blip r:embed="rId14">
               <a:extLst>
                 <a:ext uri="{28A0092B-C50C-407E-A947-70E740481C1C}">
                   <a14:useLocalDpi xmlns:a14="http://schemas.microsoft.com/office/drawing/2010/main" val="0"/>
@@ -5649,7 +5646,7 @@
             <p:nvPr/>
           </p:nvPicPr>
           <p:blipFill>
-            <a:blip r:embed="rId16" cstate="print">
+            <a:blip r:embed="rId15" cstate="print">
               <a:extLst>
                 <a:ext uri="{28A0092B-C50C-407E-A947-70E740481C1C}">
                   <a14:useLocalDpi xmlns:a14="http://schemas.microsoft.com/office/drawing/2010/main" val="0"/>
@@ -5690,7 +5687,7 @@
             <p:nvPr/>
           </p:nvPicPr>
           <p:blipFill>
-            <a:blip r:embed="rId17" cstate="print">
+            <a:blip r:embed="rId16" cstate="print">
               <a:extLst>
                 <a:ext uri="{28A0092B-C50C-407E-A947-70E740481C1C}">
                   <a14:useLocalDpi xmlns:a14="http://schemas.microsoft.com/office/drawing/2010/main" val="0"/>
@@ -5731,7 +5728,7 @@
         </p:nvSpPr>
         <p:spPr>
           <a:xfrm>
-            <a:off x="2633561" y="21110099"/>
+            <a:off x="2703988" y="21044611"/>
             <a:ext cx="9157110" cy="830997"/>
           </a:xfrm>
           <a:prstGeom prst="rect">
@@ -5783,7 +5780,7 @@
         </p:nvGrpSpPr>
         <p:grpSpPr>
           <a:xfrm>
-            <a:off x="20574000" y="22541259"/>
+            <a:off x="20889205" y="22083495"/>
             <a:ext cx="2743200" cy="1489377"/>
             <a:chOff x="20574000" y="22435793"/>
             <a:chExt cx="3219450" cy="1594843"/>
@@ -5986,7 +5983,7 @@
         </p:nvSpPr>
         <p:spPr>
           <a:xfrm>
-            <a:off x="21486350" y="20926688"/>
+            <a:off x="21801555" y="20468924"/>
             <a:ext cx="715898" cy="756149"/>
           </a:xfrm>
           <a:prstGeom prst="ellipse">
@@ -6028,7 +6025,7 @@
         </p:nvSpPr>
         <p:spPr>
           <a:xfrm>
-            <a:off x="24496250" y="20926687"/>
+            <a:off x="24811455" y="20468923"/>
             <a:ext cx="715898" cy="756149"/>
           </a:xfrm>
           <a:prstGeom prst="ellipse">
@@ -6073,7 +6070,7 @@
         </p:nvCxnSpPr>
         <p:spPr>
           <a:xfrm flipV="1">
-            <a:off x="22202248" y="21304762"/>
+            <a:off x="22517453" y="20846998"/>
             <a:ext cx="2294002" cy="1"/>
           </a:xfrm>
           <a:prstGeom prst="line">
@@ -6106,7 +6103,7 @@
         </p:nvCxnSpPr>
         <p:spPr>
           <a:xfrm flipV="1">
-            <a:off x="21213206" y="21572102"/>
+            <a:off x="21528411" y="21114338"/>
             <a:ext cx="377985" cy="1074771"/>
           </a:xfrm>
           <a:prstGeom prst="straightConnector1">
@@ -6142,7 +6139,7 @@
         </p:nvCxnSpPr>
         <p:spPr>
           <a:xfrm flipH="1" flipV="1">
-            <a:off x="21844299" y="21682837"/>
+            <a:off x="22159504" y="21225073"/>
             <a:ext cx="67700" cy="956913"/>
           </a:xfrm>
           <a:prstGeom prst="straightConnector1">
@@ -6178,7 +6175,7 @@
         </p:nvCxnSpPr>
         <p:spPr>
           <a:xfrm flipH="1" flipV="1">
-            <a:off x="22097407" y="21572102"/>
+            <a:off x="22412612" y="21114338"/>
             <a:ext cx="665890" cy="1067649"/>
           </a:xfrm>
           <a:prstGeom prst="straightConnector1">
@@ -6213,7 +6210,7 @@
         </p:nvCxnSpPr>
         <p:spPr>
           <a:xfrm flipV="1">
-            <a:off x="21844299" y="20307300"/>
+            <a:off x="22159504" y="19849536"/>
             <a:ext cx="0" cy="619388"/>
           </a:xfrm>
           <a:prstGeom prst="straightConnector1">
@@ -6246,7 +6243,7 @@
         </p:nvCxnSpPr>
         <p:spPr>
           <a:xfrm flipV="1">
-            <a:off x="24881998" y="20307300"/>
+            <a:off x="25197203" y="19849536"/>
             <a:ext cx="6051" cy="634501"/>
           </a:xfrm>
           <a:prstGeom prst="straightConnector1">
@@ -6279,7 +6276,7 @@
         </p:nvSpPr>
         <p:spPr>
           <a:xfrm>
-            <a:off x="21402198" y="19551151"/>
+            <a:off x="21717403" y="19093387"/>
             <a:ext cx="800050" cy="756149"/>
           </a:xfrm>
           <a:prstGeom prst="ellipse">
@@ -6323,7 +6320,7 @@
         </p:nvSpPr>
         <p:spPr>
           <a:xfrm>
-            <a:off x="24412098" y="19551150"/>
+            <a:off x="24727303" y="19093386"/>
             <a:ext cx="800050" cy="756149"/>
           </a:xfrm>
           <a:prstGeom prst="ellipse">
@@ -6367,7 +6364,7 @@
         </p:nvGrpSpPr>
         <p:grpSpPr>
           <a:xfrm>
-            <a:off x="23735707" y="22548381"/>
+            <a:off x="24050912" y="22090617"/>
             <a:ext cx="2743200" cy="1489377"/>
             <a:chOff x="20574000" y="22435793"/>
             <a:chExt cx="3219450" cy="1594843"/>
@@ -6570,7 +6567,7 @@
         </p:nvCxnSpPr>
         <p:spPr>
           <a:xfrm flipV="1">
-            <a:off x="24223106" y="21621183"/>
+            <a:off x="24538311" y="21163419"/>
             <a:ext cx="377985" cy="1074771"/>
           </a:xfrm>
           <a:prstGeom prst="straightConnector1">
@@ -6603,7 +6600,7 @@
         </p:nvCxnSpPr>
         <p:spPr>
           <a:xfrm flipH="1" flipV="1">
-            <a:off x="24854199" y="21731918"/>
+            <a:off x="25169404" y="21274154"/>
             <a:ext cx="67700" cy="956913"/>
           </a:xfrm>
           <a:prstGeom prst="straightConnector1">
@@ -6636,7 +6633,7 @@
         </p:nvCxnSpPr>
         <p:spPr>
           <a:xfrm flipH="1" flipV="1">
-            <a:off x="25107307" y="21621183"/>
+            <a:off x="25422512" y="21163419"/>
             <a:ext cx="665890" cy="1067649"/>
           </a:xfrm>
           <a:prstGeom prst="straightConnector1">
@@ -6936,7 +6933,7 @@
   <a:extraClrSchemeLst/>
   <a:extLst>
     <a:ext uri="{05A4C25C-085E-4340-85A3-A5531E510DB2}">
-      <thm15:themeFamily xmlns="" xmlns:thm15="http://schemas.microsoft.com/office/thememl/2012/main" name="Office Theme" id="{62F939B6-93AF-4DB8-9C6B-D6C7DFDC589F}" vid="{4A3C46E8-61CC-4603-A589-7422A47A8E4A}"/>
+      <thm15:themeFamily xmlns:thm15="http://schemas.microsoft.com/office/thememl/2012/main" name="Office Theme" id="{62F939B6-93AF-4DB8-9C6B-D6C7DFDC589F}" vid="{4A3C46E8-61CC-4603-A589-7422A47A8E4A}"/>
     </a:ext>
   </a:extLst>
 </a:theme>
@@ -7197,7 +7194,7 @@
   <a:extraClrSchemeLst/>
   <a:extLst>
     <a:ext uri="{05A4C25C-085E-4340-85A3-A5531E510DB2}">
-      <thm15:themeFamily xmlns="" xmlns:thm15="http://schemas.microsoft.com/office/thememl/2012/main" name="Office Theme" id="{62F939B6-93AF-4DB8-9C6B-D6C7DFDC589F}" vid="{4A3C46E8-61CC-4603-A589-7422A47A8E4A}"/>
+      <thm15:themeFamily xmlns:thm15="http://schemas.microsoft.com/office/thememl/2012/main" name="Office Theme" id="{62F939B6-93AF-4DB8-9C6B-D6C7DFDC589F}" vid="{4A3C46E8-61CC-4603-A589-7422A47A8E4A}"/>
     </a:ext>
   </a:extLst>
 </a:theme>
